--- a/news/2017-11-08.pptx
+++ b/news/2017-11-08.pptx
@@ -1,27 +1,127 @@
 
 <file path=ppt/presentation.xml><?xml version="1.0" encoding="utf-8"?>
-<p:presentation xmlns:a="http://schemas.openxmlformats.org/drawingml/2006/main" xmlns:p="http://schemas.openxmlformats.org/presentationml/2006/main" xmlns:r="http://schemas.openxmlformats.org/officeDocument/2006/relationships" xmlns:p14="http://schemas.microsoft.com/office/powerpoint/2010/main" xmlns:p15="http://schemas.microsoft.com/office/powerpoint/2012/main" xmlns:mc="http://schemas.openxmlformats.org/markup-compatibility/2006">
+<p:presentation xmlns:a="http://schemas.openxmlformats.org/drawingml/2006/main" xmlns:r="http://schemas.openxmlformats.org/officeDocument/2006/relationships" xmlns:p="http://schemas.openxmlformats.org/presentationml/2006/main">
   <p:sldMasterIdLst>
-    <p:sldMasterId id="2147483648" r:id="rId2"/>
-    <p:sldMasterId id="2147483661" r:id="rId3"/>
-    <p:sldMasterId id="2147483674" r:id="rId4"/>
+    <p:sldMasterId id="2147483648" r:id="rId1"/>
+    <p:sldMasterId id="2147483661" r:id="rId2"/>
+    <p:sldMasterId id="2147483674" r:id="rId3"/>
   </p:sldMasterIdLst>
   <p:sldIdLst>
-    <p:sldId id="256" r:id="rId5"/>
-    <p:sldId id="257" r:id="rId6"/>
-    <p:sldId id="258" r:id="rId7"/>
-    <p:sldId id="259" r:id="rId8"/>
-    <p:sldId id="260" r:id="rId9"/>
-    <p:sldId id="261" r:id="rId10"/>
+    <p:sldId id="256" r:id="rId4"/>
+    <p:sldId id="257" r:id="rId5"/>
+    <p:sldId id="258" r:id="rId6"/>
+    <p:sldId id="259" r:id="rId7"/>
+    <p:sldId id="260" r:id="rId8"/>
+    <p:sldId id="261" r:id="rId9"/>
+    <p:sldId id="263" r:id="rId10"/>
     <p:sldId id="262" r:id="rId11"/>
   </p:sldIdLst>
   <p:sldSz cx="10080625" cy="7559675"/>
-  <p:notesSz cx="7559675" cy="10691812"/>
+  <p:notesSz cx="7559675" cy="10691813"/>
+  <p:defaultTextStyle>
+    <a:defPPr>
+      <a:defRPr lang="en-US"/>
+    </a:defPPr>
+    <a:lvl1pPr marL="0" algn="l" defTabSz="914400" rtl="0" eaLnBrk="1" latinLnBrk="0" hangingPunct="1">
+      <a:defRPr sz="1800" kern="1200">
+        <a:solidFill>
+          <a:schemeClr val="tx1"/>
+        </a:solidFill>
+        <a:latin typeface="+mn-lt"/>
+        <a:ea typeface="+mn-ea"/>
+        <a:cs typeface="+mn-cs"/>
+      </a:defRPr>
+    </a:lvl1pPr>
+    <a:lvl2pPr marL="457200" algn="l" defTabSz="914400" rtl="0" eaLnBrk="1" latinLnBrk="0" hangingPunct="1">
+      <a:defRPr sz="1800" kern="1200">
+        <a:solidFill>
+          <a:schemeClr val="tx1"/>
+        </a:solidFill>
+        <a:latin typeface="+mn-lt"/>
+        <a:ea typeface="+mn-ea"/>
+        <a:cs typeface="+mn-cs"/>
+      </a:defRPr>
+    </a:lvl2pPr>
+    <a:lvl3pPr marL="914400" algn="l" defTabSz="914400" rtl="0" eaLnBrk="1" latinLnBrk="0" hangingPunct="1">
+      <a:defRPr sz="1800" kern="1200">
+        <a:solidFill>
+          <a:schemeClr val="tx1"/>
+        </a:solidFill>
+        <a:latin typeface="+mn-lt"/>
+        <a:ea typeface="+mn-ea"/>
+        <a:cs typeface="+mn-cs"/>
+      </a:defRPr>
+    </a:lvl3pPr>
+    <a:lvl4pPr marL="1371600" algn="l" defTabSz="914400" rtl="0" eaLnBrk="1" latinLnBrk="0" hangingPunct="1">
+      <a:defRPr sz="1800" kern="1200">
+        <a:solidFill>
+          <a:schemeClr val="tx1"/>
+        </a:solidFill>
+        <a:latin typeface="+mn-lt"/>
+        <a:ea typeface="+mn-ea"/>
+        <a:cs typeface="+mn-cs"/>
+      </a:defRPr>
+    </a:lvl4pPr>
+    <a:lvl5pPr marL="1828800" algn="l" defTabSz="914400" rtl="0" eaLnBrk="1" latinLnBrk="0" hangingPunct="1">
+      <a:defRPr sz="1800" kern="1200">
+        <a:solidFill>
+          <a:schemeClr val="tx1"/>
+        </a:solidFill>
+        <a:latin typeface="+mn-lt"/>
+        <a:ea typeface="+mn-ea"/>
+        <a:cs typeface="+mn-cs"/>
+      </a:defRPr>
+    </a:lvl5pPr>
+    <a:lvl6pPr marL="2286000" algn="l" defTabSz="914400" rtl="0" eaLnBrk="1" latinLnBrk="0" hangingPunct="1">
+      <a:defRPr sz="1800" kern="1200">
+        <a:solidFill>
+          <a:schemeClr val="tx1"/>
+        </a:solidFill>
+        <a:latin typeface="+mn-lt"/>
+        <a:ea typeface="+mn-ea"/>
+        <a:cs typeface="+mn-cs"/>
+      </a:defRPr>
+    </a:lvl6pPr>
+    <a:lvl7pPr marL="2743200" algn="l" defTabSz="914400" rtl="0" eaLnBrk="1" latinLnBrk="0" hangingPunct="1">
+      <a:defRPr sz="1800" kern="1200">
+        <a:solidFill>
+          <a:schemeClr val="tx1"/>
+        </a:solidFill>
+        <a:latin typeface="+mn-lt"/>
+        <a:ea typeface="+mn-ea"/>
+        <a:cs typeface="+mn-cs"/>
+      </a:defRPr>
+    </a:lvl7pPr>
+    <a:lvl8pPr marL="3200400" algn="l" defTabSz="914400" rtl="0" eaLnBrk="1" latinLnBrk="0" hangingPunct="1">
+      <a:defRPr sz="1800" kern="1200">
+        <a:solidFill>
+          <a:schemeClr val="tx1"/>
+        </a:solidFill>
+        <a:latin typeface="+mn-lt"/>
+        <a:ea typeface="+mn-ea"/>
+        <a:cs typeface="+mn-cs"/>
+      </a:defRPr>
+    </a:lvl8pPr>
+    <a:lvl9pPr marL="3657600" algn="l" defTabSz="914400" rtl="0" eaLnBrk="1" latinLnBrk="0" hangingPunct="1">
+      <a:defRPr sz="1800" kern="1200">
+        <a:solidFill>
+          <a:schemeClr val="tx1"/>
+        </a:solidFill>
+        <a:latin typeface="+mn-lt"/>
+        <a:ea typeface="+mn-ea"/>
+        <a:cs typeface="+mn-cs"/>
+      </a:defRPr>
+    </a:lvl9pPr>
+  </p:defaultTextStyle>
 </p:presentation>
 </file>
 
+<file path=ppt/revisionInfo.xml><?xml version="1.0" encoding="utf-8"?>
+<p1510:revInfo xmlns:a="http://schemas.openxmlformats.org/drawingml/2006/main" xmlns:r="http://schemas.openxmlformats.org/officeDocument/2006/relationships" xmlns:p1510="http://schemas.microsoft.com/office/powerpoint/2015/10/main"/>
+</file>
+
 <file path=ppt/slideLayouts/slideLayout1.xml><?xml version="1.0" encoding="utf-8"?>
-<p:sldLayout xmlns:a="http://schemas.openxmlformats.org/drawingml/2006/main" xmlns:p="http://schemas.openxmlformats.org/presentationml/2006/main" xmlns:r="http://schemas.openxmlformats.org/officeDocument/2006/relationships" xmlns:p14="http://schemas.microsoft.com/office/powerpoint/2010/main" xmlns:p15="http://schemas.microsoft.com/office/powerpoint/2012/main" xmlns:mc="http://schemas.openxmlformats.org/markup-compatibility/2006" type="blank" preserve="1">
+<p:sldLayout xmlns:a="http://schemas.openxmlformats.org/drawingml/2006/main" xmlns:r="http://schemas.openxmlformats.org/officeDocument/2006/relationships" xmlns:p="http://schemas.openxmlformats.org/presentationml/2006/main" type="blank" preserve="1">
   <p:cSld name="Blank Slide">
     <p:spTree>
       <p:nvGrpSpPr>
@@ -39,11 +139,14 @@
       </p:grpSpPr>
     </p:spTree>
   </p:cSld>
+  <p:clrMapOvr>
+    <a:masterClrMapping/>
+  </p:clrMapOvr>
 </p:sldLayout>
 </file>
 
 <file path=ppt/slideLayouts/slideLayout10.xml><?xml version="1.0" encoding="utf-8"?>
-<p:sldLayout xmlns:a="http://schemas.openxmlformats.org/drawingml/2006/main" xmlns:p="http://schemas.openxmlformats.org/presentationml/2006/main" xmlns:r="http://schemas.openxmlformats.org/officeDocument/2006/relationships" xmlns:p14="http://schemas.microsoft.com/office/powerpoint/2010/main" xmlns:p15="http://schemas.microsoft.com/office/powerpoint/2012/main" xmlns:mc="http://schemas.openxmlformats.org/markup-compatibility/2006" type="objOverTx" preserve="1">
+<p:sldLayout xmlns:a="http://schemas.openxmlformats.org/drawingml/2006/main" xmlns:r="http://schemas.openxmlformats.org/officeDocument/2006/relationships" xmlns:p="http://schemas.openxmlformats.org/presentationml/2006/main" type="objOverTx" preserve="1">
   <p:cSld name="Title, Content over Content">
     <p:spTree>
       <p:nvGrpSpPr>
@@ -79,15 +182,16 @@
           </a:prstGeom>
         </p:spPr>
         <p:txBody>
-          <a:bodyPr lIns="0" rIns="0" tIns="0" bIns="0" anchor="ctr"/>
-          <a:p>
-            <a:endParaRPr b="0" lang="en-US" sz="1800" spc="-1" strike="noStrike">
-              <a:solidFill>
-                <a:srgbClr val="000000"/>
-              </a:solidFill>
-              <a:uFill>
-                <a:solidFill>
-                  <a:srgbClr val="ffffff"/>
+          <a:bodyPr lIns="0" tIns="0" rIns="0" bIns="0" anchor="ctr"/>
+          <a:lstStyle/>
+          <a:p>
+            <a:endParaRPr lang="en-US" sz="1800" b="0" strike="noStrike" spc="-1">
+              <a:solidFill>
+                <a:srgbClr val="000000"/>
+              </a:solidFill>
+              <a:uFill>
+                <a:solidFill>
+                  <a:srgbClr val="FFFFFF"/>
                 </a:solidFill>
               </a:uFill>
               <a:latin typeface="Arial"/>
@@ -115,15 +219,16 @@
           </a:prstGeom>
         </p:spPr>
         <p:txBody>
-          <a:bodyPr lIns="0" rIns="0" tIns="0" bIns="0"/>
-          <a:p>
-            <a:endParaRPr b="0" lang="en-US" sz="2800" spc="-1" strike="noStrike">
-              <a:solidFill>
-                <a:srgbClr val="000000"/>
-              </a:solidFill>
-              <a:uFill>
-                <a:solidFill>
-                  <a:srgbClr val="ffffff"/>
+          <a:bodyPr lIns="0" tIns="0" rIns="0" bIns="0"/>
+          <a:lstStyle/>
+          <a:p>
+            <a:endParaRPr lang="en-US" sz="2800" b="0" strike="noStrike" spc="-1">
+              <a:solidFill>
+                <a:srgbClr val="000000"/>
+              </a:solidFill>
+              <a:uFill>
+                <a:solidFill>
+                  <a:srgbClr val="FFFFFF"/>
                 </a:solidFill>
               </a:uFill>
               <a:latin typeface="Arial"/>
@@ -151,15 +256,16 @@
           </a:prstGeom>
         </p:spPr>
         <p:txBody>
-          <a:bodyPr lIns="0" rIns="0" tIns="0" bIns="0"/>
-          <a:p>
-            <a:endParaRPr b="0" lang="en-US" sz="2800" spc="-1" strike="noStrike">
-              <a:solidFill>
-                <a:srgbClr val="000000"/>
-              </a:solidFill>
-              <a:uFill>
-                <a:solidFill>
-                  <a:srgbClr val="ffffff"/>
+          <a:bodyPr lIns="0" tIns="0" rIns="0" bIns="0"/>
+          <a:lstStyle/>
+          <a:p>
+            <a:endParaRPr lang="en-US" sz="2800" b="0" strike="noStrike" spc="-1">
+              <a:solidFill>
+                <a:srgbClr val="000000"/>
+              </a:solidFill>
+              <a:uFill>
+                <a:solidFill>
+                  <a:srgbClr val="FFFFFF"/>
                 </a:solidFill>
               </a:uFill>
               <a:latin typeface="Arial"/>
@@ -169,11 +275,14 @@
       </p:sp>
     </p:spTree>
   </p:cSld>
+  <p:clrMapOvr>
+    <a:masterClrMapping/>
+  </p:clrMapOvr>
 </p:sldLayout>
 </file>
 
 <file path=ppt/slideLayouts/slideLayout11.xml><?xml version="1.0" encoding="utf-8"?>
-<p:sldLayout xmlns:a="http://schemas.openxmlformats.org/drawingml/2006/main" xmlns:p="http://schemas.openxmlformats.org/presentationml/2006/main" xmlns:r="http://schemas.openxmlformats.org/officeDocument/2006/relationships" xmlns:p14="http://schemas.microsoft.com/office/powerpoint/2010/main" xmlns:p15="http://schemas.microsoft.com/office/powerpoint/2012/main" xmlns:mc="http://schemas.openxmlformats.org/markup-compatibility/2006" type="fourObj" preserve="1">
+<p:sldLayout xmlns:a="http://schemas.openxmlformats.org/drawingml/2006/main" xmlns:r="http://schemas.openxmlformats.org/officeDocument/2006/relationships" xmlns:p="http://schemas.openxmlformats.org/presentationml/2006/main" type="fourObj" preserve="1">
   <p:cSld name="Title, 4 Content">
     <p:spTree>
       <p:nvGrpSpPr>
@@ -209,15 +318,16 @@
           </a:prstGeom>
         </p:spPr>
         <p:txBody>
-          <a:bodyPr lIns="0" rIns="0" tIns="0" bIns="0" anchor="ctr"/>
-          <a:p>
-            <a:endParaRPr b="0" lang="en-US" sz="1800" spc="-1" strike="noStrike">
-              <a:solidFill>
-                <a:srgbClr val="000000"/>
-              </a:solidFill>
-              <a:uFill>
-                <a:solidFill>
-                  <a:srgbClr val="ffffff"/>
+          <a:bodyPr lIns="0" tIns="0" rIns="0" bIns="0" anchor="ctr"/>
+          <a:lstStyle/>
+          <a:p>
+            <a:endParaRPr lang="en-US" sz="1800" b="0" strike="noStrike" spc="-1">
+              <a:solidFill>
+                <a:srgbClr val="000000"/>
+              </a:solidFill>
+              <a:uFill>
+                <a:solidFill>
+                  <a:srgbClr val="FFFFFF"/>
                 </a:solidFill>
               </a:uFill>
               <a:latin typeface="Arial"/>
@@ -245,15 +355,16 @@
           </a:prstGeom>
         </p:spPr>
         <p:txBody>
-          <a:bodyPr lIns="0" rIns="0" tIns="0" bIns="0"/>
-          <a:p>
-            <a:endParaRPr b="0" lang="en-US" sz="2800" spc="-1" strike="noStrike">
-              <a:solidFill>
-                <a:srgbClr val="000000"/>
-              </a:solidFill>
-              <a:uFill>
-                <a:solidFill>
-                  <a:srgbClr val="ffffff"/>
+          <a:bodyPr lIns="0" tIns="0" rIns="0" bIns="0"/>
+          <a:lstStyle/>
+          <a:p>
+            <a:endParaRPr lang="en-US" sz="2800" b="0" strike="noStrike" spc="-1">
+              <a:solidFill>
+                <a:srgbClr val="000000"/>
+              </a:solidFill>
+              <a:uFill>
+                <a:solidFill>
+                  <a:srgbClr val="FFFFFF"/>
                 </a:solidFill>
               </a:uFill>
               <a:latin typeface="Arial"/>
@@ -281,15 +392,16 @@
           </a:prstGeom>
         </p:spPr>
         <p:txBody>
-          <a:bodyPr lIns="0" rIns="0" tIns="0" bIns="0"/>
-          <a:p>
-            <a:endParaRPr b="0" lang="en-US" sz="2800" spc="-1" strike="noStrike">
-              <a:solidFill>
-                <a:srgbClr val="000000"/>
-              </a:solidFill>
-              <a:uFill>
-                <a:solidFill>
-                  <a:srgbClr val="ffffff"/>
+          <a:bodyPr lIns="0" tIns="0" rIns="0" bIns="0"/>
+          <a:lstStyle/>
+          <a:p>
+            <a:endParaRPr lang="en-US" sz="2800" b="0" strike="noStrike" spc="-1">
+              <a:solidFill>
+                <a:srgbClr val="000000"/>
+              </a:solidFill>
+              <a:uFill>
+                <a:solidFill>
+                  <a:srgbClr val="FFFFFF"/>
                 </a:solidFill>
               </a:uFill>
               <a:latin typeface="Arial"/>
@@ -317,15 +429,16 @@
           </a:prstGeom>
         </p:spPr>
         <p:txBody>
-          <a:bodyPr lIns="0" rIns="0" tIns="0" bIns="0"/>
-          <a:p>
-            <a:endParaRPr b="0" lang="en-US" sz="2800" spc="-1" strike="noStrike">
-              <a:solidFill>
-                <a:srgbClr val="000000"/>
-              </a:solidFill>
-              <a:uFill>
-                <a:solidFill>
-                  <a:srgbClr val="ffffff"/>
+          <a:bodyPr lIns="0" tIns="0" rIns="0" bIns="0"/>
+          <a:lstStyle/>
+          <a:p>
+            <a:endParaRPr lang="en-US" sz="2800" b="0" strike="noStrike" spc="-1">
+              <a:solidFill>
+                <a:srgbClr val="000000"/>
+              </a:solidFill>
+              <a:uFill>
+                <a:solidFill>
+                  <a:srgbClr val="FFFFFF"/>
                 </a:solidFill>
               </a:uFill>
               <a:latin typeface="Arial"/>
@@ -353,15 +466,16 @@
           </a:prstGeom>
         </p:spPr>
         <p:txBody>
-          <a:bodyPr lIns="0" rIns="0" tIns="0" bIns="0"/>
-          <a:p>
-            <a:endParaRPr b="0" lang="en-US" sz="2800" spc="-1" strike="noStrike">
-              <a:solidFill>
-                <a:srgbClr val="000000"/>
-              </a:solidFill>
-              <a:uFill>
-                <a:solidFill>
-                  <a:srgbClr val="ffffff"/>
+          <a:bodyPr lIns="0" tIns="0" rIns="0" bIns="0"/>
+          <a:lstStyle/>
+          <a:p>
+            <a:endParaRPr lang="en-US" sz="2800" b="0" strike="noStrike" spc="-1">
+              <a:solidFill>
+                <a:srgbClr val="000000"/>
+              </a:solidFill>
+              <a:uFill>
+                <a:solidFill>
+                  <a:srgbClr val="FFFFFF"/>
                 </a:solidFill>
               </a:uFill>
               <a:latin typeface="Arial"/>
@@ -371,11 +485,14 @@
       </p:sp>
     </p:spTree>
   </p:cSld>
+  <p:clrMapOvr>
+    <a:masterClrMapping/>
+  </p:clrMapOvr>
 </p:sldLayout>
 </file>
 
 <file path=ppt/slideLayouts/slideLayout12.xml><?xml version="1.0" encoding="utf-8"?>
-<p:sldLayout xmlns:a="http://schemas.openxmlformats.org/drawingml/2006/main" xmlns:p="http://schemas.openxmlformats.org/presentationml/2006/main" xmlns:r="http://schemas.openxmlformats.org/officeDocument/2006/relationships" xmlns:p14="http://schemas.microsoft.com/office/powerpoint/2010/main" xmlns:p15="http://schemas.microsoft.com/office/powerpoint/2012/main" xmlns:mc="http://schemas.openxmlformats.org/markup-compatibility/2006" type="blank" preserve="1">
+<p:sldLayout xmlns:a="http://schemas.openxmlformats.org/drawingml/2006/main" xmlns:r="http://schemas.openxmlformats.org/officeDocument/2006/relationships" xmlns:p="http://schemas.openxmlformats.org/presentationml/2006/main" type="blank" preserve="1">
   <p:cSld name="Title, 6 Content">
     <p:spTree>
       <p:nvGrpSpPr>
@@ -411,15 +528,16 @@
           </a:prstGeom>
         </p:spPr>
         <p:txBody>
-          <a:bodyPr lIns="0" rIns="0" tIns="0" bIns="0" anchor="ctr"/>
-          <a:p>
-            <a:endParaRPr b="0" lang="en-US" sz="1800" spc="-1" strike="noStrike">
-              <a:solidFill>
-                <a:srgbClr val="000000"/>
-              </a:solidFill>
-              <a:uFill>
-                <a:solidFill>
-                  <a:srgbClr val="ffffff"/>
+          <a:bodyPr lIns="0" tIns="0" rIns="0" bIns="0" anchor="ctr"/>
+          <a:lstStyle/>
+          <a:p>
+            <a:endParaRPr lang="en-US" sz="1800" b="0" strike="noStrike" spc="-1">
+              <a:solidFill>
+                <a:srgbClr val="000000"/>
+              </a:solidFill>
+              <a:uFill>
+                <a:solidFill>
+                  <a:srgbClr val="FFFFFF"/>
                 </a:solidFill>
               </a:uFill>
               <a:latin typeface="Arial"/>
@@ -447,15 +565,16 @@
           </a:prstGeom>
         </p:spPr>
         <p:txBody>
-          <a:bodyPr lIns="0" rIns="0" tIns="0" bIns="0"/>
-          <a:p>
-            <a:endParaRPr b="0" lang="en-US" sz="2800" spc="-1" strike="noStrike">
-              <a:solidFill>
-                <a:srgbClr val="000000"/>
-              </a:solidFill>
-              <a:uFill>
-                <a:solidFill>
-                  <a:srgbClr val="ffffff"/>
+          <a:bodyPr lIns="0" tIns="0" rIns="0" bIns="0"/>
+          <a:lstStyle/>
+          <a:p>
+            <a:endParaRPr lang="en-US" sz="2800" b="0" strike="noStrike" spc="-1">
+              <a:solidFill>
+                <a:srgbClr val="000000"/>
+              </a:solidFill>
+              <a:uFill>
+                <a:solidFill>
+                  <a:srgbClr val="FFFFFF"/>
                 </a:solidFill>
               </a:uFill>
               <a:latin typeface="Arial"/>
@@ -483,15 +602,16 @@
           </a:prstGeom>
         </p:spPr>
         <p:txBody>
-          <a:bodyPr lIns="0" rIns="0" tIns="0" bIns="0"/>
-          <a:p>
-            <a:endParaRPr b="0" lang="en-US" sz="2800" spc="-1" strike="noStrike">
-              <a:solidFill>
-                <a:srgbClr val="000000"/>
-              </a:solidFill>
-              <a:uFill>
-                <a:solidFill>
-                  <a:srgbClr val="ffffff"/>
+          <a:bodyPr lIns="0" tIns="0" rIns="0" bIns="0"/>
+          <a:lstStyle/>
+          <a:p>
+            <a:endParaRPr lang="en-US" sz="2800" b="0" strike="noStrike" spc="-1">
+              <a:solidFill>
+                <a:srgbClr val="000000"/>
+              </a:solidFill>
+              <a:uFill>
+                <a:solidFill>
+                  <a:srgbClr val="FFFFFF"/>
                 </a:solidFill>
               </a:uFill>
               <a:latin typeface="Arial"/>
@@ -501,7 +621,7 @@
       </p:sp>
       <p:pic>
         <p:nvPicPr>
-          <p:cNvPr id="34" name="" descr=""/>
+          <p:cNvPr id="34" name="Picture 33"/>
           <p:cNvPicPr/>
           <p:nvPr/>
         </p:nvPicPr>
@@ -524,12 +644,12 @@
       </p:pic>
       <p:pic>
         <p:nvPicPr>
-          <p:cNvPr id="35" name="" descr=""/>
+          <p:cNvPr id="35" name="Picture 34"/>
           <p:cNvPicPr/>
           <p:nvPr/>
         </p:nvPicPr>
         <p:blipFill>
-          <a:blip r:embed="rId3"/>
+          <a:blip r:embed="rId2"/>
           <a:stretch/>
         </p:blipFill>
         <p:spPr>
@@ -547,11 +667,14 @@
       </p:pic>
     </p:spTree>
   </p:cSld>
+  <p:clrMapOvr>
+    <a:masterClrMapping/>
+  </p:clrMapOvr>
 </p:sldLayout>
 </file>
 
 <file path=ppt/slideLayouts/slideLayout13.xml><?xml version="1.0" encoding="utf-8"?>
-<p:sldLayout xmlns:a="http://schemas.openxmlformats.org/drawingml/2006/main" xmlns:p="http://schemas.openxmlformats.org/presentationml/2006/main" xmlns:r="http://schemas.openxmlformats.org/officeDocument/2006/relationships" xmlns:p14="http://schemas.microsoft.com/office/powerpoint/2010/main" xmlns:p15="http://schemas.microsoft.com/office/powerpoint/2012/main" xmlns:mc="http://schemas.openxmlformats.org/markup-compatibility/2006" type="blank" preserve="1">
+<p:sldLayout xmlns:a="http://schemas.openxmlformats.org/drawingml/2006/main" xmlns:r="http://schemas.openxmlformats.org/officeDocument/2006/relationships" xmlns:p="http://schemas.openxmlformats.org/presentationml/2006/main" type="blank" preserve="1">
   <p:cSld name="Blank Slide">
     <p:spTree>
       <p:nvGrpSpPr>
@@ -569,11 +692,14 @@
       </p:grpSpPr>
     </p:spTree>
   </p:cSld>
+  <p:clrMapOvr>
+    <a:masterClrMapping/>
+  </p:clrMapOvr>
 </p:sldLayout>
 </file>
 
 <file path=ppt/slideLayouts/slideLayout14.xml><?xml version="1.0" encoding="utf-8"?>
-<p:sldLayout xmlns:a="http://schemas.openxmlformats.org/drawingml/2006/main" xmlns:p="http://schemas.openxmlformats.org/presentationml/2006/main" xmlns:r="http://schemas.openxmlformats.org/officeDocument/2006/relationships" xmlns:p14="http://schemas.microsoft.com/office/powerpoint/2010/main" xmlns:p15="http://schemas.microsoft.com/office/powerpoint/2012/main" xmlns:mc="http://schemas.openxmlformats.org/markup-compatibility/2006" type="tx" preserve="1">
+<p:sldLayout xmlns:a="http://schemas.openxmlformats.org/drawingml/2006/main" xmlns:r="http://schemas.openxmlformats.org/officeDocument/2006/relationships" xmlns:p="http://schemas.openxmlformats.org/presentationml/2006/main" type="tx" preserve="1">
   <p:cSld name="Title Slide">
     <p:spTree>
       <p:nvGrpSpPr>
@@ -609,15 +735,16 @@
           </a:prstGeom>
         </p:spPr>
         <p:txBody>
-          <a:bodyPr lIns="0" rIns="0" tIns="0" bIns="0" anchor="ctr"/>
-          <a:p>
-            <a:endParaRPr b="0" lang="en-US" sz="1800" spc="-1" strike="noStrike">
-              <a:solidFill>
-                <a:srgbClr val="000000"/>
-              </a:solidFill>
-              <a:uFill>
-                <a:solidFill>
-                  <a:srgbClr val="ffffff"/>
+          <a:bodyPr lIns="0" tIns="0" rIns="0" bIns="0" anchor="ctr"/>
+          <a:lstStyle/>
+          <a:p>
+            <a:endParaRPr lang="en-US" sz="1800" b="0" strike="noStrike" spc="-1">
+              <a:solidFill>
+                <a:srgbClr val="000000"/>
+              </a:solidFill>
+              <a:uFill>
+                <a:solidFill>
+                  <a:srgbClr val="FFFFFF"/>
                 </a:solidFill>
               </a:uFill>
               <a:latin typeface="Arial"/>
@@ -645,16 +772,17 @@
           </a:prstGeom>
         </p:spPr>
         <p:txBody>
-          <a:bodyPr lIns="0" rIns="0" tIns="0" bIns="0" anchor="ctr"/>
+          <a:bodyPr lIns="0" tIns="0" rIns="0" bIns="0" anchor="ctr"/>
+          <a:lstStyle/>
           <a:p>
             <a:pPr algn="ctr"/>
-            <a:endParaRPr b="0" lang="en-GB" sz="3200" spc="-1" strike="noStrike">
-              <a:solidFill>
-                <a:srgbClr val="000000"/>
-              </a:solidFill>
-              <a:uFill>
-                <a:solidFill>
-                  <a:srgbClr val="ffffff"/>
+            <a:endParaRPr lang="en-GB" sz="3200" b="0" strike="noStrike" spc="-1">
+              <a:solidFill>
+                <a:srgbClr val="000000"/>
+              </a:solidFill>
+              <a:uFill>
+                <a:solidFill>
+                  <a:srgbClr val="FFFFFF"/>
                 </a:solidFill>
               </a:uFill>
               <a:latin typeface="Arial"/>
@@ -664,11 +792,14 @@
       </p:sp>
     </p:spTree>
   </p:cSld>
+  <p:clrMapOvr>
+    <a:masterClrMapping/>
+  </p:clrMapOvr>
 </p:sldLayout>
 </file>
 
 <file path=ppt/slideLayouts/slideLayout15.xml><?xml version="1.0" encoding="utf-8"?>
-<p:sldLayout xmlns:a="http://schemas.openxmlformats.org/drawingml/2006/main" xmlns:p="http://schemas.openxmlformats.org/presentationml/2006/main" xmlns:r="http://schemas.openxmlformats.org/officeDocument/2006/relationships" xmlns:p14="http://schemas.microsoft.com/office/powerpoint/2010/main" xmlns:p15="http://schemas.microsoft.com/office/powerpoint/2012/main" xmlns:mc="http://schemas.openxmlformats.org/markup-compatibility/2006" type="obj" preserve="1">
+<p:sldLayout xmlns:a="http://schemas.openxmlformats.org/drawingml/2006/main" xmlns:r="http://schemas.openxmlformats.org/officeDocument/2006/relationships" xmlns:p="http://schemas.openxmlformats.org/presentationml/2006/main" type="obj" preserve="1">
   <p:cSld name="Title, Content">
     <p:spTree>
       <p:nvGrpSpPr>
@@ -704,15 +835,16 @@
           </a:prstGeom>
         </p:spPr>
         <p:txBody>
-          <a:bodyPr lIns="0" rIns="0" tIns="0" bIns="0" anchor="ctr"/>
-          <a:p>
-            <a:endParaRPr b="0" lang="en-US" sz="1800" spc="-1" strike="noStrike">
-              <a:solidFill>
-                <a:srgbClr val="000000"/>
-              </a:solidFill>
-              <a:uFill>
-                <a:solidFill>
-                  <a:srgbClr val="ffffff"/>
+          <a:bodyPr lIns="0" tIns="0" rIns="0" bIns="0" anchor="ctr"/>
+          <a:lstStyle/>
+          <a:p>
+            <a:endParaRPr lang="en-US" sz="1800" b="0" strike="noStrike" spc="-1">
+              <a:solidFill>
+                <a:srgbClr val="000000"/>
+              </a:solidFill>
+              <a:uFill>
+                <a:solidFill>
+                  <a:srgbClr val="FFFFFF"/>
                 </a:solidFill>
               </a:uFill>
               <a:latin typeface="Arial"/>
@@ -740,15 +872,16 @@
           </a:prstGeom>
         </p:spPr>
         <p:txBody>
-          <a:bodyPr lIns="0" rIns="0" tIns="0" bIns="0"/>
-          <a:p>
-            <a:endParaRPr b="0" lang="en-US" sz="2800" spc="-1" strike="noStrike">
-              <a:solidFill>
-                <a:srgbClr val="000000"/>
-              </a:solidFill>
-              <a:uFill>
-                <a:solidFill>
-                  <a:srgbClr val="ffffff"/>
+          <a:bodyPr lIns="0" tIns="0" rIns="0" bIns="0"/>
+          <a:lstStyle/>
+          <a:p>
+            <a:endParaRPr lang="en-US" sz="2800" b="0" strike="noStrike" spc="-1">
+              <a:solidFill>
+                <a:srgbClr val="000000"/>
+              </a:solidFill>
+              <a:uFill>
+                <a:solidFill>
+                  <a:srgbClr val="FFFFFF"/>
                 </a:solidFill>
               </a:uFill>
               <a:latin typeface="Arial"/>
@@ -758,11 +891,14 @@
       </p:sp>
     </p:spTree>
   </p:cSld>
+  <p:clrMapOvr>
+    <a:masterClrMapping/>
+  </p:clrMapOvr>
 </p:sldLayout>
 </file>
 
 <file path=ppt/slideLayouts/slideLayout16.xml><?xml version="1.0" encoding="utf-8"?>
-<p:sldLayout xmlns:a="http://schemas.openxmlformats.org/drawingml/2006/main" xmlns:p="http://schemas.openxmlformats.org/presentationml/2006/main" xmlns:r="http://schemas.openxmlformats.org/officeDocument/2006/relationships" xmlns:p14="http://schemas.microsoft.com/office/powerpoint/2010/main" xmlns:p15="http://schemas.microsoft.com/office/powerpoint/2012/main" xmlns:mc="http://schemas.openxmlformats.org/markup-compatibility/2006" type="twoObj" preserve="1">
+<p:sldLayout xmlns:a="http://schemas.openxmlformats.org/drawingml/2006/main" xmlns:r="http://schemas.openxmlformats.org/officeDocument/2006/relationships" xmlns:p="http://schemas.openxmlformats.org/presentationml/2006/main" type="twoObj" preserve="1">
   <p:cSld name="Title, 2 Content">
     <p:spTree>
       <p:nvGrpSpPr>
@@ -798,15 +934,16 @@
           </a:prstGeom>
         </p:spPr>
         <p:txBody>
-          <a:bodyPr lIns="0" rIns="0" tIns="0" bIns="0" anchor="ctr"/>
-          <a:p>
-            <a:endParaRPr b="0" lang="en-US" sz="1800" spc="-1" strike="noStrike">
-              <a:solidFill>
-                <a:srgbClr val="000000"/>
-              </a:solidFill>
-              <a:uFill>
-                <a:solidFill>
-                  <a:srgbClr val="ffffff"/>
+          <a:bodyPr lIns="0" tIns="0" rIns="0" bIns="0" anchor="ctr"/>
+          <a:lstStyle/>
+          <a:p>
+            <a:endParaRPr lang="en-US" sz="1800" b="0" strike="noStrike" spc="-1">
+              <a:solidFill>
+                <a:srgbClr val="000000"/>
+              </a:solidFill>
+              <a:uFill>
+                <a:solidFill>
+                  <a:srgbClr val="FFFFFF"/>
                 </a:solidFill>
               </a:uFill>
               <a:latin typeface="Arial"/>
@@ -834,15 +971,16 @@
           </a:prstGeom>
         </p:spPr>
         <p:txBody>
-          <a:bodyPr lIns="0" rIns="0" tIns="0" bIns="0"/>
-          <a:p>
-            <a:endParaRPr b="0" lang="en-US" sz="2800" spc="-1" strike="noStrike">
-              <a:solidFill>
-                <a:srgbClr val="000000"/>
-              </a:solidFill>
-              <a:uFill>
-                <a:solidFill>
-                  <a:srgbClr val="ffffff"/>
+          <a:bodyPr lIns="0" tIns="0" rIns="0" bIns="0"/>
+          <a:lstStyle/>
+          <a:p>
+            <a:endParaRPr lang="en-US" sz="2800" b="0" strike="noStrike" spc="-1">
+              <a:solidFill>
+                <a:srgbClr val="000000"/>
+              </a:solidFill>
+              <a:uFill>
+                <a:solidFill>
+                  <a:srgbClr val="FFFFFF"/>
                 </a:solidFill>
               </a:uFill>
               <a:latin typeface="Arial"/>
@@ -870,15 +1008,16 @@
           </a:prstGeom>
         </p:spPr>
         <p:txBody>
-          <a:bodyPr lIns="0" rIns="0" tIns="0" bIns="0"/>
-          <a:p>
-            <a:endParaRPr b="0" lang="en-US" sz="2800" spc="-1" strike="noStrike">
-              <a:solidFill>
-                <a:srgbClr val="000000"/>
-              </a:solidFill>
-              <a:uFill>
-                <a:solidFill>
-                  <a:srgbClr val="ffffff"/>
+          <a:bodyPr lIns="0" tIns="0" rIns="0" bIns="0"/>
+          <a:lstStyle/>
+          <a:p>
+            <a:endParaRPr lang="en-US" sz="2800" b="0" strike="noStrike" spc="-1">
+              <a:solidFill>
+                <a:srgbClr val="000000"/>
+              </a:solidFill>
+              <a:uFill>
+                <a:solidFill>
+                  <a:srgbClr val="FFFFFF"/>
                 </a:solidFill>
               </a:uFill>
               <a:latin typeface="Arial"/>
@@ -888,11 +1027,14 @@
       </p:sp>
     </p:spTree>
   </p:cSld>
+  <p:clrMapOvr>
+    <a:masterClrMapping/>
+  </p:clrMapOvr>
 </p:sldLayout>
 </file>
 
 <file path=ppt/slideLayouts/slideLayout17.xml><?xml version="1.0" encoding="utf-8"?>
-<p:sldLayout xmlns:a="http://schemas.openxmlformats.org/drawingml/2006/main" xmlns:p="http://schemas.openxmlformats.org/presentationml/2006/main" xmlns:r="http://schemas.openxmlformats.org/officeDocument/2006/relationships" xmlns:p14="http://schemas.microsoft.com/office/powerpoint/2010/main" xmlns:p15="http://schemas.microsoft.com/office/powerpoint/2012/main" xmlns:mc="http://schemas.openxmlformats.org/markup-compatibility/2006" type="titleOnly" preserve="1">
+<p:sldLayout xmlns:a="http://schemas.openxmlformats.org/drawingml/2006/main" xmlns:r="http://schemas.openxmlformats.org/officeDocument/2006/relationships" xmlns:p="http://schemas.openxmlformats.org/presentationml/2006/main" type="titleOnly" preserve="1">
   <p:cSld name="Title Only">
     <p:spTree>
       <p:nvGrpSpPr>
@@ -928,15 +1070,16 @@
           </a:prstGeom>
         </p:spPr>
         <p:txBody>
-          <a:bodyPr lIns="0" rIns="0" tIns="0" bIns="0" anchor="ctr"/>
-          <a:p>
-            <a:endParaRPr b="0" lang="en-US" sz="1800" spc="-1" strike="noStrike">
-              <a:solidFill>
-                <a:srgbClr val="000000"/>
-              </a:solidFill>
-              <a:uFill>
-                <a:solidFill>
-                  <a:srgbClr val="ffffff"/>
+          <a:bodyPr lIns="0" tIns="0" rIns="0" bIns="0" anchor="ctr"/>
+          <a:lstStyle/>
+          <a:p>
+            <a:endParaRPr lang="en-US" sz="1800" b="0" strike="noStrike" spc="-1">
+              <a:solidFill>
+                <a:srgbClr val="000000"/>
+              </a:solidFill>
+              <a:uFill>
+                <a:solidFill>
+                  <a:srgbClr val="FFFFFF"/>
                 </a:solidFill>
               </a:uFill>
               <a:latin typeface="Arial"/>
@@ -946,11 +1089,14 @@
       </p:sp>
     </p:spTree>
   </p:cSld>
+  <p:clrMapOvr>
+    <a:masterClrMapping/>
+  </p:clrMapOvr>
 </p:sldLayout>
 </file>
 
 <file path=ppt/slideLayouts/slideLayout18.xml><?xml version="1.0" encoding="utf-8"?>
-<p:sldLayout xmlns:a="http://schemas.openxmlformats.org/drawingml/2006/main" xmlns:p="http://schemas.openxmlformats.org/presentationml/2006/main" xmlns:r="http://schemas.openxmlformats.org/officeDocument/2006/relationships" xmlns:p14="http://schemas.microsoft.com/office/powerpoint/2010/main" xmlns:p15="http://schemas.microsoft.com/office/powerpoint/2012/main" xmlns:mc="http://schemas.openxmlformats.org/markup-compatibility/2006" type="objOnly" preserve="1">
+<p:sldLayout xmlns:a="http://schemas.openxmlformats.org/drawingml/2006/main" xmlns:r="http://schemas.openxmlformats.org/officeDocument/2006/relationships" xmlns:p="http://schemas.openxmlformats.org/presentationml/2006/main" type="objOnly" preserve="1">
   <p:cSld name="Centered Text">
     <p:spTree>
       <p:nvGrpSpPr>
@@ -986,16 +1132,17 @@
           </a:prstGeom>
         </p:spPr>
         <p:txBody>
-          <a:bodyPr lIns="0" rIns="0" tIns="0" bIns="0" anchor="ctr"/>
+          <a:bodyPr lIns="0" tIns="0" rIns="0" bIns="0" anchor="ctr"/>
+          <a:lstStyle/>
           <a:p>
             <a:pPr algn="ctr"/>
-            <a:endParaRPr b="0" lang="en-GB" sz="3200" spc="-1" strike="noStrike">
-              <a:solidFill>
-                <a:srgbClr val="000000"/>
-              </a:solidFill>
-              <a:uFill>
-                <a:solidFill>
-                  <a:srgbClr val="ffffff"/>
+            <a:endParaRPr lang="en-GB" sz="3200" b="0" strike="noStrike" spc="-1">
+              <a:solidFill>
+                <a:srgbClr val="000000"/>
+              </a:solidFill>
+              <a:uFill>
+                <a:solidFill>
+                  <a:srgbClr val="FFFFFF"/>
                 </a:solidFill>
               </a:uFill>
               <a:latin typeface="Arial"/>
@@ -1005,11 +1152,14 @@
       </p:sp>
     </p:spTree>
   </p:cSld>
+  <p:clrMapOvr>
+    <a:masterClrMapping/>
+  </p:clrMapOvr>
 </p:sldLayout>
 </file>
 
 <file path=ppt/slideLayouts/slideLayout19.xml><?xml version="1.0" encoding="utf-8"?>
-<p:sldLayout xmlns:a="http://schemas.openxmlformats.org/drawingml/2006/main" xmlns:p="http://schemas.openxmlformats.org/presentationml/2006/main" xmlns:r="http://schemas.openxmlformats.org/officeDocument/2006/relationships" xmlns:p14="http://schemas.microsoft.com/office/powerpoint/2010/main" xmlns:p15="http://schemas.microsoft.com/office/powerpoint/2012/main" xmlns:mc="http://schemas.openxmlformats.org/markup-compatibility/2006" type="twoObjAndObj" preserve="1">
+<p:sldLayout xmlns:a="http://schemas.openxmlformats.org/drawingml/2006/main" xmlns:r="http://schemas.openxmlformats.org/officeDocument/2006/relationships" xmlns:p="http://schemas.openxmlformats.org/presentationml/2006/main" type="twoObjAndObj" preserve="1">
   <p:cSld name="Title, 2 Content and Content">
     <p:spTree>
       <p:nvGrpSpPr>
@@ -1045,15 +1195,16 @@
           </a:prstGeom>
         </p:spPr>
         <p:txBody>
-          <a:bodyPr lIns="0" rIns="0" tIns="0" bIns="0" anchor="ctr"/>
-          <a:p>
-            <a:endParaRPr b="0" lang="en-US" sz="1800" spc="-1" strike="noStrike">
-              <a:solidFill>
-                <a:srgbClr val="000000"/>
-              </a:solidFill>
-              <a:uFill>
-                <a:solidFill>
-                  <a:srgbClr val="ffffff"/>
+          <a:bodyPr lIns="0" tIns="0" rIns="0" bIns="0" anchor="ctr"/>
+          <a:lstStyle/>
+          <a:p>
+            <a:endParaRPr lang="en-US" sz="1800" b="0" strike="noStrike" spc="-1">
+              <a:solidFill>
+                <a:srgbClr val="000000"/>
+              </a:solidFill>
+              <a:uFill>
+                <a:solidFill>
+                  <a:srgbClr val="FFFFFF"/>
                 </a:solidFill>
               </a:uFill>
               <a:latin typeface="Arial"/>
@@ -1081,15 +1232,16 @@
           </a:prstGeom>
         </p:spPr>
         <p:txBody>
-          <a:bodyPr lIns="0" rIns="0" tIns="0" bIns="0"/>
-          <a:p>
-            <a:endParaRPr b="0" lang="en-US" sz="2800" spc="-1" strike="noStrike">
-              <a:solidFill>
-                <a:srgbClr val="000000"/>
-              </a:solidFill>
-              <a:uFill>
-                <a:solidFill>
-                  <a:srgbClr val="ffffff"/>
+          <a:bodyPr lIns="0" tIns="0" rIns="0" bIns="0"/>
+          <a:lstStyle/>
+          <a:p>
+            <a:endParaRPr lang="en-US" sz="2800" b="0" strike="noStrike" spc="-1">
+              <a:solidFill>
+                <a:srgbClr val="000000"/>
+              </a:solidFill>
+              <a:uFill>
+                <a:solidFill>
+                  <a:srgbClr val="FFFFFF"/>
                 </a:solidFill>
               </a:uFill>
               <a:latin typeface="Arial"/>
@@ -1117,15 +1269,16 @@
           </a:prstGeom>
         </p:spPr>
         <p:txBody>
-          <a:bodyPr lIns="0" rIns="0" tIns="0" bIns="0"/>
-          <a:p>
-            <a:endParaRPr b="0" lang="en-US" sz="2800" spc="-1" strike="noStrike">
-              <a:solidFill>
-                <a:srgbClr val="000000"/>
-              </a:solidFill>
-              <a:uFill>
-                <a:solidFill>
-                  <a:srgbClr val="ffffff"/>
+          <a:bodyPr lIns="0" tIns="0" rIns="0" bIns="0"/>
+          <a:lstStyle/>
+          <a:p>
+            <a:endParaRPr lang="en-US" sz="2800" b="0" strike="noStrike" spc="-1">
+              <a:solidFill>
+                <a:srgbClr val="000000"/>
+              </a:solidFill>
+              <a:uFill>
+                <a:solidFill>
+                  <a:srgbClr val="FFFFFF"/>
                 </a:solidFill>
               </a:uFill>
               <a:latin typeface="Arial"/>
@@ -1153,15 +1306,16 @@
           </a:prstGeom>
         </p:spPr>
         <p:txBody>
-          <a:bodyPr lIns="0" rIns="0" tIns="0" bIns="0"/>
-          <a:p>
-            <a:endParaRPr b="0" lang="en-US" sz="2800" spc="-1" strike="noStrike">
-              <a:solidFill>
-                <a:srgbClr val="000000"/>
-              </a:solidFill>
-              <a:uFill>
-                <a:solidFill>
-                  <a:srgbClr val="ffffff"/>
+          <a:bodyPr lIns="0" tIns="0" rIns="0" bIns="0"/>
+          <a:lstStyle/>
+          <a:p>
+            <a:endParaRPr lang="en-US" sz="2800" b="0" strike="noStrike" spc="-1">
+              <a:solidFill>
+                <a:srgbClr val="000000"/>
+              </a:solidFill>
+              <a:uFill>
+                <a:solidFill>
+                  <a:srgbClr val="FFFFFF"/>
                 </a:solidFill>
               </a:uFill>
               <a:latin typeface="Arial"/>
@@ -1171,11 +1325,14 @@
       </p:sp>
     </p:spTree>
   </p:cSld>
+  <p:clrMapOvr>
+    <a:masterClrMapping/>
+  </p:clrMapOvr>
 </p:sldLayout>
 </file>
 
 <file path=ppt/slideLayouts/slideLayout2.xml><?xml version="1.0" encoding="utf-8"?>
-<p:sldLayout xmlns:a="http://schemas.openxmlformats.org/drawingml/2006/main" xmlns:p="http://schemas.openxmlformats.org/presentationml/2006/main" xmlns:r="http://schemas.openxmlformats.org/officeDocument/2006/relationships" xmlns:p14="http://schemas.microsoft.com/office/powerpoint/2010/main" xmlns:p15="http://schemas.microsoft.com/office/powerpoint/2012/main" xmlns:mc="http://schemas.openxmlformats.org/markup-compatibility/2006" type="tx" preserve="1">
+<p:sldLayout xmlns:a="http://schemas.openxmlformats.org/drawingml/2006/main" xmlns:r="http://schemas.openxmlformats.org/officeDocument/2006/relationships" xmlns:p="http://schemas.openxmlformats.org/presentationml/2006/main" type="tx" preserve="1">
   <p:cSld name="Title Slide">
     <p:spTree>
       <p:nvGrpSpPr>
@@ -1211,15 +1368,16 @@
           </a:prstGeom>
         </p:spPr>
         <p:txBody>
-          <a:bodyPr lIns="0" rIns="0" tIns="0" bIns="0" anchor="ctr"/>
-          <a:p>
-            <a:endParaRPr b="0" lang="en-US" sz="1800" spc="-1" strike="noStrike">
-              <a:solidFill>
-                <a:srgbClr val="000000"/>
-              </a:solidFill>
-              <a:uFill>
-                <a:solidFill>
-                  <a:srgbClr val="ffffff"/>
+          <a:bodyPr lIns="0" tIns="0" rIns="0" bIns="0" anchor="ctr"/>
+          <a:lstStyle/>
+          <a:p>
+            <a:endParaRPr lang="en-US" sz="1800" b="0" strike="noStrike" spc="-1">
+              <a:solidFill>
+                <a:srgbClr val="000000"/>
+              </a:solidFill>
+              <a:uFill>
+                <a:solidFill>
+                  <a:srgbClr val="FFFFFF"/>
                 </a:solidFill>
               </a:uFill>
               <a:latin typeface="Arial"/>
@@ -1247,16 +1405,17 @@
           </a:prstGeom>
         </p:spPr>
         <p:txBody>
-          <a:bodyPr lIns="0" rIns="0" tIns="0" bIns="0" anchor="ctr"/>
+          <a:bodyPr lIns="0" tIns="0" rIns="0" bIns="0" anchor="ctr"/>
+          <a:lstStyle/>
           <a:p>
             <a:pPr algn="ctr"/>
-            <a:endParaRPr b="0" lang="en-GB" sz="3200" spc="-1" strike="noStrike">
-              <a:solidFill>
-                <a:srgbClr val="000000"/>
-              </a:solidFill>
-              <a:uFill>
-                <a:solidFill>
-                  <a:srgbClr val="ffffff"/>
+            <a:endParaRPr lang="en-GB" sz="3200" b="0" strike="noStrike" spc="-1">
+              <a:solidFill>
+                <a:srgbClr val="000000"/>
+              </a:solidFill>
+              <a:uFill>
+                <a:solidFill>
+                  <a:srgbClr val="FFFFFF"/>
                 </a:solidFill>
               </a:uFill>
               <a:latin typeface="Arial"/>
@@ -1266,11 +1425,14 @@
       </p:sp>
     </p:spTree>
   </p:cSld>
+  <p:clrMapOvr>
+    <a:masterClrMapping/>
+  </p:clrMapOvr>
 </p:sldLayout>
 </file>
 
 <file path=ppt/slideLayouts/slideLayout20.xml><?xml version="1.0" encoding="utf-8"?>
-<p:sldLayout xmlns:a="http://schemas.openxmlformats.org/drawingml/2006/main" xmlns:p="http://schemas.openxmlformats.org/presentationml/2006/main" xmlns:r="http://schemas.openxmlformats.org/officeDocument/2006/relationships" xmlns:p14="http://schemas.microsoft.com/office/powerpoint/2010/main" xmlns:p15="http://schemas.microsoft.com/office/powerpoint/2012/main" xmlns:mc="http://schemas.openxmlformats.org/markup-compatibility/2006" type="objAndTwoObj" preserve="1">
+<p:sldLayout xmlns:a="http://schemas.openxmlformats.org/drawingml/2006/main" xmlns:r="http://schemas.openxmlformats.org/officeDocument/2006/relationships" xmlns:p="http://schemas.openxmlformats.org/presentationml/2006/main" type="objAndTwoObj" preserve="1">
   <p:cSld name="Title Content and 2 Content">
     <p:spTree>
       <p:nvGrpSpPr>
@@ -1306,15 +1468,16 @@
           </a:prstGeom>
         </p:spPr>
         <p:txBody>
-          <a:bodyPr lIns="0" rIns="0" tIns="0" bIns="0" anchor="ctr"/>
-          <a:p>
-            <a:endParaRPr b="0" lang="en-US" sz="1800" spc="-1" strike="noStrike">
-              <a:solidFill>
-                <a:srgbClr val="000000"/>
-              </a:solidFill>
-              <a:uFill>
-                <a:solidFill>
-                  <a:srgbClr val="ffffff"/>
+          <a:bodyPr lIns="0" tIns="0" rIns="0" bIns="0" anchor="ctr"/>
+          <a:lstStyle/>
+          <a:p>
+            <a:endParaRPr lang="en-US" sz="1800" b="0" strike="noStrike" spc="-1">
+              <a:solidFill>
+                <a:srgbClr val="000000"/>
+              </a:solidFill>
+              <a:uFill>
+                <a:solidFill>
+                  <a:srgbClr val="FFFFFF"/>
                 </a:solidFill>
               </a:uFill>
               <a:latin typeface="Arial"/>
@@ -1342,15 +1505,16 @@
           </a:prstGeom>
         </p:spPr>
         <p:txBody>
-          <a:bodyPr lIns="0" rIns="0" tIns="0" bIns="0"/>
-          <a:p>
-            <a:endParaRPr b="0" lang="en-US" sz="2800" spc="-1" strike="noStrike">
-              <a:solidFill>
-                <a:srgbClr val="000000"/>
-              </a:solidFill>
-              <a:uFill>
-                <a:solidFill>
-                  <a:srgbClr val="ffffff"/>
+          <a:bodyPr lIns="0" tIns="0" rIns="0" bIns="0"/>
+          <a:lstStyle/>
+          <a:p>
+            <a:endParaRPr lang="en-US" sz="2800" b="0" strike="noStrike" spc="-1">
+              <a:solidFill>
+                <a:srgbClr val="000000"/>
+              </a:solidFill>
+              <a:uFill>
+                <a:solidFill>
+                  <a:srgbClr val="FFFFFF"/>
                 </a:solidFill>
               </a:uFill>
               <a:latin typeface="Arial"/>
@@ -1378,15 +1542,16 @@
           </a:prstGeom>
         </p:spPr>
         <p:txBody>
-          <a:bodyPr lIns="0" rIns="0" tIns="0" bIns="0"/>
-          <a:p>
-            <a:endParaRPr b="0" lang="en-US" sz="2800" spc="-1" strike="noStrike">
-              <a:solidFill>
-                <a:srgbClr val="000000"/>
-              </a:solidFill>
-              <a:uFill>
-                <a:solidFill>
-                  <a:srgbClr val="ffffff"/>
+          <a:bodyPr lIns="0" tIns="0" rIns="0" bIns="0"/>
+          <a:lstStyle/>
+          <a:p>
+            <a:endParaRPr lang="en-US" sz="2800" b="0" strike="noStrike" spc="-1">
+              <a:solidFill>
+                <a:srgbClr val="000000"/>
+              </a:solidFill>
+              <a:uFill>
+                <a:solidFill>
+                  <a:srgbClr val="FFFFFF"/>
                 </a:solidFill>
               </a:uFill>
               <a:latin typeface="Arial"/>
@@ -1414,15 +1579,16 @@
           </a:prstGeom>
         </p:spPr>
         <p:txBody>
-          <a:bodyPr lIns="0" rIns="0" tIns="0" bIns="0"/>
-          <a:p>
-            <a:endParaRPr b="0" lang="en-US" sz="2800" spc="-1" strike="noStrike">
-              <a:solidFill>
-                <a:srgbClr val="000000"/>
-              </a:solidFill>
-              <a:uFill>
-                <a:solidFill>
-                  <a:srgbClr val="ffffff"/>
+          <a:bodyPr lIns="0" tIns="0" rIns="0" bIns="0"/>
+          <a:lstStyle/>
+          <a:p>
+            <a:endParaRPr lang="en-US" sz="2800" b="0" strike="noStrike" spc="-1">
+              <a:solidFill>
+                <a:srgbClr val="000000"/>
+              </a:solidFill>
+              <a:uFill>
+                <a:solidFill>
+                  <a:srgbClr val="FFFFFF"/>
                 </a:solidFill>
               </a:uFill>
               <a:latin typeface="Arial"/>
@@ -1432,11 +1598,14 @@
       </p:sp>
     </p:spTree>
   </p:cSld>
+  <p:clrMapOvr>
+    <a:masterClrMapping/>
+  </p:clrMapOvr>
 </p:sldLayout>
 </file>
 
 <file path=ppt/slideLayouts/slideLayout21.xml><?xml version="1.0" encoding="utf-8"?>
-<p:sldLayout xmlns:a="http://schemas.openxmlformats.org/drawingml/2006/main" xmlns:p="http://schemas.openxmlformats.org/presentationml/2006/main" xmlns:r="http://schemas.openxmlformats.org/officeDocument/2006/relationships" xmlns:p14="http://schemas.microsoft.com/office/powerpoint/2010/main" xmlns:p15="http://schemas.microsoft.com/office/powerpoint/2012/main" xmlns:mc="http://schemas.openxmlformats.org/markup-compatibility/2006" type="twoObjOverTx" preserve="1">
+<p:sldLayout xmlns:a="http://schemas.openxmlformats.org/drawingml/2006/main" xmlns:r="http://schemas.openxmlformats.org/officeDocument/2006/relationships" xmlns:p="http://schemas.openxmlformats.org/presentationml/2006/main" type="twoObjOverTx" preserve="1">
   <p:cSld name="Title, 2 Content over Content">
     <p:spTree>
       <p:nvGrpSpPr>
@@ -1472,15 +1641,16 @@
           </a:prstGeom>
         </p:spPr>
         <p:txBody>
-          <a:bodyPr lIns="0" rIns="0" tIns="0" bIns="0" anchor="ctr"/>
-          <a:p>
-            <a:endParaRPr b="0" lang="en-US" sz="1800" spc="-1" strike="noStrike">
-              <a:solidFill>
-                <a:srgbClr val="000000"/>
-              </a:solidFill>
-              <a:uFill>
-                <a:solidFill>
-                  <a:srgbClr val="ffffff"/>
+          <a:bodyPr lIns="0" tIns="0" rIns="0" bIns="0" anchor="ctr"/>
+          <a:lstStyle/>
+          <a:p>
+            <a:endParaRPr lang="en-US" sz="1800" b="0" strike="noStrike" spc="-1">
+              <a:solidFill>
+                <a:srgbClr val="000000"/>
+              </a:solidFill>
+              <a:uFill>
+                <a:solidFill>
+                  <a:srgbClr val="FFFFFF"/>
                 </a:solidFill>
               </a:uFill>
               <a:latin typeface="Arial"/>
@@ -1508,15 +1678,16 @@
           </a:prstGeom>
         </p:spPr>
         <p:txBody>
-          <a:bodyPr lIns="0" rIns="0" tIns="0" bIns="0"/>
-          <a:p>
-            <a:endParaRPr b="0" lang="en-US" sz="2800" spc="-1" strike="noStrike">
-              <a:solidFill>
-                <a:srgbClr val="000000"/>
-              </a:solidFill>
-              <a:uFill>
-                <a:solidFill>
-                  <a:srgbClr val="ffffff"/>
+          <a:bodyPr lIns="0" tIns="0" rIns="0" bIns="0"/>
+          <a:lstStyle/>
+          <a:p>
+            <a:endParaRPr lang="en-US" sz="2800" b="0" strike="noStrike" spc="-1">
+              <a:solidFill>
+                <a:srgbClr val="000000"/>
+              </a:solidFill>
+              <a:uFill>
+                <a:solidFill>
+                  <a:srgbClr val="FFFFFF"/>
                 </a:solidFill>
               </a:uFill>
               <a:latin typeface="Arial"/>
@@ -1544,15 +1715,16 @@
           </a:prstGeom>
         </p:spPr>
         <p:txBody>
-          <a:bodyPr lIns="0" rIns="0" tIns="0" bIns="0"/>
-          <a:p>
-            <a:endParaRPr b="0" lang="en-US" sz="2800" spc="-1" strike="noStrike">
-              <a:solidFill>
-                <a:srgbClr val="000000"/>
-              </a:solidFill>
-              <a:uFill>
-                <a:solidFill>
-                  <a:srgbClr val="ffffff"/>
+          <a:bodyPr lIns="0" tIns="0" rIns="0" bIns="0"/>
+          <a:lstStyle/>
+          <a:p>
+            <a:endParaRPr lang="en-US" sz="2800" b="0" strike="noStrike" spc="-1">
+              <a:solidFill>
+                <a:srgbClr val="000000"/>
+              </a:solidFill>
+              <a:uFill>
+                <a:solidFill>
+                  <a:srgbClr val="FFFFFF"/>
                 </a:solidFill>
               </a:uFill>
               <a:latin typeface="Arial"/>
@@ -1580,15 +1752,16 @@
           </a:prstGeom>
         </p:spPr>
         <p:txBody>
-          <a:bodyPr lIns="0" rIns="0" tIns="0" bIns="0"/>
-          <a:p>
-            <a:endParaRPr b="0" lang="en-US" sz="2800" spc="-1" strike="noStrike">
-              <a:solidFill>
-                <a:srgbClr val="000000"/>
-              </a:solidFill>
-              <a:uFill>
-                <a:solidFill>
-                  <a:srgbClr val="ffffff"/>
+          <a:bodyPr lIns="0" tIns="0" rIns="0" bIns="0"/>
+          <a:lstStyle/>
+          <a:p>
+            <a:endParaRPr lang="en-US" sz="2800" b="0" strike="noStrike" spc="-1">
+              <a:solidFill>
+                <a:srgbClr val="000000"/>
+              </a:solidFill>
+              <a:uFill>
+                <a:solidFill>
+                  <a:srgbClr val="FFFFFF"/>
                 </a:solidFill>
               </a:uFill>
               <a:latin typeface="Arial"/>
@@ -1598,11 +1771,14 @@
       </p:sp>
     </p:spTree>
   </p:cSld>
+  <p:clrMapOvr>
+    <a:masterClrMapping/>
+  </p:clrMapOvr>
 </p:sldLayout>
 </file>
 
 <file path=ppt/slideLayouts/slideLayout22.xml><?xml version="1.0" encoding="utf-8"?>
-<p:sldLayout xmlns:a="http://schemas.openxmlformats.org/drawingml/2006/main" xmlns:p="http://schemas.openxmlformats.org/presentationml/2006/main" xmlns:r="http://schemas.openxmlformats.org/officeDocument/2006/relationships" xmlns:p14="http://schemas.microsoft.com/office/powerpoint/2010/main" xmlns:p15="http://schemas.microsoft.com/office/powerpoint/2012/main" xmlns:mc="http://schemas.openxmlformats.org/markup-compatibility/2006" type="objOverTx" preserve="1">
+<p:sldLayout xmlns:a="http://schemas.openxmlformats.org/drawingml/2006/main" xmlns:r="http://schemas.openxmlformats.org/officeDocument/2006/relationships" xmlns:p="http://schemas.openxmlformats.org/presentationml/2006/main" type="objOverTx" preserve="1">
   <p:cSld name="Title, Content over Content">
     <p:spTree>
       <p:nvGrpSpPr>
@@ -1638,15 +1814,16 @@
           </a:prstGeom>
         </p:spPr>
         <p:txBody>
-          <a:bodyPr lIns="0" rIns="0" tIns="0" bIns="0" anchor="ctr"/>
-          <a:p>
-            <a:endParaRPr b="0" lang="en-US" sz="1800" spc="-1" strike="noStrike">
-              <a:solidFill>
-                <a:srgbClr val="000000"/>
-              </a:solidFill>
-              <a:uFill>
-                <a:solidFill>
-                  <a:srgbClr val="ffffff"/>
+          <a:bodyPr lIns="0" tIns="0" rIns="0" bIns="0" anchor="ctr"/>
+          <a:lstStyle/>
+          <a:p>
+            <a:endParaRPr lang="en-US" sz="1800" b="0" strike="noStrike" spc="-1">
+              <a:solidFill>
+                <a:srgbClr val="000000"/>
+              </a:solidFill>
+              <a:uFill>
+                <a:solidFill>
+                  <a:srgbClr val="FFFFFF"/>
                 </a:solidFill>
               </a:uFill>
               <a:latin typeface="Arial"/>
@@ -1674,15 +1851,16 @@
           </a:prstGeom>
         </p:spPr>
         <p:txBody>
-          <a:bodyPr lIns="0" rIns="0" tIns="0" bIns="0"/>
-          <a:p>
-            <a:endParaRPr b="0" lang="en-US" sz="2800" spc="-1" strike="noStrike">
-              <a:solidFill>
-                <a:srgbClr val="000000"/>
-              </a:solidFill>
-              <a:uFill>
-                <a:solidFill>
-                  <a:srgbClr val="ffffff"/>
+          <a:bodyPr lIns="0" tIns="0" rIns="0" bIns="0"/>
+          <a:lstStyle/>
+          <a:p>
+            <a:endParaRPr lang="en-US" sz="2800" b="0" strike="noStrike" spc="-1">
+              <a:solidFill>
+                <a:srgbClr val="000000"/>
+              </a:solidFill>
+              <a:uFill>
+                <a:solidFill>
+                  <a:srgbClr val="FFFFFF"/>
                 </a:solidFill>
               </a:uFill>
               <a:latin typeface="Arial"/>
@@ -1710,15 +1888,16 @@
           </a:prstGeom>
         </p:spPr>
         <p:txBody>
-          <a:bodyPr lIns="0" rIns="0" tIns="0" bIns="0"/>
-          <a:p>
-            <a:endParaRPr b="0" lang="en-US" sz="2800" spc="-1" strike="noStrike">
-              <a:solidFill>
-                <a:srgbClr val="000000"/>
-              </a:solidFill>
-              <a:uFill>
-                <a:solidFill>
-                  <a:srgbClr val="ffffff"/>
+          <a:bodyPr lIns="0" tIns="0" rIns="0" bIns="0"/>
+          <a:lstStyle/>
+          <a:p>
+            <a:endParaRPr lang="en-US" sz="2800" b="0" strike="noStrike" spc="-1">
+              <a:solidFill>
+                <a:srgbClr val="000000"/>
+              </a:solidFill>
+              <a:uFill>
+                <a:solidFill>
+                  <a:srgbClr val="FFFFFF"/>
                 </a:solidFill>
               </a:uFill>
               <a:latin typeface="Arial"/>
@@ -1728,11 +1907,14 @@
       </p:sp>
     </p:spTree>
   </p:cSld>
+  <p:clrMapOvr>
+    <a:masterClrMapping/>
+  </p:clrMapOvr>
 </p:sldLayout>
 </file>
 
 <file path=ppt/slideLayouts/slideLayout23.xml><?xml version="1.0" encoding="utf-8"?>
-<p:sldLayout xmlns:a="http://schemas.openxmlformats.org/drawingml/2006/main" xmlns:p="http://schemas.openxmlformats.org/presentationml/2006/main" xmlns:r="http://schemas.openxmlformats.org/officeDocument/2006/relationships" xmlns:p14="http://schemas.microsoft.com/office/powerpoint/2010/main" xmlns:p15="http://schemas.microsoft.com/office/powerpoint/2012/main" xmlns:mc="http://schemas.openxmlformats.org/markup-compatibility/2006" type="fourObj" preserve="1">
+<p:sldLayout xmlns:a="http://schemas.openxmlformats.org/drawingml/2006/main" xmlns:r="http://schemas.openxmlformats.org/officeDocument/2006/relationships" xmlns:p="http://schemas.openxmlformats.org/presentationml/2006/main" type="fourObj" preserve="1">
   <p:cSld name="Title, 4 Content">
     <p:spTree>
       <p:nvGrpSpPr>
@@ -1768,15 +1950,16 @@
           </a:prstGeom>
         </p:spPr>
         <p:txBody>
-          <a:bodyPr lIns="0" rIns="0" tIns="0" bIns="0" anchor="ctr"/>
-          <a:p>
-            <a:endParaRPr b="0" lang="en-US" sz="1800" spc="-1" strike="noStrike">
-              <a:solidFill>
-                <a:srgbClr val="000000"/>
-              </a:solidFill>
-              <a:uFill>
-                <a:solidFill>
-                  <a:srgbClr val="ffffff"/>
+          <a:bodyPr lIns="0" tIns="0" rIns="0" bIns="0" anchor="ctr"/>
+          <a:lstStyle/>
+          <a:p>
+            <a:endParaRPr lang="en-US" sz="1800" b="0" strike="noStrike" spc="-1">
+              <a:solidFill>
+                <a:srgbClr val="000000"/>
+              </a:solidFill>
+              <a:uFill>
+                <a:solidFill>
+                  <a:srgbClr val="FFFFFF"/>
                 </a:solidFill>
               </a:uFill>
               <a:latin typeface="Arial"/>
@@ -1804,15 +1987,16 @@
           </a:prstGeom>
         </p:spPr>
         <p:txBody>
-          <a:bodyPr lIns="0" rIns="0" tIns="0" bIns="0"/>
-          <a:p>
-            <a:endParaRPr b="0" lang="en-US" sz="2800" spc="-1" strike="noStrike">
-              <a:solidFill>
-                <a:srgbClr val="000000"/>
-              </a:solidFill>
-              <a:uFill>
-                <a:solidFill>
-                  <a:srgbClr val="ffffff"/>
+          <a:bodyPr lIns="0" tIns="0" rIns="0" bIns="0"/>
+          <a:lstStyle/>
+          <a:p>
+            <a:endParaRPr lang="en-US" sz="2800" b="0" strike="noStrike" spc="-1">
+              <a:solidFill>
+                <a:srgbClr val="000000"/>
+              </a:solidFill>
+              <a:uFill>
+                <a:solidFill>
+                  <a:srgbClr val="FFFFFF"/>
                 </a:solidFill>
               </a:uFill>
               <a:latin typeface="Arial"/>
@@ -1840,15 +2024,16 @@
           </a:prstGeom>
         </p:spPr>
         <p:txBody>
-          <a:bodyPr lIns="0" rIns="0" tIns="0" bIns="0"/>
-          <a:p>
-            <a:endParaRPr b="0" lang="en-US" sz="2800" spc="-1" strike="noStrike">
-              <a:solidFill>
-                <a:srgbClr val="000000"/>
-              </a:solidFill>
-              <a:uFill>
-                <a:solidFill>
-                  <a:srgbClr val="ffffff"/>
+          <a:bodyPr lIns="0" tIns="0" rIns="0" bIns="0"/>
+          <a:lstStyle/>
+          <a:p>
+            <a:endParaRPr lang="en-US" sz="2800" b="0" strike="noStrike" spc="-1">
+              <a:solidFill>
+                <a:srgbClr val="000000"/>
+              </a:solidFill>
+              <a:uFill>
+                <a:solidFill>
+                  <a:srgbClr val="FFFFFF"/>
                 </a:solidFill>
               </a:uFill>
               <a:latin typeface="Arial"/>
@@ -1876,15 +2061,16 @@
           </a:prstGeom>
         </p:spPr>
         <p:txBody>
-          <a:bodyPr lIns="0" rIns="0" tIns="0" bIns="0"/>
-          <a:p>
-            <a:endParaRPr b="0" lang="en-US" sz="2800" spc="-1" strike="noStrike">
-              <a:solidFill>
-                <a:srgbClr val="000000"/>
-              </a:solidFill>
-              <a:uFill>
-                <a:solidFill>
-                  <a:srgbClr val="ffffff"/>
+          <a:bodyPr lIns="0" tIns="0" rIns="0" bIns="0"/>
+          <a:lstStyle/>
+          <a:p>
+            <a:endParaRPr lang="en-US" sz="2800" b="0" strike="noStrike" spc="-1">
+              <a:solidFill>
+                <a:srgbClr val="000000"/>
+              </a:solidFill>
+              <a:uFill>
+                <a:solidFill>
+                  <a:srgbClr val="FFFFFF"/>
                 </a:solidFill>
               </a:uFill>
               <a:latin typeface="Arial"/>
@@ -1912,15 +2098,16 @@
           </a:prstGeom>
         </p:spPr>
         <p:txBody>
-          <a:bodyPr lIns="0" rIns="0" tIns="0" bIns="0"/>
-          <a:p>
-            <a:endParaRPr b="0" lang="en-US" sz="2800" spc="-1" strike="noStrike">
-              <a:solidFill>
-                <a:srgbClr val="000000"/>
-              </a:solidFill>
-              <a:uFill>
-                <a:solidFill>
-                  <a:srgbClr val="ffffff"/>
+          <a:bodyPr lIns="0" tIns="0" rIns="0" bIns="0"/>
+          <a:lstStyle/>
+          <a:p>
+            <a:endParaRPr lang="en-US" sz="2800" b="0" strike="noStrike" spc="-1">
+              <a:solidFill>
+                <a:srgbClr val="000000"/>
+              </a:solidFill>
+              <a:uFill>
+                <a:solidFill>
+                  <a:srgbClr val="FFFFFF"/>
                 </a:solidFill>
               </a:uFill>
               <a:latin typeface="Arial"/>
@@ -1930,11 +2117,14 @@
       </p:sp>
     </p:spTree>
   </p:cSld>
+  <p:clrMapOvr>
+    <a:masterClrMapping/>
+  </p:clrMapOvr>
 </p:sldLayout>
 </file>
 
 <file path=ppt/slideLayouts/slideLayout24.xml><?xml version="1.0" encoding="utf-8"?>
-<p:sldLayout xmlns:a="http://schemas.openxmlformats.org/drawingml/2006/main" xmlns:p="http://schemas.openxmlformats.org/presentationml/2006/main" xmlns:r="http://schemas.openxmlformats.org/officeDocument/2006/relationships" xmlns:p14="http://schemas.microsoft.com/office/powerpoint/2010/main" xmlns:p15="http://schemas.microsoft.com/office/powerpoint/2012/main" xmlns:mc="http://schemas.openxmlformats.org/markup-compatibility/2006" type="blank" preserve="1">
+<p:sldLayout xmlns:a="http://schemas.openxmlformats.org/drawingml/2006/main" xmlns:r="http://schemas.openxmlformats.org/officeDocument/2006/relationships" xmlns:p="http://schemas.openxmlformats.org/presentationml/2006/main" type="blank" preserve="1">
   <p:cSld name="Title, 6 Content">
     <p:spTree>
       <p:nvGrpSpPr>
@@ -1970,15 +2160,16 @@
           </a:prstGeom>
         </p:spPr>
         <p:txBody>
-          <a:bodyPr lIns="0" rIns="0" tIns="0" bIns="0" anchor="ctr"/>
-          <a:p>
-            <a:endParaRPr b="0" lang="en-US" sz="1800" spc="-1" strike="noStrike">
-              <a:solidFill>
-                <a:srgbClr val="000000"/>
-              </a:solidFill>
-              <a:uFill>
-                <a:solidFill>
-                  <a:srgbClr val="ffffff"/>
+          <a:bodyPr lIns="0" tIns="0" rIns="0" bIns="0" anchor="ctr"/>
+          <a:lstStyle/>
+          <a:p>
+            <a:endParaRPr lang="en-US" sz="1800" b="0" strike="noStrike" spc="-1">
+              <a:solidFill>
+                <a:srgbClr val="000000"/>
+              </a:solidFill>
+              <a:uFill>
+                <a:solidFill>
+                  <a:srgbClr val="FFFFFF"/>
                 </a:solidFill>
               </a:uFill>
               <a:latin typeface="Arial"/>
@@ -2006,15 +2197,16 @@
           </a:prstGeom>
         </p:spPr>
         <p:txBody>
-          <a:bodyPr lIns="0" rIns="0" tIns="0" bIns="0"/>
-          <a:p>
-            <a:endParaRPr b="0" lang="en-US" sz="2800" spc="-1" strike="noStrike">
-              <a:solidFill>
-                <a:srgbClr val="000000"/>
-              </a:solidFill>
-              <a:uFill>
-                <a:solidFill>
-                  <a:srgbClr val="ffffff"/>
+          <a:bodyPr lIns="0" tIns="0" rIns="0" bIns="0"/>
+          <a:lstStyle/>
+          <a:p>
+            <a:endParaRPr lang="en-US" sz="2800" b="0" strike="noStrike" spc="-1">
+              <a:solidFill>
+                <a:srgbClr val="000000"/>
+              </a:solidFill>
+              <a:uFill>
+                <a:solidFill>
+                  <a:srgbClr val="FFFFFF"/>
                 </a:solidFill>
               </a:uFill>
               <a:latin typeface="Arial"/>
@@ -2042,15 +2234,16 @@
           </a:prstGeom>
         </p:spPr>
         <p:txBody>
-          <a:bodyPr lIns="0" rIns="0" tIns="0" bIns="0"/>
-          <a:p>
-            <a:endParaRPr b="0" lang="en-US" sz="2800" spc="-1" strike="noStrike">
-              <a:solidFill>
-                <a:srgbClr val="000000"/>
-              </a:solidFill>
-              <a:uFill>
-                <a:solidFill>
-                  <a:srgbClr val="ffffff"/>
+          <a:bodyPr lIns="0" tIns="0" rIns="0" bIns="0"/>
+          <a:lstStyle/>
+          <a:p>
+            <a:endParaRPr lang="en-US" sz="2800" b="0" strike="noStrike" spc="-1">
+              <a:solidFill>
+                <a:srgbClr val="000000"/>
+              </a:solidFill>
+              <a:uFill>
+                <a:solidFill>
+                  <a:srgbClr val="FFFFFF"/>
                 </a:solidFill>
               </a:uFill>
               <a:latin typeface="Arial"/>
@@ -2060,7 +2253,7 @@
       </p:sp>
       <p:pic>
         <p:nvPicPr>
-          <p:cNvPr id="70" name="" descr=""/>
+          <p:cNvPr id="70" name="Picture 69"/>
           <p:cNvPicPr/>
           <p:nvPr/>
         </p:nvPicPr>
@@ -2083,12 +2276,12 @@
       </p:pic>
       <p:pic>
         <p:nvPicPr>
-          <p:cNvPr id="71" name="" descr=""/>
+          <p:cNvPr id="71" name="Picture 70"/>
           <p:cNvPicPr/>
           <p:nvPr/>
         </p:nvPicPr>
         <p:blipFill>
-          <a:blip r:embed="rId3"/>
+          <a:blip r:embed="rId2"/>
           <a:stretch/>
         </p:blipFill>
         <p:spPr>
@@ -2106,11 +2299,14 @@
       </p:pic>
     </p:spTree>
   </p:cSld>
+  <p:clrMapOvr>
+    <a:masterClrMapping/>
+  </p:clrMapOvr>
 </p:sldLayout>
 </file>
 
 <file path=ppt/slideLayouts/slideLayout25.xml><?xml version="1.0" encoding="utf-8"?>
-<p:sldLayout xmlns:a="http://schemas.openxmlformats.org/drawingml/2006/main" xmlns:p="http://schemas.openxmlformats.org/presentationml/2006/main" xmlns:r="http://schemas.openxmlformats.org/officeDocument/2006/relationships" xmlns:p14="http://schemas.microsoft.com/office/powerpoint/2010/main" xmlns:p15="http://schemas.microsoft.com/office/powerpoint/2012/main" xmlns:mc="http://schemas.openxmlformats.org/markup-compatibility/2006" type="blank" preserve="1">
+<p:sldLayout xmlns:a="http://schemas.openxmlformats.org/drawingml/2006/main" xmlns:r="http://schemas.openxmlformats.org/officeDocument/2006/relationships" xmlns:p="http://schemas.openxmlformats.org/presentationml/2006/main" type="blank" preserve="1">
   <p:cSld name="Blank Slide">
     <p:spTree>
       <p:nvGrpSpPr>
@@ -2128,11 +2324,14 @@
       </p:grpSpPr>
     </p:spTree>
   </p:cSld>
+  <p:clrMapOvr>
+    <a:masterClrMapping/>
+  </p:clrMapOvr>
 </p:sldLayout>
 </file>
 
 <file path=ppt/slideLayouts/slideLayout26.xml><?xml version="1.0" encoding="utf-8"?>
-<p:sldLayout xmlns:a="http://schemas.openxmlformats.org/drawingml/2006/main" xmlns:p="http://schemas.openxmlformats.org/presentationml/2006/main" xmlns:r="http://schemas.openxmlformats.org/officeDocument/2006/relationships" xmlns:p14="http://schemas.microsoft.com/office/powerpoint/2010/main" xmlns:p15="http://schemas.microsoft.com/office/powerpoint/2012/main" xmlns:mc="http://schemas.openxmlformats.org/markup-compatibility/2006" type="tx" preserve="1">
+<p:sldLayout xmlns:a="http://schemas.openxmlformats.org/drawingml/2006/main" xmlns:r="http://schemas.openxmlformats.org/officeDocument/2006/relationships" xmlns:p="http://schemas.openxmlformats.org/presentationml/2006/main" type="tx" preserve="1">
   <p:cSld name="Title Slide">
     <p:spTree>
       <p:nvGrpSpPr>
@@ -2168,15 +2367,16 @@
           </a:prstGeom>
         </p:spPr>
         <p:txBody>
-          <a:bodyPr lIns="0" rIns="0" tIns="0" bIns="0" anchor="ctr"/>
-          <a:p>
-            <a:endParaRPr b="0" lang="en-US" sz="1800" spc="-1" strike="noStrike">
-              <a:solidFill>
-                <a:srgbClr val="000000"/>
-              </a:solidFill>
-              <a:uFill>
-                <a:solidFill>
-                  <a:srgbClr val="ffffff"/>
+          <a:bodyPr lIns="0" tIns="0" rIns="0" bIns="0" anchor="ctr"/>
+          <a:lstStyle/>
+          <a:p>
+            <a:endParaRPr lang="en-US" sz="1800" b="0" strike="noStrike" spc="-1">
+              <a:solidFill>
+                <a:srgbClr val="000000"/>
+              </a:solidFill>
+              <a:uFill>
+                <a:solidFill>
+                  <a:srgbClr val="FFFFFF"/>
                 </a:solidFill>
               </a:uFill>
               <a:latin typeface="Arial"/>
@@ -2204,16 +2404,17 @@
           </a:prstGeom>
         </p:spPr>
         <p:txBody>
-          <a:bodyPr lIns="0" rIns="0" tIns="0" bIns="0" anchor="ctr"/>
+          <a:bodyPr lIns="0" tIns="0" rIns="0" bIns="0" anchor="ctr"/>
+          <a:lstStyle/>
           <a:p>
             <a:pPr algn="ctr"/>
-            <a:endParaRPr b="0" lang="en-GB" sz="3200" spc="-1" strike="noStrike">
-              <a:solidFill>
-                <a:srgbClr val="000000"/>
-              </a:solidFill>
-              <a:uFill>
-                <a:solidFill>
-                  <a:srgbClr val="ffffff"/>
+            <a:endParaRPr lang="en-GB" sz="3200" b="0" strike="noStrike" spc="-1">
+              <a:solidFill>
+                <a:srgbClr val="000000"/>
+              </a:solidFill>
+              <a:uFill>
+                <a:solidFill>
+                  <a:srgbClr val="FFFFFF"/>
                 </a:solidFill>
               </a:uFill>
               <a:latin typeface="Arial"/>
@@ -2223,11 +2424,14 @@
       </p:sp>
     </p:spTree>
   </p:cSld>
+  <p:clrMapOvr>
+    <a:masterClrMapping/>
+  </p:clrMapOvr>
 </p:sldLayout>
 </file>
 
 <file path=ppt/slideLayouts/slideLayout27.xml><?xml version="1.0" encoding="utf-8"?>
-<p:sldLayout xmlns:a="http://schemas.openxmlformats.org/drawingml/2006/main" xmlns:p="http://schemas.openxmlformats.org/presentationml/2006/main" xmlns:r="http://schemas.openxmlformats.org/officeDocument/2006/relationships" xmlns:p14="http://schemas.microsoft.com/office/powerpoint/2010/main" xmlns:p15="http://schemas.microsoft.com/office/powerpoint/2012/main" xmlns:mc="http://schemas.openxmlformats.org/markup-compatibility/2006" type="obj" preserve="1">
+<p:sldLayout xmlns:a="http://schemas.openxmlformats.org/drawingml/2006/main" xmlns:r="http://schemas.openxmlformats.org/officeDocument/2006/relationships" xmlns:p="http://schemas.openxmlformats.org/presentationml/2006/main" type="obj" preserve="1">
   <p:cSld name="Title, Content">
     <p:spTree>
       <p:nvGrpSpPr>
@@ -2263,15 +2467,16 @@
           </a:prstGeom>
         </p:spPr>
         <p:txBody>
-          <a:bodyPr lIns="0" rIns="0" tIns="0" bIns="0" anchor="ctr"/>
-          <a:p>
-            <a:endParaRPr b="0" lang="en-US" sz="1800" spc="-1" strike="noStrike">
-              <a:solidFill>
-                <a:srgbClr val="000000"/>
-              </a:solidFill>
-              <a:uFill>
-                <a:solidFill>
-                  <a:srgbClr val="ffffff"/>
+          <a:bodyPr lIns="0" tIns="0" rIns="0" bIns="0" anchor="ctr"/>
+          <a:lstStyle/>
+          <a:p>
+            <a:endParaRPr lang="en-US" sz="1800" b="0" strike="noStrike" spc="-1">
+              <a:solidFill>
+                <a:srgbClr val="000000"/>
+              </a:solidFill>
+              <a:uFill>
+                <a:solidFill>
+                  <a:srgbClr val="FFFFFF"/>
                 </a:solidFill>
               </a:uFill>
               <a:latin typeface="Arial"/>
@@ -2299,15 +2504,16 @@
           </a:prstGeom>
         </p:spPr>
         <p:txBody>
-          <a:bodyPr lIns="0" rIns="0" tIns="0" bIns="0"/>
-          <a:p>
-            <a:endParaRPr b="0" lang="en-US" sz="2800" spc="-1" strike="noStrike">
-              <a:solidFill>
-                <a:srgbClr val="000000"/>
-              </a:solidFill>
-              <a:uFill>
-                <a:solidFill>
-                  <a:srgbClr val="ffffff"/>
+          <a:bodyPr lIns="0" tIns="0" rIns="0" bIns="0"/>
+          <a:lstStyle/>
+          <a:p>
+            <a:endParaRPr lang="en-US" sz="2800" b="0" strike="noStrike" spc="-1">
+              <a:solidFill>
+                <a:srgbClr val="000000"/>
+              </a:solidFill>
+              <a:uFill>
+                <a:solidFill>
+                  <a:srgbClr val="FFFFFF"/>
                 </a:solidFill>
               </a:uFill>
               <a:latin typeface="Arial"/>
@@ -2317,11 +2523,14 @@
       </p:sp>
     </p:spTree>
   </p:cSld>
+  <p:clrMapOvr>
+    <a:masterClrMapping/>
+  </p:clrMapOvr>
 </p:sldLayout>
 </file>
 
 <file path=ppt/slideLayouts/slideLayout28.xml><?xml version="1.0" encoding="utf-8"?>
-<p:sldLayout xmlns:a="http://schemas.openxmlformats.org/drawingml/2006/main" xmlns:p="http://schemas.openxmlformats.org/presentationml/2006/main" xmlns:r="http://schemas.openxmlformats.org/officeDocument/2006/relationships" xmlns:p14="http://schemas.microsoft.com/office/powerpoint/2010/main" xmlns:p15="http://schemas.microsoft.com/office/powerpoint/2012/main" xmlns:mc="http://schemas.openxmlformats.org/markup-compatibility/2006" type="twoObj" preserve="1">
+<p:sldLayout xmlns:a="http://schemas.openxmlformats.org/drawingml/2006/main" xmlns:r="http://schemas.openxmlformats.org/officeDocument/2006/relationships" xmlns:p="http://schemas.openxmlformats.org/presentationml/2006/main" type="twoObj" preserve="1">
   <p:cSld name="Title, 2 Content">
     <p:spTree>
       <p:nvGrpSpPr>
@@ -2357,15 +2566,16 @@
           </a:prstGeom>
         </p:spPr>
         <p:txBody>
-          <a:bodyPr lIns="0" rIns="0" tIns="0" bIns="0" anchor="ctr"/>
-          <a:p>
-            <a:endParaRPr b="0" lang="en-US" sz="1800" spc="-1" strike="noStrike">
-              <a:solidFill>
-                <a:srgbClr val="000000"/>
-              </a:solidFill>
-              <a:uFill>
-                <a:solidFill>
-                  <a:srgbClr val="ffffff"/>
+          <a:bodyPr lIns="0" tIns="0" rIns="0" bIns="0" anchor="ctr"/>
+          <a:lstStyle/>
+          <a:p>
+            <a:endParaRPr lang="en-US" sz="1800" b="0" strike="noStrike" spc="-1">
+              <a:solidFill>
+                <a:srgbClr val="000000"/>
+              </a:solidFill>
+              <a:uFill>
+                <a:solidFill>
+                  <a:srgbClr val="FFFFFF"/>
                 </a:solidFill>
               </a:uFill>
               <a:latin typeface="Arial"/>
@@ -2393,15 +2603,16 @@
           </a:prstGeom>
         </p:spPr>
         <p:txBody>
-          <a:bodyPr lIns="0" rIns="0" tIns="0" bIns="0"/>
-          <a:p>
-            <a:endParaRPr b="0" lang="en-US" sz="2800" spc="-1" strike="noStrike">
-              <a:solidFill>
-                <a:srgbClr val="000000"/>
-              </a:solidFill>
-              <a:uFill>
-                <a:solidFill>
-                  <a:srgbClr val="ffffff"/>
+          <a:bodyPr lIns="0" tIns="0" rIns="0" bIns="0"/>
+          <a:lstStyle/>
+          <a:p>
+            <a:endParaRPr lang="en-US" sz="2800" b="0" strike="noStrike" spc="-1">
+              <a:solidFill>
+                <a:srgbClr val="000000"/>
+              </a:solidFill>
+              <a:uFill>
+                <a:solidFill>
+                  <a:srgbClr val="FFFFFF"/>
                 </a:solidFill>
               </a:uFill>
               <a:latin typeface="Arial"/>
@@ -2429,15 +2640,16 @@
           </a:prstGeom>
         </p:spPr>
         <p:txBody>
-          <a:bodyPr lIns="0" rIns="0" tIns="0" bIns="0"/>
-          <a:p>
-            <a:endParaRPr b="0" lang="en-US" sz="2800" spc="-1" strike="noStrike">
-              <a:solidFill>
-                <a:srgbClr val="000000"/>
-              </a:solidFill>
-              <a:uFill>
-                <a:solidFill>
-                  <a:srgbClr val="ffffff"/>
+          <a:bodyPr lIns="0" tIns="0" rIns="0" bIns="0"/>
+          <a:lstStyle/>
+          <a:p>
+            <a:endParaRPr lang="en-US" sz="2800" b="0" strike="noStrike" spc="-1">
+              <a:solidFill>
+                <a:srgbClr val="000000"/>
+              </a:solidFill>
+              <a:uFill>
+                <a:solidFill>
+                  <a:srgbClr val="FFFFFF"/>
                 </a:solidFill>
               </a:uFill>
               <a:latin typeface="Arial"/>
@@ -2447,11 +2659,14 @@
       </p:sp>
     </p:spTree>
   </p:cSld>
+  <p:clrMapOvr>
+    <a:masterClrMapping/>
+  </p:clrMapOvr>
 </p:sldLayout>
 </file>
 
 <file path=ppt/slideLayouts/slideLayout29.xml><?xml version="1.0" encoding="utf-8"?>
-<p:sldLayout xmlns:a="http://schemas.openxmlformats.org/drawingml/2006/main" xmlns:p="http://schemas.openxmlformats.org/presentationml/2006/main" xmlns:r="http://schemas.openxmlformats.org/officeDocument/2006/relationships" xmlns:p14="http://schemas.microsoft.com/office/powerpoint/2010/main" xmlns:p15="http://schemas.microsoft.com/office/powerpoint/2012/main" xmlns:mc="http://schemas.openxmlformats.org/markup-compatibility/2006" type="titleOnly" preserve="1">
+<p:sldLayout xmlns:a="http://schemas.openxmlformats.org/drawingml/2006/main" xmlns:r="http://schemas.openxmlformats.org/officeDocument/2006/relationships" xmlns:p="http://schemas.openxmlformats.org/presentationml/2006/main" type="titleOnly" preserve="1">
   <p:cSld name="Title Only">
     <p:spTree>
       <p:nvGrpSpPr>
@@ -2487,15 +2702,16 @@
           </a:prstGeom>
         </p:spPr>
         <p:txBody>
-          <a:bodyPr lIns="0" rIns="0" tIns="0" bIns="0" anchor="ctr"/>
-          <a:p>
-            <a:endParaRPr b="0" lang="en-US" sz="1800" spc="-1" strike="noStrike">
-              <a:solidFill>
-                <a:srgbClr val="000000"/>
-              </a:solidFill>
-              <a:uFill>
-                <a:solidFill>
-                  <a:srgbClr val="ffffff"/>
+          <a:bodyPr lIns="0" tIns="0" rIns="0" bIns="0" anchor="ctr"/>
+          <a:lstStyle/>
+          <a:p>
+            <a:endParaRPr lang="en-US" sz="1800" b="0" strike="noStrike" spc="-1">
+              <a:solidFill>
+                <a:srgbClr val="000000"/>
+              </a:solidFill>
+              <a:uFill>
+                <a:solidFill>
+                  <a:srgbClr val="FFFFFF"/>
                 </a:solidFill>
               </a:uFill>
               <a:latin typeface="Arial"/>
@@ -2505,11 +2721,14 @@
       </p:sp>
     </p:spTree>
   </p:cSld>
+  <p:clrMapOvr>
+    <a:masterClrMapping/>
+  </p:clrMapOvr>
 </p:sldLayout>
 </file>
 
 <file path=ppt/slideLayouts/slideLayout3.xml><?xml version="1.0" encoding="utf-8"?>
-<p:sldLayout xmlns:a="http://schemas.openxmlformats.org/drawingml/2006/main" xmlns:p="http://schemas.openxmlformats.org/presentationml/2006/main" xmlns:r="http://schemas.openxmlformats.org/officeDocument/2006/relationships" xmlns:p14="http://schemas.microsoft.com/office/powerpoint/2010/main" xmlns:p15="http://schemas.microsoft.com/office/powerpoint/2012/main" xmlns:mc="http://schemas.openxmlformats.org/markup-compatibility/2006" type="obj" preserve="1">
+<p:sldLayout xmlns:a="http://schemas.openxmlformats.org/drawingml/2006/main" xmlns:r="http://schemas.openxmlformats.org/officeDocument/2006/relationships" xmlns:p="http://schemas.openxmlformats.org/presentationml/2006/main" type="obj" preserve="1">
   <p:cSld name="Title, Content">
     <p:spTree>
       <p:nvGrpSpPr>
@@ -2545,15 +2764,16 @@
           </a:prstGeom>
         </p:spPr>
         <p:txBody>
-          <a:bodyPr lIns="0" rIns="0" tIns="0" bIns="0" anchor="ctr"/>
-          <a:p>
-            <a:endParaRPr b="0" lang="en-US" sz="1800" spc="-1" strike="noStrike">
-              <a:solidFill>
-                <a:srgbClr val="000000"/>
-              </a:solidFill>
-              <a:uFill>
-                <a:solidFill>
-                  <a:srgbClr val="ffffff"/>
+          <a:bodyPr lIns="0" tIns="0" rIns="0" bIns="0" anchor="ctr"/>
+          <a:lstStyle/>
+          <a:p>
+            <a:endParaRPr lang="en-US" sz="1800" b="0" strike="noStrike" spc="-1">
+              <a:solidFill>
+                <a:srgbClr val="000000"/>
+              </a:solidFill>
+              <a:uFill>
+                <a:solidFill>
+                  <a:srgbClr val="FFFFFF"/>
                 </a:solidFill>
               </a:uFill>
               <a:latin typeface="Arial"/>
@@ -2581,15 +2801,16 @@
           </a:prstGeom>
         </p:spPr>
         <p:txBody>
-          <a:bodyPr lIns="0" rIns="0" tIns="0" bIns="0"/>
-          <a:p>
-            <a:endParaRPr b="0" lang="en-US" sz="2800" spc="-1" strike="noStrike">
-              <a:solidFill>
-                <a:srgbClr val="000000"/>
-              </a:solidFill>
-              <a:uFill>
-                <a:solidFill>
-                  <a:srgbClr val="ffffff"/>
+          <a:bodyPr lIns="0" tIns="0" rIns="0" bIns="0"/>
+          <a:lstStyle/>
+          <a:p>
+            <a:endParaRPr lang="en-US" sz="2800" b="0" strike="noStrike" spc="-1">
+              <a:solidFill>
+                <a:srgbClr val="000000"/>
+              </a:solidFill>
+              <a:uFill>
+                <a:solidFill>
+                  <a:srgbClr val="FFFFFF"/>
                 </a:solidFill>
               </a:uFill>
               <a:latin typeface="Arial"/>
@@ -2599,11 +2820,14 @@
       </p:sp>
     </p:spTree>
   </p:cSld>
+  <p:clrMapOvr>
+    <a:masterClrMapping/>
+  </p:clrMapOvr>
 </p:sldLayout>
 </file>
 
 <file path=ppt/slideLayouts/slideLayout30.xml><?xml version="1.0" encoding="utf-8"?>
-<p:sldLayout xmlns:a="http://schemas.openxmlformats.org/drawingml/2006/main" xmlns:p="http://schemas.openxmlformats.org/presentationml/2006/main" xmlns:r="http://schemas.openxmlformats.org/officeDocument/2006/relationships" xmlns:p14="http://schemas.microsoft.com/office/powerpoint/2010/main" xmlns:p15="http://schemas.microsoft.com/office/powerpoint/2012/main" xmlns:mc="http://schemas.openxmlformats.org/markup-compatibility/2006" type="objOnly" preserve="1">
+<p:sldLayout xmlns:a="http://schemas.openxmlformats.org/drawingml/2006/main" xmlns:r="http://schemas.openxmlformats.org/officeDocument/2006/relationships" xmlns:p="http://schemas.openxmlformats.org/presentationml/2006/main" type="objOnly" preserve="1">
   <p:cSld name="Centered Text">
     <p:spTree>
       <p:nvGrpSpPr>
@@ -2639,16 +2863,17 @@
           </a:prstGeom>
         </p:spPr>
         <p:txBody>
-          <a:bodyPr lIns="0" rIns="0" tIns="0" bIns="0" anchor="ctr"/>
+          <a:bodyPr lIns="0" tIns="0" rIns="0" bIns="0" anchor="ctr"/>
+          <a:lstStyle/>
           <a:p>
             <a:pPr algn="ctr"/>
-            <a:endParaRPr b="0" lang="en-GB" sz="3200" spc="-1" strike="noStrike">
-              <a:solidFill>
-                <a:srgbClr val="000000"/>
-              </a:solidFill>
-              <a:uFill>
-                <a:solidFill>
-                  <a:srgbClr val="ffffff"/>
+            <a:endParaRPr lang="en-GB" sz="3200" b="0" strike="noStrike" spc="-1">
+              <a:solidFill>
+                <a:srgbClr val="000000"/>
+              </a:solidFill>
+              <a:uFill>
+                <a:solidFill>
+                  <a:srgbClr val="FFFFFF"/>
                 </a:solidFill>
               </a:uFill>
               <a:latin typeface="Arial"/>
@@ -2658,11 +2883,14 @@
       </p:sp>
     </p:spTree>
   </p:cSld>
+  <p:clrMapOvr>
+    <a:masterClrMapping/>
+  </p:clrMapOvr>
 </p:sldLayout>
 </file>
 
 <file path=ppt/slideLayouts/slideLayout31.xml><?xml version="1.0" encoding="utf-8"?>
-<p:sldLayout xmlns:a="http://schemas.openxmlformats.org/drawingml/2006/main" xmlns:p="http://schemas.openxmlformats.org/presentationml/2006/main" xmlns:r="http://schemas.openxmlformats.org/officeDocument/2006/relationships" xmlns:p14="http://schemas.microsoft.com/office/powerpoint/2010/main" xmlns:p15="http://schemas.microsoft.com/office/powerpoint/2012/main" xmlns:mc="http://schemas.openxmlformats.org/markup-compatibility/2006" type="twoObjAndObj" preserve="1">
+<p:sldLayout xmlns:a="http://schemas.openxmlformats.org/drawingml/2006/main" xmlns:r="http://schemas.openxmlformats.org/officeDocument/2006/relationships" xmlns:p="http://schemas.openxmlformats.org/presentationml/2006/main" type="twoObjAndObj" preserve="1">
   <p:cSld name="Title, 2 Content and Content">
     <p:spTree>
       <p:nvGrpSpPr>
@@ -2698,15 +2926,16 @@
           </a:prstGeom>
         </p:spPr>
         <p:txBody>
-          <a:bodyPr lIns="0" rIns="0" tIns="0" bIns="0" anchor="ctr"/>
-          <a:p>
-            <a:endParaRPr b="0" lang="en-US" sz="1800" spc="-1" strike="noStrike">
-              <a:solidFill>
-                <a:srgbClr val="000000"/>
-              </a:solidFill>
-              <a:uFill>
-                <a:solidFill>
-                  <a:srgbClr val="ffffff"/>
+          <a:bodyPr lIns="0" tIns="0" rIns="0" bIns="0" anchor="ctr"/>
+          <a:lstStyle/>
+          <a:p>
+            <a:endParaRPr lang="en-US" sz="1800" b="0" strike="noStrike" spc="-1">
+              <a:solidFill>
+                <a:srgbClr val="000000"/>
+              </a:solidFill>
+              <a:uFill>
+                <a:solidFill>
+                  <a:srgbClr val="FFFFFF"/>
                 </a:solidFill>
               </a:uFill>
               <a:latin typeface="Arial"/>
@@ -2734,15 +2963,16 @@
           </a:prstGeom>
         </p:spPr>
         <p:txBody>
-          <a:bodyPr lIns="0" rIns="0" tIns="0" bIns="0"/>
-          <a:p>
-            <a:endParaRPr b="0" lang="en-US" sz="2800" spc="-1" strike="noStrike">
-              <a:solidFill>
-                <a:srgbClr val="000000"/>
-              </a:solidFill>
-              <a:uFill>
-                <a:solidFill>
-                  <a:srgbClr val="ffffff"/>
+          <a:bodyPr lIns="0" tIns="0" rIns="0" bIns="0"/>
+          <a:lstStyle/>
+          <a:p>
+            <a:endParaRPr lang="en-US" sz="2800" b="0" strike="noStrike" spc="-1">
+              <a:solidFill>
+                <a:srgbClr val="000000"/>
+              </a:solidFill>
+              <a:uFill>
+                <a:solidFill>
+                  <a:srgbClr val="FFFFFF"/>
                 </a:solidFill>
               </a:uFill>
               <a:latin typeface="Arial"/>
@@ -2770,15 +3000,16 @@
           </a:prstGeom>
         </p:spPr>
         <p:txBody>
-          <a:bodyPr lIns="0" rIns="0" tIns="0" bIns="0"/>
-          <a:p>
-            <a:endParaRPr b="0" lang="en-US" sz="2800" spc="-1" strike="noStrike">
-              <a:solidFill>
-                <a:srgbClr val="000000"/>
-              </a:solidFill>
-              <a:uFill>
-                <a:solidFill>
-                  <a:srgbClr val="ffffff"/>
+          <a:bodyPr lIns="0" tIns="0" rIns="0" bIns="0"/>
+          <a:lstStyle/>
+          <a:p>
+            <a:endParaRPr lang="en-US" sz="2800" b="0" strike="noStrike" spc="-1">
+              <a:solidFill>
+                <a:srgbClr val="000000"/>
+              </a:solidFill>
+              <a:uFill>
+                <a:solidFill>
+                  <a:srgbClr val="FFFFFF"/>
                 </a:solidFill>
               </a:uFill>
               <a:latin typeface="Arial"/>
@@ -2806,15 +3037,16 @@
           </a:prstGeom>
         </p:spPr>
         <p:txBody>
-          <a:bodyPr lIns="0" rIns="0" tIns="0" bIns="0"/>
-          <a:p>
-            <a:endParaRPr b="0" lang="en-US" sz="2800" spc="-1" strike="noStrike">
-              <a:solidFill>
-                <a:srgbClr val="000000"/>
-              </a:solidFill>
-              <a:uFill>
-                <a:solidFill>
-                  <a:srgbClr val="ffffff"/>
+          <a:bodyPr lIns="0" tIns="0" rIns="0" bIns="0"/>
+          <a:lstStyle/>
+          <a:p>
+            <a:endParaRPr lang="en-US" sz="2800" b="0" strike="noStrike" spc="-1">
+              <a:solidFill>
+                <a:srgbClr val="000000"/>
+              </a:solidFill>
+              <a:uFill>
+                <a:solidFill>
+                  <a:srgbClr val="FFFFFF"/>
                 </a:solidFill>
               </a:uFill>
               <a:latin typeface="Arial"/>
@@ -2824,11 +3056,14 @@
       </p:sp>
     </p:spTree>
   </p:cSld>
+  <p:clrMapOvr>
+    <a:masterClrMapping/>
+  </p:clrMapOvr>
 </p:sldLayout>
 </file>
 
 <file path=ppt/slideLayouts/slideLayout32.xml><?xml version="1.0" encoding="utf-8"?>
-<p:sldLayout xmlns:a="http://schemas.openxmlformats.org/drawingml/2006/main" xmlns:p="http://schemas.openxmlformats.org/presentationml/2006/main" xmlns:r="http://schemas.openxmlformats.org/officeDocument/2006/relationships" xmlns:p14="http://schemas.microsoft.com/office/powerpoint/2010/main" xmlns:p15="http://schemas.microsoft.com/office/powerpoint/2012/main" xmlns:mc="http://schemas.openxmlformats.org/markup-compatibility/2006" type="objAndTwoObj" preserve="1">
+<p:sldLayout xmlns:a="http://schemas.openxmlformats.org/drawingml/2006/main" xmlns:r="http://schemas.openxmlformats.org/officeDocument/2006/relationships" xmlns:p="http://schemas.openxmlformats.org/presentationml/2006/main" type="objAndTwoObj" preserve="1">
   <p:cSld name="Title Content and 2 Content">
     <p:spTree>
       <p:nvGrpSpPr>
@@ -2864,15 +3099,16 @@
           </a:prstGeom>
         </p:spPr>
         <p:txBody>
-          <a:bodyPr lIns="0" rIns="0" tIns="0" bIns="0" anchor="ctr"/>
-          <a:p>
-            <a:endParaRPr b="0" lang="en-US" sz="1800" spc="-1" strike="noStrike">
-              <a:solidFill>
-                <a:srgbClr val="000000"/>
-              </a:solidFill>
-              <a:uFill>
-                <a:solidFill>
-                  <a:srgbClr val="ffffff"/>
+          <a:bodyPr lIns="0" tIns="0" rIns="0" bIns="0" anchor="ctr"/>
+          <a:lstStyle/>
+          <a:p>
+            <a:endParaRPr lang="en-US" sz="1800" b="0" strike="noStrike" spc="-1">
+              <a:solidFill>
+                <a:srgbClr val="000000"/>
+              </a:solidFill>
+              <a:uFill>
+                <a:solidFill>
+                  <a:srgbClr val="FFFFFF"/>
                 </a:solidFill>
               </a:uFill>
               <a:latin typeface="Arial"/>
@@ -2900,15 +3136,16 @@
           </a:prstGeom>
         </p:spPr>
         <p:txBody>
-          <a:bodyPr lIns="0" rIns="0" tIns="0" bIns="0"/>
-          <a:p>
-            <a:endParaRPr b="0" lang="en-US" sz="2800" spc="-1" strike="noStrike">
-              <a:solidFill>
-                <a:srgbClr val="000000"/>
-              </a:solidFill>
-              <a:uFill>
-                <a:solidFill>
-                  <a:srgbClr val="ffffff"/>
+          <a:bodyPr lIns="0" tIns="0" rIns="0" bIns="0"/>
+          <a:lstStyle/>
+          <a:p>
+            <a:endParaRPr lang="en-US" sz="2800" b="0" strike="noStrike" spc="-1">
+              <a:solidFill>
+                <a:srgbClr val="000000"/>
+              </a:solidFill>
+              <a:uFill>
+                <a:solidFill>
+                  <a:srgbClr val="FFFFFF"/>
                 </a:solidFill>
               </a:uFill>
               <a:latin typeface="Arial"/>
@@ -2936,15 +3173,16 @@
           </a:prstGeom>
         </p:spPr>
         <p:txBody>
-          <a:bodyPr lIns="0" rIns="0" tIns="0" bIns="0"/>
-          <a:p>
-            <a:endParaRPr b="0" lang="en-US" sz="2800" spc="-1" strike="noStrike">
-              <a:solidFill>
-                <a:srgbClr val="000000"/>
-              </a:solidFill>
-              <a:uFill>
-                <a:solidFill>
-                  <a:srgbClr val="ffffff"/>
+          <a:bodyPr lIns="0" tIns="0" rIns="0" bIns="0"/>
+          <a:lstStyle/>
+          <a:p>
+            <a:endParaRPr lang="en-US" sz="2800" b="0" strike="noStrike" spc="-1">
+              <a:solidFill>
+                <a:srgbClr val="000000"/>
+              </a:solidFill>
+              <a:uFill>
+                <a:solidFill>
+                  <a:srgbClr val="FFFFFF"/>
                 </a:solidFill>
               </a:uFill>
               <a:latin typeface="Arial"/>
@@ -2972,15 +3210,16 @@
           </a:prstGeom>
         </p:spPr>
         <p:txBody>
-          <a:bodyPr lIns="0" rIns="0" tIns="0" bIns="0"/>
-          <a:p>
-            <a:endParaRPr b="0" lang="en-US" sz="2800" spc="-1" strike="noStrike">
-              <a:solidFill>
-                <a:srgbClr val="000000"/>
-              </a:solidFill>
-              <a:uFill>
-                <a:solidFill>
-                  <a:srgbClr val="ffffff"/>
+          <a:bodyPr lIns="0" tIns="0" rIns="0" bIns="0"/>
+          <a:lstStyle/>
+          <a:p>
+            <a:endParaRPr lang="en-US" sz="2800" b="0" strike="noStrike" spc="-1">
+              <a:solidFill>
+                <a:srgbClr val="000000"/>
+              </a:solidFill>
+              <a:uFill>
+                <a:solidFill>
+                  <a:srgbClr val="FFFFFF"/>
                 </a:solidFill>
               </a:uFill>
               <a:latin typeface="Arial"/>
@@ -2990,11 +3229,14 @@
       </p:sp>
     </p:spTree>
   </p:cSld>
+  <p:clrMapOvr>
+    <a:masterClrMapping/>
+  </p:clrMapOvr>
 </p:sldLayout>
 </file>
 
 <file path=ppt/slideLayouts/slideLayout33.xml><?xml version="1.0" encoding="utf-8"?>
-<p:sldLayout xmlns:a="http://schemas.openxmlformats.org/drawingml/2006/main" xmlns:p="http://schemas.openxmlformats.org/presentationml/2006/main" xmlns:r="http://schemas.openxmlformats.org/officeDocument/2006/relationships" xmlns:p14="http://schemas.microsoft.com/office/powerpoint/2010/main" xmlns:p15="http://schemas.microsoft.com/office/powerpoint/2012/main" xmlns:mc="http://schemas.openxmlformats.org/markup-compatibility/2006" type="twoObjOverTx" preserve="1">
+<p:sldLayout xmlns:a="http://schemas.openxmlformats.org/drawingml/2006/main" xmlns:r="http://schemas.openxmlformats.org/officeDocument/2006/relationships" xmlns:p="http://schemas.openxmlformats.org/presentationml/2006/main" type="twoObjOverTx" preserve="1">
   <p:cSld name="Title, 2 Content over Content">
     <p:spTree>
       <p:nvGrpSpPr>
@@ -3030,15 +3272,16 @@
           </a:prstGeom>
         </p:spPr>
         <p:txBody>
-          <a:bodyPr lIns="0" rIns="0" tIns="0" bIns="0" anchor="ctr"/>
-          <a:p>
-            <a:endParaRPr b="0" lang="en-US" sz="1800" spc="-1" strike="noStrike">
-              <a:solidFill>
-                <a:srgbClr val="000000"/>
-              </a:solidFill>
-              <a:uFill>
-                <a:solidFill>
-                  <a:srgbClr val="ffffff"/>
+          <a:bodyPr lIns="0" tIns="0" rIns="0" bIns="0" anchor="ctr"/>
+          <a:lstStyle/>
+          <a:p>
+            <a:endParaRPr lang="en-US" sz="1800" b="0" strike="noStrike" spc="-1">
+              <a:solidFill>
+                <a:srgbClr val="000000"/>
+              </a:solidFill>
+              <a:uFill>
+                <a:solidFill>
+                  <a:srgbClr val="FFFFFF"/>
                 </a:solidFill>
               </a:uFill>
               <a:latin typeface="Arial"/>
@@ -3066,15 +3309,16 @@
           </a:prstGeom>
         </p:spPr>
         <p:txBody>
-          <a:bodyPr lIns="0" rIns="0" tIns="0" bIns="0"/>
-          <a:p>
-            <a:endParaRPr b="0" lang="en-US" sz="2800" spc="-1" strike="noStrike">
-              <a:solidFill>
-                <a:srgbClr val="000000"/>
-              </a:solidFill>
-              <a:uFill>
-                <a:solidFill>
-                  <a:srgbClr val="ffffff"/>
+          <a:bodyPr lIns="0" tIns="0" rIns="0" bIns="0"/>
+          <a:lstStyle/>
+          <a:p>
+            <a:endParaRPr lang="en-US" sz="2800" b="0" strike="noStrike" spc="-1">
+              <a:solidFill>
+                <a:srgbClr val="000000"/>
+              </a:solidFill>
+              <a:uFill>
+                <a:solidFill>
+                  <a:srgbClr val="FFFFFF"/>
                 </a:solidFill>
               </a:uFill>
               <a:latin typeface="Arial"/>
@@ -3102,15 +3346,16 @@
           </a:prstGeom>
         </p:spPr>
         <p:txBody>
-          <a:bodyPr lIns="0" rIns="0" tIns="0" bIns="0"/>
-          <a:p>
-            <a:endParaRPr b="0" lang="en-US" sz="2800" spc="-1" strike="noStrike">
-              <a:solidFill>
-                <a:srgbClr val="000000"/>
-              </a:solidFill>
-              <a:uFill>
-                <a:solidFill>
-                  <a:srgbClr val="ffffff"/>
+          <a:bodyPr lIns="0" tIns="0" rIns="0" bIns="0"/>
+          <a:lstStyle/>
+          <a:p>
+            <a:endParaRPr lang="en-US" sz="2800" b="0" strike="noStrike" spc="-1">
+              <a:solidFill>
+                <a:srgbClr val="000000"/>
+              </a:solidFill>
+              <a:uFill>
+                <a:solidFill>
+                  <a:srgbClr val="FFFFFF"/>
                 </a:solidFill>
               </a:uFill>
               <a:latin typeface="Arial"/>
@@ -3138,15 +3383,16 @@
           </a:prstGeom>
         </p:spPr>
         <p:txBody>
-          <a:bodyPr lIns="0" rIns="0" tIns="0" bIns="0"/>
-          <a:p>
-            <a:endParaRPr b="0" lang="en-US" sz="2800" spc="-1" strike="noStrike">
-              <a:solidFill>
-                <a:srgbClr val="000000"/>
-              </a:solidFill>
-              <a:uFill>
-                <a:solidFill>
-                  <a:srgbClr val="ffffff"/>
+          <a:bodyPr lIns="0" tIns="0" rIns="0" bIns="0"/>
+          <a:lstStyle/>
+          <a:p>
+            <a:endParaRPr lang="en-US" sz="2800" b="0" strike="noStrike" spc="-1">
+              <a:solidFill>
+                <a:srgbClr val="000000"/>
+              </a:solidFill>
+              <a:uFill>
+                <a:solidFill>
+                  <a:srgbClr val="FFFFFF"/>
                 </a:solidFill>
               </a:uFill>
               <a:latin typeface="Arial"/>
@@ -3156,11 +3402,14 @@
       </p:sp>
     </p:spTree>
   </p:cSld>
+  <p:clrMapOvr>
+    <a:masterClrMapping/>
+  </p:clrMapOvr>
 </p:sldLayout>
 </file>
 
 <file path=ppt/slideLayouts/slideLayout34.xml><?xml version="1.0" encoding="utf-8"?>
-<p:sldLayout xmlns:a="http://schemas.openxmlformats.org/drawingml/2006/main" xmlns:p="http://schemas.openxmlformats.org/presentationml/2006/main" xmlns:r="http://schemas.openxmlformats.org/officeDocument/2006/relationships" xmlns:p14="http://schemas.microsoft.com/office/powerpoint/2010/main" xmlns:p15="http://schemas.microsoft.com/office/powerpoint/2012/main" xmlns:mc="http://schemas.openxmlformats.org/markup-compatibility/2006" type="objOverTx" preserve="1">
+<p:sldLayout xmlns:a="http://schemas.openxmlformats.org/drawingml/2006/main" xmlns:r="http://schemas.openxmlformats.org/officeDocument/2006/relationships" xmlns:p="http://schemas.openxmlformats.org/presentationml/2006/main" type="objOverTx" preserve="1">
   <p:cSld name="Title, Content over Content">
     <p:spTree>
       <p:nvGrpSpPr>
@@ -3196,15 +3445,16 @@
           </a:prstGeom>
         </p:spPr>
         <p:txBody>
-          <a:bodyPr lIns="0" rIns="0" tIns="0" bIns="0" anchor="ctr"/>
-          <a:p>
-            <a:endParaRPr b="0" lang="en-US" sz="1800" spc="-1" strike="noStrike">
-              <a:solidFill>
-                <a:srgbClr val="000000"/>
-              </a:solidFill>
-              <a:uFill>
-                <a:solidFill>
-                  <a:srgbClr val="ffffff"/>
+          <a:bodyPr lIns="0" tIns="0" rIns="0" bIns="0" anchor="ctr"/>
+          <a:lstStyle/>
+          <a:p>
+            <a:endParaRPr lang="en-US" sz="1800" b="0" strike="noStrike" spc="-1">
+              <a:solidFill>
+                <a:srgbClr val="000000"/>
+              </a:solidFill>
+              <a:uFill>
+                <a:solidFill>
+                  <a:srgbClr val="FFFFFF"/>
                 </a:solidFill>
               </a:uFill>
               <a:latin typeface="Arial"/>
@@ -3232,15 +3482,16 @@
           </a:prstGeom>
         </p:spPr>
         <p:txBody>
-          <a:bodyPr lIns="0" rIns="0" tIns="0" bIns="0"/>
-          <a:p>
-            <a:endParaRPr b="0" lang="en-US" sz="2800" spc="-1" strike="noStrike">
-              <a:solidFill>
-                <a:srgbClr val="000000"/>
-              </a:solidFill>
-              <a:uFill>
-                <a:solidFill>
-                  <a:srgbClr val="ffffff"/>
+          <a:bodyPr lIns="0" tIns="0" rIns="0" bIns="0"/>
+          <a:lstStyle/>
+          <a:p>
+            <a:endParaRPr lang="en-US" sz="2800" b="0" strike="noStrike" spc="-1">
+              <a:solidFill>
+                <a:srgbClr val="000000"/>
+              </a:solidFill>
+              <a:uFill>
+                <a:solidFill>
+                  <a:srgbClr val="FFFFFF"/>
                 </a:solidFill>
               </a:uFill>
               <a:latin typeface="Arial"/>
@@ -3268,15 +3519,16 @@
           </a:prstGeom>
         </p:spPr>
         <p:txBody>
-          <a:bodyPr lIns="0" rIns="0" tIns="0" bIns="0"/>
-          <a:p>
-            <a:endParaRPr b="0" lang="en-US" sz="2800" spc="-1" strike="noStrike">
-              <a:solidFill>
-                <a:srgbClr val="000000"/>
-              </a:solidFill>
-              <a:uFill>
-                <a:solidFill>
-                  <a:srgbClr val="ffffff"/>
+          <a:bodyPr lIns="0" tIns="0" rIns="0" bIns="0"/>
+          <a:lstStyle/>
+          <a:p>
+            <a:endParaRPr lang="en-US" sz="2800" b="0" strike="noStrike" spc="-1">
+              <a:solidFill>
+                <a:srgbClr val="000000"/>
+              </a:solidFill>
+              <a:uFill>
+                <a:solidFill>
+                  <a:srgbClr val="FFFFFF"/>
                 </a:solidFill>
               </a:uFill>
               <a:latin typeface="Arial"/>
@@ -3286,11 +3538,14 @@
       </p:sp>
     </p:spTree>
   </p:cSld>
+  <p:clrMapOvr>
+    <a:masterClrMapping/>
+  </p:clrMapOvr>
 </p:sldLayout>
 </file>
 
 <file path=ppt/slideLayouts/slideLayout35.xml><?xml version="1.0" encoding="utf-8"?>
-<p:sldLayout xmlns:a="http://schemas.openxmlformats.org/drawingml/2006/main" xmlns:p="http://schemas.openxmlformats.org/presentationml/2006/main" xmlns:r="http://schemas.openxmlformats.org/officeDocument/2006/relationships" xmlns:p14="http://schemas.microsoft.com/office/powerpoint/2010/main" xmlns:p15="http://schemas.microsoft.com/office/powerpoint/2012/main" xmlns:mc="http://schemas.openxmlformats.org/markup-compatibility/2006" type="fourObj" preserve="1">
+<p:sldLayout xmlns:a="http://schemas.openxmlformats.org/drawingml/2006/main" xmlns:r="http://schemas.openxmlformats.org/officeDocument/2006/relationships" xmlns:p="http://schemas.openxmlformats.org/presentationml/2006/main" type="fourObj" preserve="1">
   <p:cSld name="Title, 4 Content">
     <p:spTree>
       <p:nvGrpSpPr>
@@ -3326,15 +3581,16 @@
           </a:prstGeom>
         </p:spPr>
         <p:txBody>
-          <a:bodyPr lIns="0" rIns="0" tIns="0" bIns="0" anchor="ctr"/>
-          <a:p>
-            <a:endParaRPr b="0" lang="en-US" sz="1800" spc="-1" strike="noStrike">
-              <a:solidFill>
-                <a:srgbClr val="000000"/>
-              </a:solidFill>
-              <a:uFill>
-                <a:solidFill>
-                  <a:srgbClr val="ffffff"/>
+          <a:bodyPr lIns="0" tIns="0" rIns="0" bIns="0" anchor="ctr"/>
+          <a:lstStyle/>
+          <a:p>
+            <a:endParaRPr lang="en-US" sz="1800" b="0" strike="noStrike" spc="-1">
+              <a:solidFill>
+                <a:srgbClr val="000000"/>
+              </a:solidFill>
+              <a:uFill>
+                <a:solidFill>
+                  <a:srgbClr val="FFFFFF"/>
                 </a:solidFill>
               </a:uFill>
               <a:latin typeface="Arial"/>
@@ -3362,15 +3618,16 @@
           </a:prstGeom>
         </p:spPr>
         <p:txBody>
-          <a:bodyPr lIns="0" rIns="0" tIns="0" bIns="0"/>
-          <a:p>
-            <a:endParaRPr b="0" lang="en-US" sz="2800" spc="-1" strike="noStrike">
-              <a:solidFill>
-                <a:srgbClr val="000000"/>
-              </a:solidFill>
-              <a:uFill>
-                <a:solidFill>
-                  <a:srgbClr val="ffffff"/>
+          <a:bodyPr lIns="0" tIns="0" rIns="0" bIns="0"/>
+          <a:lstStyle/>
+          <a:p>
+            <a:endParaRPr lang="en-US" sz="2800" b="0" strike="noStrike" spc="-1">
+              <a:solidFill>
+                <a:srgbClr val="000000"/>
+              </a:solidFill>
+              <a:uFill>
+                <a:solidFill>
+                  <a:srgbClr val="FFFFFF"/>
                 </a:solidFill>
               </a:uFill>
               <a:latin typeface="Arial"/>
@@ -3398,15 +3655,16 @@
           </a:prstGeom>
         </p:spPr>
         <p:txBody>
-          <a:bodyPr lIns="0" rIns="0" tIns="0" bIns="0"/>
-          <a:p>
-            <a:endParaRPr b="0" lang="en-US" sz="2800" spc="-1" strike="noStrike">
-              <a:solidFill>
-                <a:srgbClr val="000000"/>
-              </a:solidFill>
-              <a:uFill>
-                <a:solidFill>
-                  <a:srgbClr val="ffffff"/>
+          <a:bodyPr lIns="0" tIns="0" rIns="0" bIns="0"/>
+          <a:lstStyle/>
+          <a:p>
+            <a:endParaRPr lang="en-US" sz="2800" b="0" strike="noStrike" spc="-1">
+              <a:solidFill>
+                <a:srgbClr val="000000"/>
+              </a:solidFill>
+              <a:uFill>
+                <a:solidFill>
+                  <a:srgbClr val="FFFFFF"/>
                 </a:solidFill>
               </a:uFill>
               <a:latin typeface="Arial"/>
@@ -3434,15 +3692,16 @@
           </a:prstGeom>
         </p:spPr>
         <p:txBody>
-          <a:bodyPr lIns="0" rIns="0" tIns="0" bIns="0"/>
-          <a:p>
-            <a:endParaRPr b="0" lang="en-US" sz="2800" spc="-1" strike="noStrike">
-              <a:solidFill>
-                <a:srgbClr val="000000"/>
-              </a:solidFill>
-              <a:uFill>
-                <a:solidFill>
-                  <a:srgbClr val="ffffff"/>
+          <a:bodyPr lIns="0" tIns="0" rIns="0" bIns="0"/>
+          <a:lstStyle/>
+          <a:p>
+            <a:endParaRPr lang="en-US" sz="2800" b="0" strike="noStrike" spc="-1">
+              <a:solidFill>
+                <a:srgbClr val="000000"/>
+              </a:solidFill>
+              <a:uFill>
+                <a:solidFill>
+                  <a:srgbClr val="FFFFFF"/>
                 </a:solidFill>
               </a:uFill>
               <a:latin typeface="Arial"/>
@@ -3470,15 +3729,16 @@
           </a:prstGeom>
         </p:spPr>
         <p:txBody>
-          <a:bodyPr lIns="0" rIns="0" tIns="0" bIns="0"/>
-          <a:p>
-            <a:endParaRPr b="0" lang="en-US" sz="2800" spc="-1" strike="noStrike">
-              <a:solidFill>
-                <a:srgbClr val="000000"/>
-              </a:solidFill>
-              <a:uFill>
-                <a:solidFill>
-                  <a:srgbClr val="ffffff"/>
+          <a:bodyPr lIns="0" tIns="0" rIns="0" bIns="0"/>
+          <a:lstStyle/>
+          <a:p>
+            <a:endParaRPr lang="en-US" sz="2800" b="0" strike="noStrike" spc="-1">
+              <a:solidFill>
+                <a:srgbClr val="000000"/>
+              </a:solidFill>
+              <a:uFill>
+                <a:solidFill>
+                  <a:srgbClr val="FFFFFF"/>
                 </a:solidFill>
               </a:uFill>
               <a:latin typeface="Arial"/>
@@ -3488,11 +3748,14 @@
       </p:sp>
     </p:spTree>
   </p:cSld>
+  <p:clrMapOvr>
+    <a:masterClrMapping/>
+  </p:clrMapOvr>
 </p:sldLayout>
 </file>
 
 <file path=ppt/slideLayouts/slideLayout36.xml><?xml version="1.0" encoding="utf-8"?>
-<p:sldLayout xmlns:a="http://schemas.openxmlformats.org/drawingml/2006/main" xmlns:p="http://schemas.openxmlformats.org/presentationml/2006/main" xmlns:r="http://schemas.openxmlformats.org/officeDocument/2006/relationships" xmlns:p14="http://schemas.microsoft.com/office/powerpoint/2010/main" xmlns:p15="http://schemas.microsoft.com/office/powerpoint/2012/main" xmlns:mc="http://schemas.openxmlformats.org/markup-compatibility/2006" type="blank" preserve="1">
+<p:sldLayout xmlns:a="http://schemas.openxmlformats.org/drawingml/2006/main" xmlns:r="http://schemas.openxmlformats.org/officeDocument/2006/relationships" xmlns:p="http://schemas.openxmlformats.org/presentationml/2006/main" type="blank" preserve="1">
   <p:cSld name="Title, 6 Content">
     <p:spTree>
       <p:nvGrpSpPr>
@@ -3528,15 +3791,16 @@
           </a:prstGeom>
         </p:spPr>
         <p:txBody>
-          <a:bodyPr lIns="0" rIns="0" tIns="0" bIns="0" anchor="ctr"/>
-          <a:p>
-            <a:endParaRPr b="0" lang="en-US" sz="1800" spc="-1" strike="noStrike">
-              <a:solidFill>
-                <a:srgbClr val="000000"/>
-              </a:solidFill>
-              <a:uFill>
-                <a:solidFill>
-                  <a:srgbClr val="ffffff"/>
+          <a:bodyPr lIns="0" tIns="0" rIns="0" bIns="0" anchor="ctr"/>
+          <a:lstStyle/>
+          <a:p>
+            <a:endParaRPr lang="en-US" sz="1800" b="0" strike="noStrike" spc="-1">
+              <a:solidFill>
+                <a:srgbClr val="000000"/>
+              </a:solidFill>
+              <a:uFill>
+                <a:solidFill>
+                  <a:srgbClr val="FFFFFF"/>
                 </a:solidFill>
               </a:uFill>
               <a:latin typeface="Arial"/>
@@ -3564,15 +3828,16 @@
           </a:prstGeom>
         </p:spPr>
         <p:txBody>
-          <a:bodyPr lIns="0" rIns="0" tIns="0" bIns="0"/>
-          <a:p>
-            <a:endParaRPr b="0" lang="en-US" sz="2800" spc="-1" strike="noStrike">
-              <a:solidFill>
-                <a:srgbClr val="000000"/>
-              </a:solidFill>
-              <a:uFill>
-                <a:solidFill>
-                  <a:srgbClr val="ffffff"/>
+          <a:bodyPr lIns="0" tIns="0" rIns="0" bIns="0"/>
+          <a:lstStyle/>
+          <a:p>
+            <a:endParaRPr lang="en-US" sz="2800" b="0" strike="noStrike" spc="-1">
+              <a:solidFill>
+                <a:srgbClr val="000000"/>
+              </a:solidFill>
+              <a:uFill>
+                <a:solidFill>
+                  <a:srgbClr val="FFFFFF"/>
                 </a:solidFill>
               </a:uFill>
               <a:latin typeface="Arial"/>
@@ -3600,15 +3865,16 @@
           </a:prstGeom>
         </p:spPr>
         <p:txBody>
-          <a:bodyPr lIns="0" rIns="0" tIns="0" bIns="0"/>
-          <a:p>
-            <a:endParaRPr b="0" lang="en-US" sz="2800" spc="-1" strike="noStrike">
-              <a:solidFill>
-                <a:srgbClr val="000000"/>
-              </a:solidFill>
-              <a:uFill>
-                <a:solidFill>
-                  <a:srgbClr val="ffffff"/>
+          <a:bodyPr lIns="0" tIns="0" rIns="0" bIns="0"/>
+          <a:lstStyle/>
+          <a:p>
+            <a:endParaRPr lang="en-US" sz="2800" b="0" strike="noStrike" spc="-1">
+              <a:solidFill>
+                <a:srgbClr val="000000"/>
+              </a:solidFill>
+              <a:uFill>
+                <a:solidFill>
+                  <a:srgbClr val="FFFFFF"/>
                 </a:solidFill>
               </a:uFill>
               <a:latin typeface="Arial"/>
@@ -3618,7 +3884,7 @@
       </p:sp>
       <p:pic>
         <p:nvPicPr>
-          <p:cNvPr id="106" name="" descr=""/>
+          <p:cNvPr id="106" name="Picture 105"/>
           <p:cNvPicPr/>
           <p:nvPr/>
         </p:nvPicPr>
@@ -3641,12 +3907,12 @@
       </p:pic>
       <p:pic>
         <p:nvPicPr>
-          <p:cNvPr id="107" name="" descr=""/>
+          <p:cNvPr id="107" name="Picture 106"/>
           <p:cNvPicPr/>
           <p:nvPr/>
         </p:nvPicPr>
         <p:blipFill>
-          <a:blip r:embed="rId3"/>
+          <a:blip r:embed="rId2"/>
           <a:stretch/>
         </p:blipFill>
         <p:spPr>
@@ -3664,11 +3930,14 @@
       </p:pic>
     </p:spTree>
   </p:cSld>
+  <p:clrMapOvr>
+    <a:masterClrMapping/>
+  </p:clrMapOvr>
 </p:sldLayout>
 </file>
 
 <file path=ppt/slideLayouts/slideLayout4.xml><?xml version="1.0" encoding="utf-8"?>
-<p:sldLayout xmlns:a="http://schemas.openxmlformats.org/drawingml/2006/main" xmlns:p="http://schemas.openxmlformats.org/presentationml/2006/main" xmlns:r="http://schemas.openxmlformats.org/officeDocument/2006/relationships" xmlns:p14="http://schemas.microsoft.com/office/powerpoint/2010/main" xmlns:p15="http://schemas.microsoft.com/office/powerpoint/2012/main" xmlns:mc="http://schemas.openxmlformats.org/markup-compatibility/2006" type="twoObj" preserve="1">
+<p:sldLayout xmlns:a="http://schemas.openxmlformats.org/drawingml/2006/main" xmlns:r="http://schemas.openxmlformats.org/officeDocument/2006/relationships" xmlns:p="http://schemas.openxmlformats.org/presentationml/2006/main" type="twoObj" preserve="1">
   <p:cSld name="Title, 2 Content">
     <p:spTree>
       <p:nvGrpSpPr>
@@ -3704,15 +3973,16 @@
           </a:prstGeom>
         </p:spPr>
         <p:txBody>
-          <a:bodyPr lIns="0" rIns="0" tIns="0" bIns="0" anchor="ctr"/>
-          <a:p>
-            <a:endParaRPr b="0" lang="en-US" sz="1800" spc="-1" strike="noStrike">
-              <a:solidFill>
-                <a:srgbClr val="000000"/>
-              </a:solidFill>
-              <a:uFill>
-                <a:solidFill>
-                  <a:srgbClr val="ffffff"/>
+          <a:bodyPr lIns="0" tIns="0" rIns="0" bIns="0" anchor="ctr"/>
+          <a:lstStyle/>
+          <a:p>
+            <a:endParaRPr lang="en-US" sz="1800" b="0" strike="noStrike" spc="-1">
+              <a:solidFill>
+                <a:srgbClr val="000000"/>
+              </a:solidFill>
+              <a:uFill>
+                <a:solidFill>
+                  <a:srgbClr val="FFFFFF"/>
                 </a:solidFill>
               </a:uFill>
               <a:latin typeface="Arial"/>
@@ -3740,15 +4010,16 @@
           </a:prstGeom>
         </p:spPr>
         <p:txBody>
-          <a:bodyPr lIns="0" rIns="0" tIns="0" bIns="0"/>
-          <a:p>
-            <a:endParaRPr b="0" lang="en-US" sz="2800" spc="-1" strike="noStrike">
-              <a:solidFill>
-                <a:srgbClr val="000000"/>
-              </a:solidFill>
-              <a:uFill>
-                <a:solidFill>
-                  <a:srgbClr val="ffffff"/>
+          <a:bodyPr lIns="0" tIns="0" rIns="0" bIns="0"/>
+          <a:lstStyle/>
+          <a:p>
+            <a:endParaRPr lang="en-US" sz="2800" b="0" strike="noStrike" spc="-1">
+              <a:solidFill>
+                <a:srgbClr val="000000"/>
+              </a:solidFill>
+              <a:uFill>
+                <a:solidFill>
+                  <a:srgbClr val="FFFFFF"/>
                 </a:solidFill>
               </a:uFill>
               <a:latin typeface="Arial"/>
@@ -3776,15 +4047,16 @@
           </a:prstGeom>
         </p:spPr>
         <p:txBody>
-          <a:bodyPr lIns="0" rIns="0" tIns="0" bIns="0"/>
-          <a:p>
-            <a:endParaRPr b="0" lang="en-US" sz="2800" spc="-1" strike="noStrike">
-              <a:solidFill>
-                <a:srgbClr val="000000"/>
-              </a:solidFill>
-              <a:uFill>
-                <a:solidFill>
-                  <a:srgbClr val="ffffff"/>
+          <a:bodyPr lIns="0" tIns="0" rIns="0" bIns="0"/>
+          <a:lstStyle/>
+          <a:p>
+            <a:endParaRPr lang="en-US" sz="2800" b="0" strike="noStrike" spc="-1">
+              <a:solidFill>
+                <a:srgbClr val="000000"/>
+              </a:solidFill>
+              <a:uFill>
+                <a:solidFill>
+                  <a:srgbClr val="FFFFFF"/>
                 </a:solidFill>
               </a:uFill>
               <a:latin typeface="Arial"/>
@@ -3794,11 +4066,14 @@
       </p:sp>
     </p:spTree>
   </p:cSld>
+  <p:clrMapOvr>
+    <a:masterClrMapping/>
+  </p:clrMapOvr>
 </p:sldLayout>
 </file>
 
 <file path=ppt/slideLayouts/slideLayout5.xml><?xml version="1.0" encoding="utf-8"?>
-<p:sldLayout xmlns:a="http://schemas.openxmlformats.org/drawingml/2006/main" xmlns:p="http://schemas.openxmlformats.org/presentationml/2006/main" xmlns:r="http://schemas.openxmlformats.org/officeDocument/2006/relationships" xmlns:p14="http://schemas.microsoft.com/office/powerpoint/2010/main" xmlns:p15="http://schemas.microsoft.com/office/powerpoint/2012/main" xmlns:mc="http://schemas.openxmlformats.org/markup-compatibility/2006" type="titleOnly" preserve="1">
+<p:sldLayout xmlns:a="http://schemas.openxmlformats.org/drawingml/2006/main" xmlns:r="http://schemas.openxmlformats.org/officeDocument/2006/relationships" xmlns:p="http://schemas.openxmlformats.org/presentationml/2006/main" type="titleOnly" preserve="1">
   <p:cSld name="Title Only">
     <p:spTree>
       <p:nvGrpSpPr>
@@ -3834,15 +4109,16 @@
           </a:prstGeom>
         </p:spPr>
         <p:txBody>
-          <a:bodyPr lIns="0" rIns="0" tIns="0" bIns="0" anchor="ctr"/>
-          <a:p>
-            <a:endParaRPr b="0" lang="en-US" sz="1800" spc="-1" strike="noStrike">
-              <a:solidFill>
-                <a:srgbClr val="000000"/>
-              </a:solidFill>
-              <a:uFill>
-                <a:solidFill>
-                  <a:srgbClr val="ffffff"/>
+          <a:bodyPr lIns="0" tIns="0" rIns="0" bIns="0" anchor="ctr"/>
+          <a:lstStyle/>
+          <a:p>
+            <a:endParaRPr lang="en-US" sz="1800" b="0" strike="noStrike" spc="-1">
+              <a:solidFill>
+                <a:srgbClr val="000000"/>
+              </a:solidFill>
+              <a:uFill>
+                <a:solidFill>
+                  <a:srgbClr val="FFFFFF"/>
                 </a:solidFill>
               </a:uFill>
               <a:latin typeface="Arial"/>
@@ -3852,11 +4128,14 @@
       </p:sp>
     </p:spTree>
   </p:cSld>
+  <p:clrMapOvr>
+    <a:masterClrMapping/>
+  </p:clrMapOvr>
 </p:sldLayout>
 </file>
 
 <file path=ppt/slideLayouts/slideLayout6.xml><?xml version="1.0" encoding="utf-8"?>
-<p:sldLayout xmlns:a="http://schemas.openxmlformats.org/drawingml/2006/main" xmlns:p="http://schemas.openxmlformats.org/presentationml/2006/main" xmlns:r="http://schemas.openxmlformats.org/officeDocument/2006/relationships" xmlns:p14="http://schemas.microsoft.com/office/powerpoint/2010/main" xmlns:p15="http://schemas.microsoft.com/office/powerpoint/2012/main" xmlns:mc="http://schemas.openxmlformats.org/markup-compatibility/2006" type="objOnly" preserve="1">
+<p:sldLayout xmlns:a="http://schemas.openxmlformats.org/drawingml/2006/main" xmlns:r="http://schemas.openxmlformats.org/officeDocument/2006/relationships" xmlns:p="http://schemas.openxmlformats.org/presentationml/2006/main" type="objOnly" preserve="1">
   <p:cSld name="Centered Text">
     <p:spTree>
       <p:nvGrpSpPr>
@@ -3892,16 +4171,17 @@
           </a:prstGeom>
         </p:spPr>
         <p:txBody>
-          <a:bodyPr lIns="0" rIns="0" tIns="0" bIns="0" anchor="ctr"/>
+          <a:bodyPr lIns="0" tIns="0" rIns="0" bIns="0" anchor="ctr"/>
+          <a:lstStyle/>
           <a:p>
             <a:pPr algn="ctr"/>
-            <a:endParaRPr b="0" lang="en-GB" sz="3200" spc="-1" strike="noStrike">
-              <a:solidFill>
-                <a:srgbClr val="000000"/>
-              </a:solidFill>
-              <a:uFill>
-                <a:solidFill>
-                  <a:srgbClr val="ffffff"/>
+            <a:endParaRPr lang="en-GB" sz="3200" b="0" strike="noStrike" spc="-1">
+              <a:solidFill>
+                <a:srgbClr val="000000"/>
+              </a:solidFill>
+              <a:uFill>
+                <a:solidFill>
+                  <a:srgbClr val="FFFFFF"/>
                 </a:solidFill>
               </a:uFill>
               <a:latin typeface="Arial"/>
@@ -3911,11 +4191,14 @@
       </p:sp>
     </p:spTree>
   </p:cSld>
+  <p:clrMapOvr>
+    <a:masterClrMapping/>
+  </p:clrMapOvr>
 </p:sldLayout>
 </file>
 
 <file path=ppt/slideLayouts/slideLayout7.xml><?xml version="1.0" encoding="utf-8"?>
-<p:sldLayout xmlns:a="http://schemas.openxmlformats.org/drawingml/2006/main" xmlns:p="http://schemas.openxmlformats.org/presentationml/2006/main" xmlns:r="http://schemas.openxmlformats.org/officeDocument/2006/relationships" xmlns:p14="http://schemas.microsoft.com/office/powerpoint/2010/main" xmlns:p15="http://schemas.microsoft.com/office/powerpoint/2012/main" xmlns:mc="http://schemas.openxmlformats.org/markup-compatibility/2006" type="twoObjAndObj" preserve="1">
+<p:sldLayout xmlns:a="http://schemas.openxmlformats.org/drawingml/2006/main" xmlns:r="http://schemas.openxmlformats.org/officeDocument/2006/relationships" xmlns:p="http://schemas.openxmlformats.org/presentationml/2006/main" type="twoObjAndObj" preserve="1">
   <p:cSld name="Title, 2 Content and Content">
     <p:spTree>
       <p:nvGrpSpPr>
@@ -3951,15 +4234,16 @@
           </a:prstGeom>
         </p:spPr>
         <p:txBody>
-          <a:bodyPr lIns="0" rIns="0" tIns="0" bIns="0" anchor="ctr"/>
-          <a:p>
-            <a:endParaRPr b="0" lang="en-US" sz="1800" spc="-1" strike="noStrike">
-              <a:solidFill>
-                <a:srgbClr val="000000"/>
-              </a:solidFill>
-              <a:uFill>
-                <a:solidFill>
-                  <a:srgbClr val="ffffff"/>
+          <a:bodyPr lIns="0" tIns="0" rIns="0" bIns="0" anchor="ctr"/>
+          <a:lstStyle/>
+          <a:p>
+            <a:endParaRPr lang="en-US" sz="1800" b="0" strike="noStrike" spc="-1">
+              <a:solidFill>
+                <a:srgbClr val="000000"/>
+              </a:solidFill>
+              <a:uFill>
+                <a:solidFill>
+                  <a:srgbClr val="FFFFFF"/>
                 </a:solidFill>
               </a:uFill>
               <a:latin typeface="Arial"/>
@@ -3987,15 +4271,16 @@
           </a:prstGeom>
         </p:spPr>
         <p:txBody>
-          <a:bodyPr lIns="0" rIns="0" tIns="0" bIns="0"/>
-          <a:p>
-            <a:endParaRPr b="0" lang="en-US" sz="2800" spc="-1" strike="noStrike">
-              <a:solidFill>
-                <a:srgbClr val="000000"/>
-              </a:solidFill>
-              <a:uFill>
-                <a:solidFill>
-                  <a:srgbClr val="ffffff"/>
+          <a:bodyPr lIns="0" tIns="0" rIns="0" bIns="0"/>
+          <a:lstStyle/>
+          <a:p>
+            <a:endParaRPr lang="en-US" sz="2800" b="0" strike="noStrike" spc="-1">
+              <a:solidFill>
+                <a:srgbClr val="000000"/>
+              </a:solidFill>
+              <a:uFill>
+                <a:solidFill>
+                  <a:srgbClr val="FFFFFF"/>
                 </a:solidFill>
               </a:uFill>
               <a:latin typeface="Arial"/>
@@ -4023,15 +4308,16 @@
           </a:prstGeom>
         </p:spPr>
         <p:txBody>
-          <a:bodyPr lIns="0" rIns="0" tIns="0" bIns="0"/>
-          <a:p>
-            <a:endParaRPr b="0" lang="en-US" sz="2800" spc="-1" strike="noStrike">
-              <a:solidFill>
-                <a:srgbClr val="000000"/>
-              </a:solidFill>
-              <a:uFill>
-                <a:solidFill>
-                  <a:srgbClr val="ffffff"/>
+          <a:bodyPr lIns="0" tIns="0" rIns="0" bIns="0"/>
+          <a:lstStyle/>
+          <a:p>
+            <a:endParaRPr lang="en-US" sz="2800" b="0" strike="noStrike" spc="-1">
+              <a:solidFill>
+                <a:srgbClr val="000000"/>
+              </a:solidFill>
+              <a:uFill>
+                <a:solidFill>
+                  <a:srgbClr val="FFFFFF"/>
                 </a:solidFill>
               </a:uFill>
               <a:latin typeface="Arial"/>
@@ -4059,15 +4345,16 @@
           </a:prstGeom>
         </p:spPr>
         <p:txBody>
-          <a:bodyPr lIns="0" rIns="0" tIns="0" bIns="0"/>
-          <a:p>
-            <a:endParaRPr b="0" lang="en-US" sz="2800" spc="-1" strike="noStrike">
-              <a:solidFill>
-                <a:srgbClr val="000000"/>
-              </a:solidFill>
-              <a:uFill>
-                <a:solidFill>
-                  <a:srgbClr val="ffffff"/>
+          <a:bodyPr lIns="0" tIns="0" rIns="0" bIns="0"/>
+          <a:lstStyle/>
+          <a:p>
+            <a:endParaRPr lang="en-US" sz="2800" b="0" strike="noStrike" spc="-1">
+              <a:solidFill>
+                <a:srgbClr val="000000"/>
+              </a:solidFill>
+              <a:uFill>
+                <a:solidFill>
+                  <a:srgbClr val="FFFFFF"/>
                 </a:solidFill>
               </a:uFill>
               <a:latin typeface="Arial"/>
@@ -4077,11 +4364,14 @@
       </p:sp>
     </p:spTree>
   </p:cSld>
+  <p:clrMapOvr>
+    <a:masterClrMapping/>
+  </p:clrMapOvr>
 </p:sldLayout>
 </file>
 
 <file path=ppt/slideLayouts/slideLayout8.xml><?xml version="1.0" encoding="utf-8"?>
-<p:sldLayout xmlns:a="http://schemas.openxmlformats.org/drawingml/2006/main" xmlns:p="http://schemas.openxmlformats.org/presentationml/2006/main" xmlns:r="http://schemas.openxmlformats.org/officeDocument/2006/relationships" xmlns:p14="http://schemas.microsoft.com/office/powerpoint/2010/main" xmlns:p15="http://schemas.microsoft.com/office/powerpoint/2012/main" xmlns:mc="http://schemas.openxmlformats.org/markup-compatibility/2006" type="objAndTwoObj" preserve="1">
+<p:sldLayout xmlns:a="http://schemas.openxmlformats.org/drawingml/2006/main" xmlns:r="http://schemas.openxmlformats.org/officeDocument/2006/relationships" xmlns:p="http://schemas.openxmlformats.org/presentationml/2006/main" type="objAndTwoObj" preserve="1">
   <p:cSld name="Title Content and 2 Content">
     <p:spTree>
       <p:nvGrpSpPr>
@@ -4117,15 +4407,16 @@
           </a:prstGeom>
         </p:spPr>
         <p:txBody>
-          <a:bodyPr lIns="0" rIns="0" tIns="0" bIns="0" anchor="ctr"/>
-          <a:p>
-            <a:endParaRPr b="0" lang="en-US" sz="1800" spc="-1" strike="noStrike">
-              <a:solidFill>
-                <a:srgbClr val="000000"/>
-              </a:solidFill>
-              <a:uFill>
-                <a:solidFill>
-                  <a:srgbClr val="ffffff"/>
+          <a:bodyPr lIns="0" tIns="0" rIns="0" bIns="0" anchor="ctr"/>
+          <a:lstStyle/>
+          <a:p>
+            <a:endParaRPr lang="en-US" sz="1800" b="0" strike="noStrike" spc="-1">
+              <a:solidFill>
+                <a:srgbClr val="000000"/>
+              </a:solidFill>
+              <a:uFill>
+                <a:solidFill>
+                  <a:srgbClr val="FFFFFF"/>
                 </a:solidFill>
               </a:uFill>
               <a:latin typeface="Arial"/>
@@ -4153,15 +4444,16 @@
           </a:prstGeom>
         </p:spPr>
         <p:txBody>
-          <a:bodyPr lIns="0" rIns="0" tIns="0" bIns="0"/>
-          <a:p>
-            <a:endParaRPr b="0" lang="en-US" sz="2800" spc="-1" strike="noStrike">
-              <a:solidFill>
-                <a:srgbClr val="000000"/>
-              </a:solidFill>
-              <a:uFill>
-                <a:solidFill>
-                  <a:srgbClr val="ffffff"/>
+          <a:bodyPr lIns="0" tIns="0" rIns="0" bIns="0"/>
+          <a:lstStyle/>
+          <a:p>
+            <a:endParaRPr lang="en-US" sz="2800" b="0" strike="noStrike" spc="-1">
+              <a:solidFill>
+                <a:srgbClr val="000000"/>
+              </a:solidFill>
+              <a:uFill>
+                <a:solidFill>
+                  <a:srgbClr val="FFFFFF"/>
                 </a:solidFill>
               </a:uFill>
               <a:latin typeface="Arial"/>
@@ -4189,15 +4481,16 @@
           </a:prstGeom>
         </p:spPr>
         <p:txBody>
-          <a:bodyPr lIns="0" rIns="0" tIns="0" bIns="0"/>
-          <a:p>
-            <a:endParaRPr b="0" lang="en-US" sz="2800" spc="-1" strike="noStrike">
-              <a:solidFill>
-                <a:srgbClr val="000000"/>
-              </a:solidFill>
-              <a:uFill>
-                <a:solidFill>
-                  <a:srgbClr val="ffffff"/>
+          <a:bodyPr lIns="0" tIns="0" rIns="0" bIns="0"/>
+          <a:lstStyle/>
+          <a:p>
+            <a:endParaRPr lang="en-US" sz="2800" b="0" strike="noStrike" spc="-1">
+              <a:solidFill>
+                <a:srgbClr val="000000"/>
+              </a:solidFill>
+              <a:uFill>
+                <a:solidFill>
+                  <a:srgbClr val="FFFFFF"/>
                 </a:solidFill>
               </a:uFill>
               <a:latin typeface="Arial"/>
@@ -4225,15 +4518,16 @@
           </a:prstGeom>
         </p:spPr>
         <p:txBody>
-          <a:bodyPr lIns="0" rIns="0" tIns="0" bIns="0"/>
-          <a:p>
-            <a:endParaRPr b="0" lang="en-US" sz="2800" spc="-1" strike="noStrike">
-              <a:solidFill>
-                <a:srgbClr val="000000"/>
-              </a:solidFill>
-              <a:uFill>
-                <a:solidFill>
-                  <a:srgbClr val="ffffff"/>
+          <a:bodyPr lIns="0" tIns="0" rIns="0" bIns="0"/>
+          <a:lstStyle/>
+          <a:p>
+            <a:endParaRPr lang="en-US" sz="2800" b="0" strike="noStrike" spc="-1">
+              <a:solidFill>
+                <a:srgbClr val="000000"/>
+              </a:solidFill>
+              <a:uFill>
+                <a:solidFill>
+                  <a:srgbClr val="FFFFFF"/>
                 </a:solidFill>
               </a:uFill>
               <a:latin typeface="Arial"/>
@@ -4243,11 +4537,14 @@
       </p:sp>
     </p:spTree>
   </p:cSld>
+  <p:clrMapOvr>
+    <a:masterClrMapping/>
+  </p:clrMapOvr>
 </p:sldLayout>
 </file>
 
 <file path=ppt/slideLayouts/slideLayout9.xml><?xml version="1.0" encoding="utf-8"?>
-<p:sldLayout xmlns:a="http://schemas.openxmlformats.org/drawingml/2006/main" xmlns:p="http://schemas.openxmlformats.org/presentationml/2006/main" xmlns:r="http://schemas.openxmlformats.org/officeDocument/2006/relationships" xmlns:p14="http://schemas.microsoft.com/office/powerpoint/2010/main" xmlns:p15="http://schemas.microsoft.com/office/powerpoint/2012/main" xmlns:mc="http://schemas.openxmlformats.org/markup-compatibility/2006" type="twoObjOverTx" preserve="1">
+<p:sldLayout xmlns:a="http://schemas.openxmlformats.org/drawingml/2006/main" xmlns:r="http://schemas.openxmlformats.org/officeDocument/2006/relationships" xmlns:p="http://schemas.openxmlformats.org/presentationml/2006/main" type="twoObjOverTx" preserve="1">
   <p:cSld name="Title, 2 Content over Content">
     <p:spTree>
       <p:nvGrpSpPr>
@@ -4283,15 +4580,16 @@
           </a:prstGeom>
         </p:spPr>
         <p:txBody>
-          <a:bodyPr lIns="0" rIns="0" tIns="0" bIns="0" anchor="ctr"/>
-          <a:p>
-            <a:endParaRPr b="0" lang="en-US" sz="1800" spc="-1" strike="noStrike">
-              <a:solidFill>
-                <a:srgbClr val="000000"/>
-              </a:solidFill>
-              <a:uFill>
-                <a:solidFill>
-                  <a:srgbClr val="ffffff"/>
+          <a:bodyPr lIns="0" tIns="0" rIns="0" bIns="0" anchor="ctr"/>
+          <a:lstStyle/>
+          <a:p>
+            <a:endParaRPr lang="en-US" sz="1800" b="0" strike="noStrike" spc="-1">
+              <a:solidFill>
+                <a:srgbClr val="000000"/>
+              </a:solidFill>
+              <a:uFill>
+                <a:solidFill>
+                  <a:srgbClr val="FFFFFF"/>
                 </a:solidFill>
               </a:uFill>
               <a:latin typeface="Arial"/>
@@ -4319,15 +4617,16 @@
           </a:prstGeom>
         </p:spPr>
         <p:txBody>
-          <a:bodyPr lIns="0" rIns="0" tIns="0" bIns="0"/>
-          <a:p>
-            <a:endParaRPr b="0" lang="en-US" sz="2800" spc="-1" strike="noStrike">
-              <a:solidFill>
-                <a:srgbClr val="000000"/>
-              </a:solidFill>
-              <a:uFill>
-                <a:solidFill>
-                  <a:srgbClr val="ffffff"/>
+          <a:bodyPr lIns="0" tIns="0" rIns="0" bIns="0"/>
+          <a:lstStyle/>
+          <a:p>
+            <a:endParaRPr lang="en-US" sz="2800" b="0" strike="noStrike" spc="-1">
+              <a:solidFill>
+                <a:srgbClr val="000000"/>
+              </a:solidFill>
+              <a:uFill>
+                <a:solidFill>
+                  <a:srgbClr val="FFFFFF"/>
                 </a:solidFill>
               </a:uFill>
               <a:latin typeface="Arial"/>
@@ -4355,15 +4654,16 @@
           </a:prstGeom>
         </p:spPr>
         <p:txBody>
-          <a:bodyPr lIns="0" rIns="0" tIns="0" bIns="0"/>
-          <a:p>
-            <a:endParaRPr b="0" lang="en-US" sz="2800" spc="-1" strike="noStrike">
-              <a:solidFill>
-                <a:srgbClr val="000000"/>
-              </a:solidFill>
-              <a:uFill>
-                <a:solidFill>
-                  <a:srgbClr val="ffffff"/>
+          <a:bodyPr lIns="0" tIns="0" rIns="0" bIns="0"/>
+          <a:lstStyle/>
+          <a:p>
+            <a:endParaRPr lang="en-US" sz="2800" b="0" strike="noStrike" spc="-1">
+              <a:solidFill>
+                <a:srgbClr val="000000"/>
+              </a:solidFill>
+              <a:uFill>
+                <a:solidFill>
+                  <a:srgbClr val="FFFFFF"/>
                 </a:solidFill>
               </a:uFill>
               <a:latin typeface="Arial"/>
@@ -4391,15 +4691,16 @@
           </a:prstGeom>
         </p:spPr>
         <p:txBody>
-          <a:bodyPr lIns="0" rIns="0" tIns="0" bIns="0"/>
-          <a:p>
-            <a:endParaRPr b="0" lang="en-US" sz="2800" spc="-1" strike="noStrike">
-              <a:solidFill>
-                <a:srgbClr val="000000"/>
-              </a:solidFill>
-              <a:uFill>
-                <a:solidFill>
-                  <a:srgbClr val="ffffff"/>
+          <a:bodyPr lIns="0" tIns="0" rIns="0" bIns="0"/>
+          <a:lstStyle/>
+          <a:p>
+            <a:endParaRPr lang="en-US" sz="2800" b="0" strike="noStrike" spc="-1">
+              <a:solidFill>
+                <a:srgbClr val="000000"/>
+              </a:solidFill>
+              <a:uFill>
+                <a:solidFill>
+                  <a:srgbClr val="FFFFFF"/>
                 </a:solidFill>
               </a:uFill>
               <a:latin typeface="Arial"/>
@@ -4409,17 +4710,21 @@
       </p:sp>
     </p:spTree>
   </p:cSld>
+  <p:clrMapOvr>
+    <a:masterClrMapping/>
+  </p:clrMapOvr>
 </p:sldLayout>
 </file>
 
 <file path=ppt/slideMasters/slideMaster1.xml><?xml version="1.0" encoding="utf-8"?>
-<p:sldMaster xmlns:a="http://schemas.openxmlformats.org/drawingml/2006/main" xmlns:p="http://schemas.openxmlformats.org/presentationml/2006/main" xmlns:r="http://schemas.openxmlformats.org/officeDocument/2006/relationships" xmlns:p14="http://schemas.microsoft.com/office/powerpoint/2010/main" xmlns:p15="http://schemas.microsoft.com/office/powerpoint/2012/main" xmlns:mc="http://schemas.openxmlformats.org/markup-compatibility/2006">
+<p:sldMaster xmlns:a="http://schemas.openxmlformats.org/drawingml/2006/main" xmlns:r="http://schemas.openxmlformats.org/officeDocument/2006/relationships" xmlns:p="http://schemas.openxmlformats.org/presentationml/2006/main">
   <p:cSld>
     <p:bg>
       <p:bgPr>
         <a:solidFill>
-          <a:srgbClr val="ffffff"/>
+          <a:srgbClr val="FFFFFF"/>
         </a:solidFill>
+        <a:effectLst/>
       </p:bgPr>
     </p:bg>
     <p:spTree>
@@ -4438,7 +4743,7 @@
       </p:grpSpPr>
       <p:sp>
         <p:nvSpPr>
-          <p:cNvPr id="0" name="PlaceHolder 1"/>
+          <p:cNvPr id="2" name="PlaceHolder 1"/>
           <p:cNvSpPr>
             <a:spLocks noGrp="1"/>
           </p:cNvSpPr>
@@ -4456,39 +4761,29 @@
           </a:prstGeom>
         </p:spPr>
         <p:txBody>
-          <a:bodyPr lIns="0" rIns="0" tIns="0" bIns="0" anchor="ctr"/>
+          <a:bodyPr lIns="0" tIns="0" rIns="0" bIns="0" anchor="ctr"/>
+          <a:lstStyle/>
           <a:p>
             <a:r>
-              <a:rPr b="0" lang="en-US" sz="1800" spc="-1" strike="noStrike">
+              <a:rPr lang="en-US" sz="1800" b="0" strike="noStrike" spc="-1">
                 <a:solidFill>
                   <a:srgbClr val="000000"/>
                 </a:solidFill>
                 <a:uFill>
                   <a:solidFill>
-                    <a:srgbClr val="ffffff"/>
+                    <a:srgbClr val="FFFFFF"/>
                   </a:solidFill>
                 </a:uFill>
                 <a:latin typeface="Arial"/>
               </a:rPr>
               <a:t>Click to edit the title text format</a:t>
             </a:r>
-            <a:endParaRPr b="0" lang="en-US" sz="1800" spc="-1" strike="noStrike">
-              <a:solidFill>
-                <a:srgbClr val="000000"/>
-              </a:solidFill>
-              <a:uFill>
-                <a:solidFill>
-                  <a:srgbClr val="ffffff"/>
-                </a:solidFill>
-              </a:uFill>
-              <a:latin typeface="Arial"/>
-            </a:endParaRPr>
-          </a:p>
-        </p:txBody>
-      </p:sp>
-      <p:sp>
-        <p:nvSpPr>
-          <p:cNvPr id="1" name="PlaceHolder 2"/>
+          </a:p>
+        </p:txBody>
+      </p:sp>
+      <p:sp>
+        <p:nvSpPr>
+          <p:cNvPr id="3" name="PlaceHolder 2"/>
           <p:cNvSpPr>
             <a:spLocks noGrp="1"/>
           </p:cNvSpPr>
@@ -4506,7 +4801,8 @@
           </a:prstGeom>
         </p:spPr>
         <p:txBody>
-          <a:bodyPr lIns="0" rIns="0" tIns="0" bIns="0"/>
+          <a:bodyPr lIns="0" tIns="0" rIns="0" bIns="0"/>
+          <a:lstStyle/>
           <a:p>
             <a:pPr marL="432000" indent="-324000">
               <a:buClr>
@@ -4517,33 +4813,22 @@
               <a:buChar char=""/>
             </a:pPr>
             <a:r>
-              <a:rPr b="0" lang="en-US" sz="2800" spc="-1" strike="noStrike">
+              <a:rPr lang="en-US" sz="2800" b="0" strike="noStrike" spc="-1">
                 <a:solidFill>
                   <a:srgbClr val="000000"/>
                 </a:solidFill>
                 <a:uFill>
                   <a:solidFill>
-                    <a:srgbClr val="ffffff"/>
+                    <a:srgbClr val="FFFFFF"/>
                   </a:solidFill>
                 </a:uFill>
                 <a:latin typeface="Arial"/>
               </a:rPr>
               <a:t>Click to edit the outline text format</a:t>
             </a:r>
-            <a:endParaRPr b="0" lang="en-US" sz="2800" spc="-1" strike="noStrike">
-              <a:solidFill>
-                <a:srgbClr val="000000"/>
-              </a:solidFill>
-              <a:uFill>
-                <a:solidFill>
-                  <a:srgbClr val="ffffff"/>
-                </a:solidFill>
-              </a:uFill>
-              <a:latin typeface="Arial"/>
-            </a:endParaRPr>
-          </a:p>
-          <a:p>
-            <a:pPr lvl="1" marL="864000" indent="-324000">
+          </a:p>
+          <a:p>
+            <a:pPr marL="864000" lvl="1" indent="-324000">
               <a:buClr>
                 <a:srgbClr val="000000"/>
               </a:buClr>
@@ -4552,33 +4837,22 @@
               <a:buChar char=""/>
             </a:pPr>
             <a:r>
-              <a:rPr b="0" lang="en-US" sz="2000" spc="-1" strike="noStrike">
+              <a:rPr lang="en-US" sz="2000" b="0" strike="noStrike" spc="-1">
                 <a:solidFill>
                   <a:srgbClr val="000000"/>
                 </a:solidFill>
                 <a:uFill>
                   <a:solidFill>
-                    <a:srgbClr val="ffffff"/>
+                    <a:srgbClr val="FFFFFF"/>
                   </a:solidFill>
                 </a:uFill>
                 <a:latin typeface="Arial"/>
               </a:rPr>
               <a:t>Second Outline Level</a:t>
             </a:r>
-            <a:endParaRPr b="0" lang="en-US" sz="2000" spc="-1" strike="noStrike">
-              <a:solidFill>
-                <a:srgbClr val="000000"/>
-              </a:solidFill>
-              <a:uFill>
-                <a:solidFill>
-                  <a:srgbClr val="ffffff"/>
-                </a:solidFill>
-              </a:uFill>
-              <a:latin typeface="Arial"/>
-            </a:endParaRPr>
-          </a:p>
-          <a:p>
-            <a:pPr lvl="2" marL="1296000" indent="-288000">
+          </a:p>
+          <a:p>
+            <a:pPr marL="1296000" lvl="2" indent="-288000">
               <a:buClr>
                 <a:srgbClr val="000000"/>
               </a:buClr>
@@ -4587,33 +4861,22 @@
               <a:buChar char=""/>
             </a:pPr>
             <a:r>
-              <a:rPr b="0" lang="en-US" sz="1800" spc="-1" strike="noStrike">
+              <a:rPr lang="en-US" sz="1800" b="0" strike="noStrike" spc="-1">
                 <a:solidFill>
                   <a:srgbClr val="000000"/>
                 </a:solidFill>
                 <a:uFill>
                   <a:solidFill>
-                    <a:srgbClr val="ffffff"/>
+                    <a:srgbClr val="FFFFFF"/>
                   </a:solidFill>
                 </a:uFill>
                 <a:latin typeface="Arial"/>
               </a:rPr>
               <a:t>Third Outline Level</a:t>
             </a:r>
-            <a:endParaRPr b="0" lang="en-US" sz="1800" spc="-1" strike="noStrike">
-              <a:solidFill>
-                <a:srgbClr val="000000"/>
-              </a:solidFill>
-              <a:uFill>
-                <a:solidFill>
-                  <a:srgbClr val="ffffff"/>
-                </a:solidFill>
-              </a:uFill>
-              <a:latin typeface="Arial"/>
-            </a:endParaRPr>
-          </a:p>
-          <a:p>
-            <a:pPr lvl="3" marL="1728000" indent="-216000">
+          </a:p>
+          <a:p>
+            <a:pPr marL="1728000" lvl="3" indent="-216000">
               <a:buClr>
                 <a:srgbClr val="000000"/>
               </a:buClr>
@@ -4622,33 +4885,22 @@
               <a:buChar char=""/>
             </a:pPr>
             <a:r>
-              <a:rPr b="0" lang="en-US" sz="1800" spc="-1" strike="noStrike">
+              <a:rPr lang="en-US" sz="1800" b="0" strike="noStrike" spc="-1">
                 <a:solidFill>
                   <a:srgbClr val="000000"/>
                 </a:solidFill>
                 <a:uFill>
                   <a:solidFill>
-                    <a:srgbClr val="ffffff"/>
+                    <a:srgbClr val="FFFFFF"/>
                   </a:solidFill>
                 </a:uFill>
                 <a:latin typeface="Arial"/>
               </a:rPr>
               <a:t>Fourth Outline Level</a:t>
             </a:r>
-            <a:endParaRPr b="0" lang="en-US" sz="1800" spc="-1" strike="noStrike">
-              <a:solidFill>
-                <a:srgbClr val="000000"/>
-              </a:solidFill>
-              <a:uFill>
-                <a:solidFill>
-                  <a:srgbClr val="ffffff"/>
-                </a:solidFill>
-              </a:uFill>
-              <a:latin typeface="Arial"/>
-            </a:endParaRPr>
-          </a:p>
-          <a:p>
-            <a:pPr lvl="4" marL="2160000" indent="-216000">
+          </a:p>
+          <a:p>
+            <a:pPr marL="2160000" lvl="4" indent="-216000">
               <a:buClr>
                 <a:srgbClr val="000000"/>
               </a:buClr>
@@ -4657,33 +4909,22 @@
               <a:buChar char=""/>
             </a:pPr>
             <a:r>
-              <a:rPr b="0" lang="en-US" sz="2000" spc="-1" strike="noStrike">
+              <a:rPr lang="en-US" sz="2000" b="0" strike="noStrike" spc="-1">
                 <a:solidFill>
                   <a:srgbClr val="000000"/>
                 </a:solidFill>
                 <a:uFill>
                   <a:solidFill>
-                    <a:srgbClr val="ffffff"/>
+                    <a:srgbClr val="FFFFFF"/>
                   </a:solidFill>
                 </a:uFill>
                 <a:latin typeface="Arial"/>
               </a:rPr>
               <a:t>Fifth Outline Level</a:t>
             </a:r>
-            <a:endParaRPr b="0" lang="en-US" sz="2000" spc="-1" strike="noStrike">
-              <a:solidFill>
-                <a:srgbClr val="000000"/>
-              </a:solidFill>
-              <a:uFill>
-                <a:solidFill>
-                  <a:srgbClr val="ffffff"/>
-                </a:solidFill>
-              </a:uFill>
-              <a:latin typeface="Arial"/>
-            </a:endParaRPr>
-          </a:p>
-          <a:p>
-            <a:pPr lvl="5" marL="2592000" indent="-216000">
+          </a:p>
+          <a:p>
+            <a:pPr marL="2592000" lvl="5" indent="-216000">
               <a:buClr>
                 <a:srgbClr val="000000"/>
               </a:buClr>
@@ -4692,33 +4933,22 @@
               <a:buChar char=""/>
             </a:pPr>
             <a:r>
-              <a:rPr b="0" lang="en-US" sz="2000" spc="-1" strike="noStrike">
+              <a:rPr lang="en-US" sz="2000" b="0" strike="noStrike" spc="-1">
                 <a:solidFill>
                   <a:srgbClr val="000000"/>
                 </a:solidFill>
                 <a:uFill>
                   <a:solidFill>
-                    <a:srgbClr val="ffffff"/>
+                    <a:srgbClr val="FFFFFF"/>
                   </a:solidFill>
                 </a:uFill>
                 <a:latin typeface="Arial"/>
               </a:rPr>
               <a:t>Sixth Outline Level</a:t>
             </a:r>
-            <a:endParaRPr b="0" lang="en-US" sz="2000" spc="-1" strike="noStrike">
-              <a:solidFill>
-                <a:srgbClr val="000000"/>
-              </a:solidFill>
-              <a:uFill>
-                <a:solidFill>
-                  <a:srgbClr val="ffffff"/>
-                </a:solidFill>
-              </a:uFill>
-              <a:latin typeface="Arial"/>
-            </a:endParaRPr>
-          </a:p>
-          <a:p>
-            <a:pPr lvl="6" marL="3024000" indent="-216000">
+          </a:p>
+          <a:p>
+            <a:pPr marL="3024000" lvl="6" indent="-216000">
               <a:buClr>
                 <a:srgbClr val="000000"/>
               </a:buClr>
@@ -4727,61 +4957,331 @@
               <a:buChar char=""/>
             </a:pPr>
             <a:r>
-              <a:rPr b="0" lang="en-US" sz="2000" spc="-1" strike="noStrike">
+              <a:rPr lang="en-US" sz="2000" b="0" strike="noStrike" spc="-1">
                 <a:solidFill>
                   <a:srgbClr val="000000"/>
                 </a:solidFill>
                 <a:uFill>
                   <a:solidFill>
-                    <a:srgbClr val="ffffff"/>
+                    <a:srgbClr val="FFFFFF"/>
                   </a:solidFill>
                 </a:uFill>
                 <a:latin typeface="Arial"/>
               </a:rPr>
               <a:t>Seventh Outline Level</a:t>
             </a:r>
-            <a:endParaRPr b="0" lang="en-US" sz="2000" spc="-1" strike="noStrike">
-              <a:solidFill>
-                <a:srgbClr val="000000"/>
-              </a:solidFill>
-              <a:uFill>
-                <a:solidFill>
-                  <a:srgbClr val="ffffff"/>
-                </a:solidFill>
-              </a:uFill>
-              <a:latin typeface="Arial"/>
-            </a:endParaRPr>
           </a:p>
         </p:txBody>
       </p:sp>
     </p:spTree>
   </p:cSld>
-  <p:clrMap bg1="lt1" bg2="lt2" tx1="dk1" tx2="dk2" accent1="accent1" accent2="accent2" accent3="accent3" accent4="accent4" accent5="accent5" accent6="accent6" hlink="hlink" folHlink="folHlink"/>
+  <p:clrMap bg1="lt1" tx1="dk1" bg2="lt2" tx2="dk2" accent1="accent1" accent2="accent2" accent3="accent3" accent4="accent4" accent5="accent5" accent6="accent6" hlink="hlink" folHlink="folHlink"/>
   <p:sldLayoutIdLst>
-    <p:sldLayoutId id="2147483649" r:id="rId2"/>
-    <p:sldLayoutId id="2147483650" r:id="rId3"/>
-    <p:sldLayoutId id="2147483651" r:id="rId4"/>
-    <p:sldLayoutId id="2147483652" r:id="rId5"/>
-    <p:sldLayoutId id="2147483653" r:id="rId6"/>
-    <p:sldLayoutId id="2147483654" r:id="rId7"/>
-    <p:sldLayoutId id="2147483655" r:id="rId8"/>
-    <p:sldLayoutId id="2147483656" r:id="rId9"/>
-    <p:sldLayoutId id="2147483657" r:id="rId10"/>
-    <p:sldLayoutId id="2147483658" r:id="rId11"/>
-    <p:sldLayoutId id="2147483659" r:id="rId12"/>
-    <p:sldLayoutId id="2147483660" r:id="rId13"/>
+    <p:sldLayoutId id="2147483649" r:id="rId1"/>
+    <p:sldLayoutId id="2147483650" r:id="rId2"/>
+    <p:sldLayoutId id="2147483651" r:id="rId3"/>
+    <p:sldLayoutId id="2147483652" r:id="rId4"/>
+    <p:sldLayoutId id="2147483653" r:id="rId5"/>
+    <p:sldLayoutId id="2147483654" r:id="rId6"/>
+    <p:sldLayoutId id="2147483655" r:id="rId7"/>
+    <p:sldLayoutId id="2147483656" r:id="rId8"/>
+    <p:sldLayoutId id="2147483657" r:id="rId9"/>
+    <p:sldLayoutId id="2147483658" r:id="rId10"/>
+    <p:sldLayoutId id="2147483659" r:id="rId11"/>
+    <p:sldLayoutId id="2147483660" r:id="rId12"/>
   </p:sldLayoutIdLst>
+  <p:txStyles>
+    <p:titleStyle>
+      <a:lvl1pPr algn="l" defTabSz="914400" rtl="0" eaLnBrk="1" latinLnBrk="0" hangingPunct="1">
+        <a:lnSpc>
+          <a:spcPct val="90000"/>
+        </a:lnSpc>
+        <a:spcBef>
+          <a:spcPct val="0"/>
+        </a:spcBef>
+        <a:buNone/>
+        <a:defRPr sz="4400" kern="1200">
+          <a:solidFill>
+            <a:schemeClr val="tx1"/>
+          </a:solidFill>
+          <a:latin typeface="+mj-lt"/>
+          <a:ea typeface="+mj-ea"/>
+          <a:cs typeface="+mj-cs"/>
+        </a:defRPr>
+      </a:lvl1pPr>
+    </p:titleStyle>
+    <p:bodyStyle>
+      <a:lvl1pPr marL="228600" indent="-228600" algn="l" defTabSz="914400" rtl="0" eaLnBrk="1" latinLnBrk="0" hangingPunct="1">
+        <a:lnSpc>
+          <a:spcPct val="90000"/>
+        </a:lnSpc>
+        <a:spcBef>
+          <a:spcPts val="1000"/>
+        </a:spcBef>
+        <a:buFont typeface="Arial" panose="020B0604020202020204" pitchFamily="34" charset="0"/>
+        <a:buChar char="•"/>
+        <a:defRPr sz="2800" kern="1200">
+          <a:solidFill>
+            <a:schemeClr val="tx1"/>
+          </a:solidFill>
+          <a:latin typeface="+mn-lt"/>
+          <a:ea typeface="+mn-ea"/>
+          <a:cs typeface="+mn-cs"/>
+        </a:defRPr>
+      </a:lvl1pPr>
+      <a:lvl2pPr marL="685800" indent="-228600" algn="l" defTabSz="914400" rtl="0" eaLnBrk="1" latinLnBrk="0" hangingPunct="1">
+        <a:lnSpc>
+          <a:spcPct val="90000"/>
+        </a:lnSpc>
+        <a:spcBef>
+          <a:spcPts val="500"/>
+        </a:spcBef>
+        <a:buFont typeface="Arial" panose="020B0604020202020204" pitchFamily="34" charset="0"/>
+        <a:buChar char="•"/>
+        <a:defRPr sz="2400" kern="1200">
+          <a:solidFill>
+            <a:schemeClr val="tx1"/>
+          </a:solidFill>
+          <a:latin typeface="+mn-lt"/>
+          <a:ea typeface="+mn-ea"/>
+          <a:cs typeface="+mn-cs"/>
+        </a:defRPr>
+      </a:lvl2pPr>
+      <a:lvl3pPr marL="1143000" indent="-228600" algn="l" defTabSz="914400" rtl="0" eaLnBrk="1" latinLnBrk="0" hangingPunct="1">
+        <a:lnSpc>
+          <a:spcPct val="90000"/>
+        </a:lnSpc>
+        <a:spcBef>
+          <a:spcPts val="500"/>
+        </a:spcBef>
+        <a:buFont typeface="Arial" panose="020B0604020202020204" pitchFamily="34" charset="0"/>
+        <a:buChar char="•"/>
+        <a:defRPr sz="2000" kern="1200">
+          <a:solidFill>
+            <a:schemeClr val="tx1"/>
+          </a:solidFill>
+          <a:latin typeface="+mn-lt"/>
+          <a:ea typeface="+mn-ea"/>
+          <a:cs typeface="+mn-cs"/>
+        </a:defRPr>
+      </a:lvl3pPr>
+      <a:lvl4pPr marL="1600200" indent="-228600" algn="l" defTabSz="914400" rtl="0" eaLnBrk="1" latinLnBrk="0" hangingPunct="1">
+        <a:lnSpc>
+          <a:spcPct val="90000"/>
+        </a:lnSpc>
+        <a:spcBef>
+          <a:spcPts val="500"/>
+        </a:spcBef>
+        <a:buFont typeface="Arial" panose="020B0604020202020204" pitchFamily="34" charset="0"/>
+        <a:buChar char="•"/>
+        <a:defRPr sz="1800" kern="1200">
+          <a:solidFill>
+            <a:schemeClr val="tx1"/>
+          </a:solidFill>
+          <a:latin typeface="+mn-lt"/>
+          <a:ea typeface="+mn-ea"/>
+          <a:cs typeface="+mn-cs"/>
+        </a:defRPr>
+      </a:lvl4pPr>
+      <a:lvl5pPr marL="2057400" indent="-228600" algn="l" defTabSz="914400" rtl="0" eaLnBrk="1" latinLnBrk="0" hangingPunct="1">
+        <a:lnSpc>
+          <a:spcPct val="90000"/>
+        </a:lnSpc>
+        <a:spcBef>
+          <a:spcPts val="500"/>
+        </a:spcBef>
+        <a:buFont typeface="Arial" panose="020B0604020202020204" pitchFamily="34" charset="0"/>
+        <a:buChar char="•"/>
+        <a:defRPr sz="1800" kern="1200">
+          <a:solidFill>
+            <a:schemeClr val="tx1"/>
+          </a:solidFill>
+          <a:latin typeface="+mn-lt"/>
+          <a:ea typeface="+mn-ea"/>
+          <a:cs typeface="+mn-cs"/>
+        </a:defRPr>
+      </a:lvl5pPr>
+      <a:lvl6pPr marL="2514600" indent="-228600" algn="l" defTabSz="914400" rtl="0" eaLnBrk="1" latinLnBrk="0" hangingPunct="1">
+        <a:lnSpc>
+          <a:spcPct val="90000"/>
+        </a:lnSpc>
+        <a:spcBef>
+          <a:spcPts val="500"/>
+        </a:spcBef>
+        <a:buFont typeface="Arial" panose="020B0604020202020204" pitchFamily="34" charset="0"/>
+        <a:buChar char="•"/>
+        <a:defRPr sz="1800" kern="1200">
+          <a:solidFill>
+            <a:schemeClr val="tx1"/>
+          </a:solidFill>
+          <a:latin typeface="+mn-lt"/>
+          <a:ea typeface="+mn-ea"/>
+          <a:cs typeface="+mn-cs"/>
+        </a:defRPr>
+      </a:lvl6pPr>
+      <a:lvl7pPr marL="2971800" indent="-228600" algn="l" defTabSz="914400" rtl="0" eaLnBrk="1" latinLnBrk="0" hangingPunct="1">
+        <a:lnSpc>
+          <a:spcPct val="90000"/>
+        </a:lnSpc>
+        <a:spcBef>
+          <a:spcPts val="500"/>
+        </a:spcBef>
+        <a:buFont typeface="Arial" panose="020B0604020202020204" pitchFamily="34" charset="0"/>
+        <a:buChar char="•"/>
+        <a:defRPr sz="1800" kern="1200">
+          <a:solidFill>
+            <a:schemeClr val="tx1"/>
+          </a:solidFill>
+          <a:latin typeface="+mn-lt"/>
+          <a:ea typeface="+mn-ea"/>
+          <a:cs typeface="+mn-cs"/>
+        </a:defRPr>
+      </a:lvl7pPr>
+      <a:lvl8pPr marL="3429000" indent="-228600" algn="l" defTabSz="914400" rtl="0" eaLnBrk="1" latinLnBrk="0" hangingPunct="1">
+        <a:lnSpc>
+          <a:spcPct val="90000"/>
+        </a:lnSpc>
+        <a:spcBef>
+          <a:spcPts val="500"/>
+        </a:spcBef>
+        <a:buFont typeface="Arial" panose="020B0604020202020204" pitchFamily="34" charset="0"/>
+        <a:buChar char="•"/>
+        <a:defRPr sz="1800" kern="1200">
+          <a:solidFill>
+            <a:schemeClr val="tx1"/>
+          </a:solidFill>
+          <a:latin typeface="+mn-lt"/>
+          <a:ea typeface="+mn-ea"/>
+          <a:cs typeface="+mn-cs"/>
+        </a:defRPr>
+      </a:lvl8pPr>
+      <a:lvl9pPr marL="3886200" indent="-228600" algn="l" defTabSz="914400" rtl="0" eaLnBrk="1" latinLnBrk="0" hangingPunct="1">
+        <a:lnSpc>
+          <a:spcPct val="90000"/>
+        </a:lnSpc>
+        <a:spcBef>
+          <a:spcPts val="500"/>
+        </a:spcBef>
+        <a:buFont typeface="Arial" panose="020B0604020202020204" pitchFamily="34" charset="0"/>
+        <a:buChar char="•"/>
+        <a:defRPr sz="1800" kern="1200">
+          <a:solidFill>
+            <a:schemeClr val="tx1"/>
+          </a:solidFill>
+          <a:latin typeface="+mn-lt"/>
+          <a:ea typeface="+mn-ea"/>
+          <a:cs typeface="+mn-cs"/>
+        </a:defRPr>
+      </a:lvl9pPr>
+    </p:bodyStyle>
+    <p:otherStyle>
+      <a:defPPr>
+        <a:defRPr lang="en-US"/>
+      </a:defPPr>
+      <a:lvl1pPr marL="0" algn="l" defTabSz="914400" rtl="0" eaLnBrk="1" latinLnBrk="0" hangingPunct="1">
+        <a:defRPr sz="1800" kern="1200">
+          <a:solidFill>
+            <a:schemeClr val="tx1"/>
+          </a:solidFill>
+          <a:latin typeface="+mn-lt"/>
+          <a:ea typeface="+mn-ea"/>
+          <a:cs typeface="+mn-cs"/>
+        </a:defRPr>
+      </a:lvl1pPr>
+      <a:lvl2pPr marL="457200" algn="l" defTabSz="914400" rtl="0" eaLnBrk="1" latinLnBrk="0" hangingPunct="1">
+        <a:defRPr sz="1800" kern="1200">
+          <a:solidFill>
+            <a:schemeClr val="tx1"/>
+          </a:solidFill>
+          <a:latin typeface="+mn-lt"/>
+          <a:ea typeface="+mn-ea"/>
+          <a:cs typeface="+mn-cs"/>
+        </a:defRPr>
+      </a:lvl2pPr>
+      <a:lvl3pPr marL="914400" algn="l" defTabSz="914400" rtl="0" eaLnBrk="1" latinLnBrk="0" hangingPunct="1">
+        <a:defRPr sz="1800" kern="1200">
+          <a:solidFill>
+            <a:schemeClr val="tx1"/>
+          </a:solidFill>
+          <a:latin typeface="+mn-lt"/>
+          <a:ea typeface="+mn-ea"/>
+          <a:cs typeface="+mn-cs"/>
+        </a:defRPr>
+      </a:lvl3pPr>
+      <a:lvl4pPr marL="1371600" algn="l" defTabSz="914400" rtl="0" eaLnBrk="1" latinLnBrk="0" hangingPunct="1">
+        <a:defRPr sz="1800" kern="1200">
+          <a:solidFill>
+            <a:schemeClr val="tx1"/>
+          </a:solidFill>
+          <a:latin typeface="+mn-lt"/>
+          <a:ea typeface="+mn-ea"/>
+          <a:cs typeface="+mn-cs"/>
+        </a:defRPr>
+      </a:lvl4pPr>
+      <a:lvl5pPr marL="1828800" algn="l" defTabSz="914400" rtl="0" eaLnBrk="1" latinLnBrk="0" hangingPunct="1">
+        <a:defRPr sz="1800" kern="1200">
+          <a:solidFill>
+            <a:schemeClr val="tx1"/>
+          </a:solidFill>
+          <a:latin typeface="+mn-lt"/>
+          <a:ea typeface="+mn-ea"/>
+          <a:cs typeface="+mn-cs"/>
+        </a:defRPr>
+      </a:lvl5pPr>
+      <a:lvl6pPr marL="2286000" algn="l" defTabSz="914400" rtl="0" eaLnBrk="1" latinLnBrk="0" hangingPunct="1">
+        <a:defRPr sz="1800" kern="1200">
+          <a:solidFill>
+            <a:schemeClr val="tx1"/>
+          </a:solidFill>
+          <a:latin typeface="+mn-lt"/>
+          <a:ea typeface="+mn-ea"/>
+          <a:cs typeface="+mn-cs"/>
+        </a:defRPr>
+      </a:lvl6pPr>
+      <a:lvl7pPr marL="2743200" algn="l" defTabSz="914400" rtl="0" eaLnBrk="1" latinLnBrk="0" hangingPunct="1">
+        <a:defRPr sz="1800" kern="1200">
+          <a:solidFill>
+            <a:schemeClr val="tx1"/>
+          </a:solidFill>
+          <a:latin typeface="+mn-lt"/>
+          <a:ea typeface="+mn-ea"/>
+          <a:cs typeface="+mn-cs"/>
+        </a:defRPr>
+      </a:lvl7pPr>
+      <a:lvl8pPr marL="3200400" algn="l" defTabSz="914400" rtl="0" eaLnBrk="1" latinLnBrk="0" hangingPunct="1">
+        <a:defRPr sz="1800" kern="1200">
+          <a:solidFill>
+            <a:schemeClr val="tx1"/>
+          </a:solidFill>
+          <a:latin typeface="+mn-lt"/>
+          <a:ea typeface="+mn-ea"/>
+          <a:cs typeface="+mn-cs"/>
+        </a:defRPr>
+      </a:lvl8pPr>
+      <a:lvl9pPr marL="3657600" algn="l" defTabSz="914400" rtl="0" eaLnBrk="1" latinLnBrk="0" hangingPunct="1">
+        <a:defRPr sz="1800" kern="1200">
+          <a:solidFill>
+            <a:schemeClr val="tx1"/>
+          </a:solidFill>
+          <a:latin typeface="+mn-lt"/>
+          <a:ea typeface="+mn-ea"/>
+          <a:cs typeface="+mn-cs"/>
+        </a:defRPr>
+      </a:lvl9pPr>
+    </p:otherStyle>
+  </p:txStyles>
 </p:sldMaster>
 </file>
 
 <file path=ppt/slideMasters/slideMaster2.xml><?xml version="1.0" encoding="utf-8"?>
-<p:sldMaster xmlns:a="http://schemas.openxmlformats.org/drawingml/2006/main" xmlns:p="http://schemas.openxmlformats.org/presentationml/2006/main" xmlns:r="http://schemas.openxmlformats.org/officeDocument/2006/relationships" xmlns:p14="http://schemas.microsoft.com/office/powerpoint/2010/main" xmlns:p15="http://schemas.microsoft.com/office/powerpoint/2012/main" xmlns:mc="http://schemas.openxmlformats.org/markup-compatibility/2006">
+<p:sldMaster xmlns:a="http://schemas.openxmlformats.org/drawingml/2006/main" xmlns:r="http://schemas.openxmlformats.org/officeDocument/2006/relationships" xmlns:p="http://schemas.openxmlformats.org/presentationml/2006/main">
   <p:cSld>
     <p:bg>
       <p:bgPr>
         <a:solidFill>
-          <a:srgbClr val="ffffff"/>
+          <a:srgbClr val="FFFFFF"/>
         </a:solidFill>
+        <a:effectLst/>
       </p:bgPr>
     </p:bg>
     <p:spTree>
@@ -4818,33 +5318,23 @@
           </a:prstGeom>
         </p:spPr>
         <p:txBody>
-          <a:bodyPr lIns="0" rIns="0" tIns="0" bIns="0" anchor="ctr"/>
+          <a:bodyPr lIns="0" tIns="0" rIns="0" bIns="0" anchor="ctr"/>
+          <a:lstStyle/>
           <a:p>
             <a:r>
-              <a:rPr b="0" lang="en-US" sz="1800" spc="-1" strike="noStrike">
+              <a:rPr lang="en-US" sz="1800" b="0" strike="noStrike" spc="-1">
                 <a:solidFill>
                   <a:srgbClr val="000000"/>
                 </a:solidFill>
                 <a:uFill>
                   <a:solidFill>
-                    <a:srgbClr val="ffffff"/>
+                    <a:srgbClr val="FFFFFF"/>
                   </a:solidFill>
                 </a:uFill>
                 <a:latin typeface="Arial"/>
               </a:rPr>
               <a:t>Click to edit the title text format</a:t>
             </a:r>
-            <a:endParaRPr b="0" lang="en-US" sz="1800" spc="-1" strike="noStrike">
-              <a:solidFill>
-                <a:srgbClr val="000000"/>
-              </a:solidFill>
-              <a:uFill>
-                <a:solidFill>
-                  <a:srgbClr val="ffffff"/>
-                </a:solidFill>
-              </a:uFill>
-              <a:latin typeface="Arial"/>
-            </a:endParaRPr>
           </a:p>
         </p:txBody>
       </p:sp>
@@ -4868,7 +5358,8 @@
           </a:prstGeom>
         </p:spPr>
         <p:txBody>
-          <a:bodyPr lIns="0" rIns="0" tIns="0" bIns="0"/>
+          <a:bodyPr lIns="0" tIns="0" rIns="0" bIns="0"/>
+          <a:lstStyle/>
           <a:p>
             <a:pPr marL="432000" indent="-324000">
               <a:buClr>
@@ -4879,33 +5370,22 @@
               <a:buChar char=""/>
             </a:pPr>
             <a:r>
-              <a:rPr b="0" lang="en-US" sz="2800" spc="-1" strike="noStrike">
+              <a:rPr lang="en-US" sz="2800" b="0" strike="noStrike" spc="-1">
                 <a:solidFill>
                   <a:srgbClr val="000000"/>
                 </a:solidFill>
                 <a:uFill>
                   <a:solidFill>
-                    <a:srgbClr val="ffffff"/>
+                    <a:srgbClr val="FFFFFF"/>
                   </a:solidFill>
                 </a:uFill>
                 <a:latin typeface="Arial"/>
               </a:rPr>
               <a:t>Click to edit the outline text format</a:t>
             </a:r>
-            <a:endParaRPr b="0" lang="en-US" sz="2800" spc="-1" strike="noStrike">
-              <a:solidFill>
-                <a:srgbClr val="000000"/>
-              </a:solidFill>
-              <a:uFill>
-                <a:solidFill>
-                  <a:srgbClr val="ffffff"/>
-                </a:solidFill>
-              </a:uFill>
-              <a:latin typeface="Arial"/>
-            </a:endParaRPr>
-          </a:p>
-          <a:p>
-            <a:pPr lvl="1" marL="864000" indent="-324000">
+          </a:p>
+          <a:p>
+            <a:pPr marL="864000" lvl="1" indent="-324000">
               <a:buClr>
                 <a:srgbClr val="000000"/>
               </a:buClr>
@@ -4914,33 +5394,22 @@
               <a:buChar char=""/>
             </a:pPr>
             <a:r>
-              <a:rPr b="0" lang="en-US" sz="2000" spc="-1" strike="noStrike">
+              <a:rPr lang="en-US" sz="2000" b="0" strike="noStrike" spc="-1">
                 <a:solidFill>
                   <a:srgbClr val="000000"/>
                 </a:solidFill>
                 <a:uFill>
                   <a:solidFill>
-                    <a:srgbClr val="ffffff"/>
+                    <a:srgbClr val="FFFFFF"/>
                   </a:solidFill>
                 </a:uFill>
                 <a:latin typeface="Arial"/>
               </a:rPr>
               <a:t>Second Outline Level</a:t>
             </a:r>
-            <a:endParaRPr b="0" lang="en-US" sz="2000" spc="-1" strike="noStrike">
-              <a:solidFill>
-                <a:srgbClr val="000000"/>
-              </a:solidFill>
-              <a:uFill>
-                <a:solidFill>
-                  <a:srgbClr val="ffffff"/>
-                </a:solidFill>
-              </a:uFill>
-              <a:latin typeface="Arial"/>
-            </a:endParaRPr>
-          </a:p>
-          <a:p>
-            <a:pPr lvl="2" marL="1296000" indent="-288000">
+          </a:p>
+          <a:p>
+            <a:pPr marL="1296000" lvl="2" indent="-288000">
               <a:buClr>
                 <a:srgbClr val="000000"/>
               </a:buClr>
@@ -4949,33 +5418,22 @@
               <a:buChar char=""/>
             </a:pPr>
             <a:r>
-              <a:rPr b="0" lang="en-US" sz="1800" spc="-1" strike="noStrike">
+              <a:rPr lang="en-US" sz="1800" b="0" strike="noStrike" spc="-1">
                 <a:solidFill>
                   <a:srgbClr val="000000"/>
                 </a:solidFill>
                 <a:uFill>
                   <a:solidFill>
-                    <a:srgbClr val="ffffff"/>
+                    <a:srgbClr val="FFFFFF"/>
                   </a:solidFill>
                 </a:uFill>
                 <a:latin typeface="Arial"/>
               </a:rPr>
               <a:t>Third Outline Level</a:t>
             </a:r>
-            <a:endParaRPr b="0" lang="en-US" sz="1800" spc="-1" strike="noStrike">
-              <a:solidFill>
-                <a:srgbClr val="000000"/>
-              </a:solidFill>
-              <a:uFill>
-                <a:solidFill>
-                  <a:srgbClr val="ffffff"/>
-                </a:solidFill>
-              </a:uFill>
-              <a:latin typeface="Arial"/>
-            </a:endParaRPr>
-          </a:p>
-          <a:p>
-            <a:pPr lvl="3" marL="1728000" indent="-216000">
+          </a:p>
+          <a:p>
+            <a:pPr marL="1728000" lvl="3" indent="-216000">
               <a:buClr>
                 <a:srgbClr val="000000"/>
               </a:buClr>
@@ -4984,33 +5442,22 @@
               <a:buChar char=""/>
             </a:pPr>
             <a:r>
-              <a:rPr b="0" lang="en-US" sz="1800" spc="-1" strike="noStrike">
+              <a:rPr lang="en-US" sz="1800" b="0" strike="noStrike" spc="-1">
                 <a:solidFill>
                   <a:srgbClr val="000000"/>
                 </a:solidFill>
                 <a:uFill>
                   <a:solidFill>
-                    <a:srgbClr val="ffffff"/>
+                    <a:srgbClr val="FFFFFF"/>
                   </a:solidFill>
                 </a:uFill>
                 <a:latin typeface="Arial"/>
               </a:rPr>
               <a:t>Fourth Outline Level</a:t>
             </a:r>
-            <a:endParaRPr b="0" lang="en-US" sz="1800" spc="-1" strike="noStrike">
-              <a:solidFill>
-                <a:srgbClr val="000000"/>
-              </a:solidFill>
-              <a:uFill>
-                <a:solidFill>
-                  <a:srgbClr val="ffffff"/>
-                </a:solidFill>
-              </a:uFill>
-              <a:latin typeface="Arial"/>
-            </a:endParaRPr>
-          </a:p>
-          <a:p>
-            <a:pPr lvl="4" marL="2160000" indent="-216000">
+          </a:p>
+          <a:p>
+            <a:pPr marL="2160000" lvl="4" indent="-216000">
               <a:buClr>
                 <a:srgbClr val="000000"/>
               </a:buClr>
@@ -5019,33 +5466,22 @@
               <a:buChar char=""/>
             </a:pPr>
             <a:r>
-              <a:rPr b="0" lang="en-US" sz="2000" spc="-1" strike="noStrike">
+              <a:rPr lang="en-US" sz="2000" b="0" strike="noStrike" spc="-1">
                 <a:solidFill>
                   <a:srgbClr val="000000"/>
                 </a:solidFill>
                 <a:uFill>
                   <a:solidFill>
-                    <a:srgbClr val="ffffff"/>
+                    <a:srgbClr val="FFFFFF"/>
                   </a:solidFill>
                 </a:uFill>
                 <a:latin typeface="Arial"/>
               </a:rPr>
               <a:t>Fifth Outline Level</a:t>
             </a:r>
-            <a:endParaRPr b="0" lang="en-US" sz="2000" spc="-1" strike="noStrike">
-              <a:solidFill>
-                <a:srgbClr val="000000"/>
-              </a:solidFill>
-              <a:uFill>
-                <a:solidFill>
-                  <a:srgbClr val="ffffff"/>
-                </a:solidFill>
-              </a:uFill>
-              <a:latin typeface="Arial"/>
-            </a:endParaRPr>
-          </a:p>
-          <a:p>
-            <a:pPr lvl="5" marL="2592000" indent="-216000">
+          </a:p>
+          <a:p>
+            <a:pPr marL="2592000" lvl="5" indent="-216000">
               <a:buClr>
                 <a:srgbClr val="000000"/>
               </a:buClr>
@@ -5054,33 +5490,22 @@
               <a:buChar char=""/>
             </a:pPr>
             <a:r>
-              <a:rPr b="0" lang="en-US" sz="2000" spc="-1" strike="noStrike">
+              <a:rPr lang="en-US" sz="2000" b="0" strike="noStrike" spc="-1">
                 <a:solidFill>
                   <a:srgbClr val="000000"/>
                 </a:solidFill>
                 <a:uFill>
                   <a:solidFill>
-                    <a:srgbClr val="ffffff"/>
+                    <a:srgbClr val="FFFFFF"/>
                   </a:solidFill>
                 </a:uFill>
                 <a:latin typeface="Arial"/>
               </a:rPr>
               <a:t>Sixth Outline Level</a:t>
             </a:r>
-            <a:endParaRPr b="0" lang="en-US" sz="2000" spc="-1" strike="noStrike">
-              <a:solidFill>
-                <a:srgbClr val="000000"/>
-              </a:solidFill>
-              <a:uFill>
-                <a:solidFill>
-                  <a:srgbClr val="ffffff"/>
-                </a:solidFill>
-              </a:uFill>
-              <a:latin typeface="Arial"/>
-            </a:endParaRPr>
-          </a:p>
-          <a:p>
-            <a:pPr lvl="6" marL="3024000" indent="-216000">
+          </a:p>
+          <a:p>
+            <a:pPr marL="3024000" lvl="6" indent="-216000">
               <a:buClr>
                 <a:srgbClr val="000000"/>
               </a:buClr>
@@ -5089,61 +5514,331 @@
               <a:buChar char=""/>
             </a:pPr>
             <a:r>
-              <a:rPr b="0" lang="en-US" sz="2000" spc="-1" strike="noStrike">
+              <a:rPr lang="en-US" sz="2000" b="0" strike="noStrike" spc="-1">
                 <a:solidFill>
                   <a:srgbClr val="000000"/>
                 </a:solidFill>
                 <a:uFill>
                   <a:solidFill>
-                    <a:srgbClr val="ffffff"/>
+                    <a:srgbClr val="FFFFFF"/>
                   </a:solidFill>
                 </a:uFill>
                 <a:latin typeface="Arial"/>
               </a:rPr>
               <a:t>Seventh Outline Level</a:t>
             </a:r>
-            <a:endParaRPr b="0" lang="en-US" sz="2000" spc="-1" strike="noStrike">
-              <a:solidFill>
-                <a:srgbClr val="000000"/>
-              </a:solidFill>
-              <a:uFill>
-                <a:solidFill>
-                  <a:srgbClr val="ffffff"/>
-                </a:solidFill>
-              </a:uFill>
-              <a:latin typeface="Arial"/>
-            </a:endParaRPr>
           </a:p>
         </p:txBody>
       </p:sp>
     </p:spTree>
   </p:cSld>
-  <p:clrMap bg1="lt1" bg2="lt2" tx1="dk1" tx2="dk2" accent1="accent1" accent2="accent2" accent3="accent3" accent4="accent4" accent5="accent5" accent6="accent6" hlink="hlink" folHlink="folHlink"/>
+  <p:clrMap bg1="lt1" tx1="dk1" bg2="lt2" tx2="dk2" accent1="accent1" accent2="accent2" accent3="accent3" accent4="accent4" accent5="accent5" accent6="accent6" hlink="hlink" folHlink="folHlink"/>
   <p:sldLayoutIdLst>
-    <p:sldLayoutId id="2147483662" r:id="rId2"/>
-    <p:sldLayoutId id="2147483663" r:id="rId3"/>
-    <p:sldLayoutId id="2147483664" r:id="rId4"/>
-    <p:sldLayoutId id="2147483665" r:id="rId5"/>
-    <p:sldLayoutId id="2147483666" r:id="rId6"/>
-    <p:sldLayoutId id="2147483667" r:id="rId7"/>
-    <p:sldLayoutId id="2147483668" r:id="rId8"/>
-    <p:sldLayoutId id="2147483669" r:id="rId9"/>
-    <p:sldLayoutId id="2147483670" r:id="rId10"/>
-    <p:sldLayoutId id="2147483671" r:id="rId11"/>
-    <p:sldLayoutId id="2147483672" r:id="rId12"/>
-    <p:sldLayoutId id="2147483673" r:id="rId13"/>
+    <p:sldLayoutId id="2147483662" r:id="rId1"/>
+    <p:sldLayoutId id="2147483663" r:id="rId2"/>
+    <p:sldLayoutId id="2147483664" r:id="rId3"/>
+    <p:sldLayoutId id="2147483665" r:id="rId4"/>
+    <p:sldLayoutId id="2147483666" r:id="rId5"/>
+    <p:sldLayoutId id="2147483667" r:id="rId6"/>
+    <p:sldLayoutId id="2147483668" r:id="rId7"/>
+    <p:sldLayoutId id="2147483669" r:id="rId8"/>
+    <p:sldLayoutId id="2147483670" r:id="rId9"/>
+    <p:sldLayoutId id="2147483671" r:id="rId10"/>
+    <p:sldLayoutId id="2147483672" r:id="rId11"/>
+    <p:sldLayoutId id="2147483673" r:id="rId12"/>
   </p:sldLayoutIdLst>
+  <p:txStyles>
+    <p:titleStyle>
+      <a:lvl1pPr algn="l" defTabSz="914400" rtl="0" eaLnBrk="1" latinLnBrk="0" hangingPunct="1">
+        <a:lnSpc>
+          <a:spcPct val="90000"/>
+        </a:lnSpc>
+        <a:spcBef>
+          <a:spcPct val="0"/>
+        </a:spcBef>
+        <a:buNone/>
+        <a:defRPr sz="4400" kern="1200">
+          <a:solidFill>
+            <a:schemeClr val="tx1"/>
+          </a:solidFill>
+          <a:latin typeface="+mj-lt"/>
+          <a:ea typeface="+mj-ea"/>
+          <a:cs typeface="+mj-cs"/>
+        </a:defRPr>
+      </a:lvl1pPr>
+    </p:titleStyle>
+    <p:bodyStyle>
+      <a:lvl1pPr marL="228600" indent="-228600" algn="l" defTabSz="914400" rtl="0" eaLnBrk="1" latinLnBrk="0" hangingPunct="1">
+        <a:lnSpc>
+          <a:spcPct val="90000"/>
+        </a:lnSpc>
+        <a:spcBef>
+          <a:spcPts val="1000"/>
+        </a:spcBef>
+        <a:buFont typeface="Arial" panose="020B0604020202020204" pitchFamily="34" charset="0"/>
+        <a:buChar char="•"/>
+        <a:defRPr sz="2800" kern="1200">
+          <a:solidFill>
+            <a:schemeClr val="tx1"/>
+          </a:solidFill>
+          <a:latin typeface="+mn-lt"/>
+          <a:ea typeface="+mn-ea"/>
+          <a:cs typeface="+mn-cs"/>
+        </a:defRPr>
+      </a:lvl1pPr>
+      <a:lvl2pPr marL="685800" indent="-228600" algn="l" defTabSz="914400" rtl="0" eaLnBrk="1" latinLnBrk="0" hangingPunct="1">
+        <a:lnSpc>
+          <a:spcPct val="90000"/>
+        </a:lnSpc>
+        <a:spcBef>
+          <a:spcPts val="500"/>
+        </a:spcBef>
+        <a:buFont typeface="Arial" panose="020B0604020202020204" pitchFamily="34" charset="0"/>
+        <a:buChar char="•"/>
+        <a:defRPr sz="2400" kern="1200">
+          <a:solidFill>
+            <a:schemeClr val="tx1"/>
+          </a:solidFill>
+          <a:latin typeface="+mn-lt"/>
+          <a:ea typeface="+mn-ea"/>
+          <a:cs typeface="+mn-cs"/>
+        </a:defRPr>
+      </a:lvl2pPr>
+      <a:lvl3pPr marL="1143000" indent="-228600" algn="l" defTabSz="914400" rtl="0" eaLnBrk="1" latinLnBrk="0" hangingPunct="1">
+        <a:lnSpc>
+          <a:spcPct val="90000"/>
+        </a:lnSpc>
+        <a:spcBef>
+          <a:spcPts val="500"/>
+        </a:spcBef>
+        <a:buFont typeface="Arial" panose="020B0604020202020204" pitchFamily="34" charset="0"/>
+        <a:buChar char="•"/>
+        <a:defRPr sz="2000" kern="1200">
+          <a:solidFill>
+            <a:schemeClr val="tx1"/>
+          </a:solidFill>
+          <a:latin typeface="+mn-lt"/>
+          <a:ea typeface="+mn-ea"/>
+          <a:cs typeface="+mn-cs"/>
+        </a:defRPr>
+      </a:lvl3pPr>
+      <a:lvl4pPr marL="1600200" indent="-228600" algn="l" defTabSz="914400" rtl="0" eaLnBrk="1" latinLnBrk="0" hangingPunct="1">
+        <a:lnSpc>
+          <a:spcPct val="90000"/>
+        </a:lnSpc>
+        <a:spcBef>
+          <a:spcPts val="500"/>
+        </a:spcBef>
+        <a:buFont typeface="Arial" panose="020B0604020202020204" pitchFamily="34" charset="0"/>
+        <a:buChar char="•"/>
+        <a:defRPr sz="1800" kern="1200">
+          <a:solidFill>
+            <a:schemeClr val="tx1"/>
+          </a:solidFill>
+          <a:latin typeface="+mn-lt"/>
+          <a:ea typeface="+mn-ea"/>
+          <a:cs typeface="+mn-cs"/>
+        </a:defRPr>
+      </a:lvl4pPr>
+      <a:lvl5pPr marL="2057400" indent="-228600" algn="l" defTabSz="914400" rtl="0" eaLnBrk="1" latinLnBrk="0" hangingPunct="1">
+        <a:lnSpc>
+          <a:spcPct val="90000"/>
+        </a:lnSpc>
+        <a:spcBef>
+          <a:spcPts val="500"/>
+        </a:spcBef>
+        <a:buFont typeface="Arial" panose="020B0604020202020204" pitchFamily="34" charset="0"/>
+        <a:buChar char="•"/>
+        <a:defRPr sz="1800" kern="1200">
+          <a:solidFill>
+            <a:schemeClr val="tx1"/>
+          </a:solidFill>
+          <a:latin typeface="+mn-lt"/>
+          <a:ea typeface="+mn-ea"/>
+          <a:cs typeface="+mn-cs"/>
+        </a:defRPr>
+      </a:lvl5pPr>
+      <a:lvl6pPr marL="2514600" indent="-228600" algn="l" defTabSz="914400" rtl="0" eaLnBrk="1" latinLnBrk="0" hangingPunct="1">
+        <a:lnSpc>
+          <a:spcPct val="90000"/>
+        </a:lnSpc>
+        <a:spcBef>
+          <a:spcPts val="500"/>
+        </a:spcBef>
+        <a:buFont typeface="Arial" panose="020B0604020202020204" pitchFamily="34" charset="0"/>
+        <a:buChar char="•"/>
+        <a:defRPr sz="1800" kern="1200">
+          <a:solidFill>
+            <a:schemeClr val="tx1"/>
+          </a:solidFill>
+          <a:latin typeface="+mn-lt"/>
+          <a:ea typeface="+mn-ea"/>
+          <a:cs typeface="+mn-cs"/>
+        </a:defRPr>
+      </a:lvl6pPr>
+      <a:lvl7pPr marL="2971800" indent="-228600" algn="l" defTabSz="914400" rtl="0" eaLnBrk="1" latinLnBrk="0" hangingPunct="1">
+        <a:lnSpc>
+          <a:spcPct val="90000"/>
+        </a:lnSpc>
+        <a:spcBef>
+          <a:spcPts val="500"/>
+        </a:spcBef>
+        <a:buFont typeface="Arial" panose="020B0604020202020204" pitchFamily="34" charset="0"/>
+        <a:buChar char="•"/>
+        <a:defRPr sz="1800" kern="1200">
+          <a:solidFill>
+            <a:schemeClr val="tx1"/>
+          </a:solidFill>
+          <a:latin typeface="+mn-lt"/>
+          <a:ea typeface="+mn-ea"/>
+          <a:cs typeface="+mn-cs"/>
+        </a:defRPr>
+      </a:lvl7pPr>
+      <a:lvl8pPr marL="3429000" indent="-228600" algn="l" defTabSz="914400" rtl="0" eaLnBrk="1" latinLnBrk="0" hangingPunct="1">
+        <a:lnSpc>
+          <a:spcPct val="90000"/>
+        </a:lnSpc>
+        <a:spcBef>
+          <a:spcPts val="500"/>
+        </a:spcBef>
+        <a:buFont typeface="Arial" panose="020B0604020202020204" pitchFamily="34" charset="0"/>
+        <a:buChar char="•"/>
+        <a:defRPr sz="1800" kern="1200">
+          <a:solidFill>
+            <a:schemeClr val="tx1"/>
+          </a:solidFill>
+          <a:latin typeface="+mn-lt"/>
+          <a:ea typeface="+mn-ea"/>
+          <a:cs typeface="+mn-cs"/>
+        </a:defRPr>
+      </a:lvl8pPr>
+      <a:lvl9pPr marL="3886200" indent="-228600" algn="l" defTabSz="914400" rtl="0" eaLnBrk="1" latinLnBrk="0" hangingPunct="1">
+        <a:lnSpc>
+          <a:spcPct val="90000"/>
+        </a:lnSpc>
+        <a:spcBef>
+          <a:spcPts val="500"/>
+        </a:spcBef>
+        <a:buFont typeface="Arial" panose="020B0604020202020204" pitchFamily="34" charset="0"/>
+        <a:buChar char="•"/>
+        <a:defRPr sz="1800" kern="1200">
+          <a:solidFill>
+            <a:schemeClr val="tx1"/>
+          </a:solidFill>
+          <a:latin typeface="+mn-lt"/>
+          <a:ea typeface="+mn-ea"/>
+          <a:cs typeface="+mn-cs"/>
+        </a:defRPr>
+      </a:lvl9pPr>
+    </p:bodyStyle>
+    <p:otherStyle>
+      <a:defPPr>
+        <a:defRPr lang="en-US"/>
+      </a:defPPr>
+      <a:lvl1pPr marL="0" algn="l" defTabSz="914400" rtl="0" eaLnBrk="1" latinLnBrk="0" hangingPunct="1">
+        <a:defRPr sz="1800" kern="1200">
+          <a:solidFill>
+            <a:schemeClr val="tx1"/>
+          </a:solidFill>
+          <a:latin typeface="+mn-lt"/>
+          <a:ea typeface="+mn-ea"/>
+          <a:cs typeface="+mn-cs"/>
+        </a:defRPr>
+      </a:lvl1pPr>
+      <a:lvl2pPr marL="457200" algn="l" defTabSz="914400" rtl="0" eaLnBrk="1" latinLnBrk="0" hangingPunct="1">
+        <a:defRPr sz="1800" kern="1200">
+          <a:solidFill>
+            <a:schemeClr val="tx1"/>
+          </a:solidFill>
+          <a:latin typeface="+mn-lt"/>
+          <a:ea typeface="+mn-ea"/>
+          <a:cs typeface="+mn-cs"/>
+        </a:defRPr>
+      </a:lvl2pPr>
+      <a:lvl3pPr marL="914400" algn="l" defTabSz="914400" rtl="0" eaLnBrk="1" latinLnBrk="0" hangingPunct="1">
+        <a:defRPr sz="1800" kern="1200">
+          <a:solidFill>
+            <a:schemeClr val="tx1"/>
+          </a:solidFill>
+          <a:latin typeface="+mn-lt"/>
+          <a:ea typeface="+mn-ea"/>
+          <a:cs typeface="+mn-cs"/>
+        </a:defRPr>
+      </a:lvl3pPr>
+      <a:lvl4pPr marL="1371600" algn="l" defTabSz="914400" rtl="0" eaLnBrk="1" latinLnBrk="0" hangingPunct="1">
+        <a:defRPr sz="1800" kern="1200">
+          <a:solidFill>
+            <a:schemeClr val="tx1"/>
+          </a:solidFill>
+          <a:latin typeface="+mn-lt"/>
+          <a:ea typeface="+mn-ea"/>
+          <a:cs typeface="+mn-cs"/>
+        </a:defRPr>
+      </a:lvl4pPr>
+      <a:lvl5pPr marL="1828800" algn="l" defTabSz="914400" rtl="0" eaLnBrk="1" latinLnBrk="0" hangingPunct="1">
+        <a:defRPr sz="1800" kern="1200">
+          <a:solidFill>
+            <a:schemeClr val="tx1"/>
+          </a:solidFill>
+          <a:latin typeface="+mn-lt"/>
+          <a:ea typeface="+mn-ea"/>
+          <a:cs typeface="+mn-cs"/>
+        </a:defRPr>
+      </a:lvl5pPr>
+      <a:lvl6pPr marL="2286000" algn="l" defTabSz="914400" rtl="0" eaLnBrk="1" latinLnBrk="0" hangingPunct="1">
+        <a:defRPr sz="1800" kern="1200">
+          <a:solidFill>
+            <a:schemeClr val="tx1"/>
+          </a:solidFill>
+          <a:latin typeface="+mn-lt"/>
+          <a:ea typeface="+mn-ea"/>
+          <a:cs typeface="+mn-cs"/>
+        </a:defRPr>
+      </a:lvl6pPr>
+      <a:lvl7pPr marL="2743200" algn="l" defTabSz="914400" rtl="0" eaLnBrk="1" latinLnBrk="0" hangingPunct="1">
+        <a:defRPr sz="1800" kern="1200">
+          <a:solidFill>
+            <a:schemeClr val="tx1"/>
+          </a:solidFill>
+          <a:latin typeface="+mn-lt"/>
+          <a:ea typeface="+mn-ea"/>
+          <a:cs typeface="+mn-cs"/>
+        </a:defRPr>
+      </a:lvl7pPr>
+      <a:lvl8pPr marL="3200400" algn="l" defTabSz="914400" rtl="0" eaLnBrk="1" latinLnBrk="0" hangingPunct="1">
+        <a:defRPr sz="1800" kern="1200">
+          <a:solidFill>
+            <a:schemeClr val="tx1"/>
+          </a:solidFill>
+          <a:latin typeface="+mn-lt"/>
+          <a:ea typeface="+mn-ea"/>
+          <a:cs typeface="+mn-cs"/>
+        </a:defRPr>
+      </a:lvl8pPr>
+      <a:lvl9pPr marL="3657600" algn="l" defTabSz="914400" rtl="0" eaLnBrk="1" latinLnBrk="0" hangingPunct="1">
+        <a:defRPr sz="1800" kern="1200">
+          <a:solidFill>
+            <a:schemeClr val="tx1"/>
+          </a:solidFill>
+          <a:latin typeface="+mn-lt"/>
+          <a:ea typeface="+mn-ea"/>
+          <a:cs typeface="+mn-cs"/>
+        </a:defRPr>
+      </a:lvl9pPr>
+    </p:otherStyle>
+  </p:txStyles>
 </p:sldMaster>
 </file>
 
 <file path=ppt/slideMasters/slideMaster3.xml><?xml version="1.0" encoding="utf-8"?>
-<p:sldMaster xmlns:a="http://schemas.openxmlformats.org/drawingml/2006/main" xmlns:p="http://schemas.openxmlformats.org/presentationml/2006/main" xmlns:r="http://schemas.openxmlformats.org/officeDocument/2006/relationships" xmlns:p14="http://schemas.microsoft.com/office/powerpoint/2010/main" xmlns:p15="http://schemas.microsoft.com/office/powerpoint/2012/main" xmlns:mc="http://schemas.openxmlformats.org/markup-compatibility/2006">
+<p:sldMaster xmlns:a="http://schemas.openxmlformats.org/drawingml/2006/main" xmlns:r="http://schemas.openxmlformats.org/officeDocument/2006/relationships" xmlns:p="http://schemas.openxmlformats.org/presentationml/2006/main">
   <p:cSld>
     <p:bg>
       <p:bgPr>
         <a:solidFill>
-          <a:srgbClr val="ffffff"/>
+          <a:srgbClr val="FFFFFF"/>
         </a:solidFill>
+        <a:effectLst/>
       </p:bgPr>
     </p:bg>
     <p:spTree>
@@ -5180,33 +5875,23 @@
           </a:prstGeom>
         </p:spPr>
         <p:txBody>
-          <a:bodyPr lIns="0" rIns="0" tIns="0" bIns="0" anchor="ctr"/>
+          <a:bodyPr lIns="0" tIns="0" rIns="0" bIns="0" anchor="ctr"/>
+          <a:lstStyle/>
           <a:p>
             <a:r>
-              <a:rPr b="0" lang="en-US" sz="1800" spc="-1" strike="noStrike">
+              <a:rPr lang="en-US" sz="1800" b="0" strike="noStrike" spc="-1">
                 <a:solidFill>
                   <a:srgbClr val="000000"/>
                 </a:solidFill>
                 <a:uFill>
                   <a:solidFill>
-                    <a:srgbClr val="ffffff"/>
+                    <a:srgbClr val="FFFFFF"/>
                   </a:solidFill>
                 </a:uFill>
                 <a:latin typeface="Arial"/>
               </a:rPr>
               <a:t>Click to edit the title text format</a:t>
             </a:r>
-            <a:endParaRPr b="0" lang="en-US" sz="1800" spc="-1" strike="noStrike">
-              <a:solidFill>
-                <a:srgbClr val="000000"/>
-              </a:solidFill>
-              <a:uFill>
-                <a:solidFill>
-                  <a:srgbClr val="ffffff"/>
-                </a:solidFill>
-              </a:uFill>
-              <a:latin typeface="Arial"/>
-            </a:endParaRPr>
           </a:p>
         </p:txBody>
       </p:sp>
@@ -5230,7 +5915,8 @@
           </a:prstGeom>
         </p:spPr>
         <p:txBody>
-          <a:bodyPr lIns="0" rIns="0" tIns="0" bIns="0"/>
+          <a:bodyPr lIns="0" tIns="0" rIns="0" bIns="0"/>
+          <a:lstStyle/>
           <a:p>
             <a:pPr marL="432000" indent="-324000">
               <a:buClr>
@@ -5241,33 +5927,22 @@
               <a:buChar char=""/>
             </a:pPr>
             <a:r>
-              <a:rPr b="0" lang="en-US" sz="2800" spc="-1" strike="noStrike">
+              <a:rPr lang="en-US" sz="2800" b="0" strike="noStrike" spc="-1">
                 <a:solidFill>
                   <a:srgbClr val="000000"/>
                 </a:solidFill>
                 <a:uFill>
                   <a:solidFill>
-                    <a:srgbClr val="ffffff"/>
+                    <a:srgbClr val="FFFFFF"/>
                   </a:solidFill>
                 </a:uFill>
                 <a:latin typeface="Arial"/>
               </a:rPr>
               <a:t>Click to edit the outline text format</a:t>
             </a:r>
-            <a:endParaRPr b="0" lang="en-US" sz="2800" spc="-1" strike="noStrike">
-              <a:solidFill>
-                <a:srgbClr val="000000"/>
-              </a:solidFill>
-              <a:uFill>
-                <a:solidFill>
-                  <a:srgbClr val="ffffff"/>
-                </a:solidFill>
-              </a:uFill>
-              <a:latin typeface="Arial"/>
-            </a:endParaRPr>
-          </a:p>
-          <a:p>
-            <a:pPr lvl="1" marL="864000" indent="-324000">
+          </a:p>
+          <a:p>
+            <a:pPr marL="864000" lvl="1" indent="-324000">
               <a:buClr>
                 <a:srgbClr val="000000"/>
               </a:buClr>
@@ -5276,33 +5951,22 @@
               <a:buChar char=""/>
             </a:pPr>
             <a:r>
-              <a:rPr b="0" lang="en-US" sz="2000" spc="-1" strike="noStrike">
+              <a:rPr lang="en-US" sz="2000" b="0" strike="noStrike" spc="-1">
                 <a:solidFill>
                   <a:srgbClr val="000000"/>
                 </a:solidFill>
                 <a:uFill>
                   <a:solidFill>
-                    <a:srgbClr val="ffffff"/>
+                    <a:srgbClr val="FFFFFF"/>
                   </a:solidFill>
                 </a:uFill>
                 <a:latin typeface="Arial"/>
               </a:rPr>
               <a:t>Second Outline Level</a:t>
             </a:r>
-            <a:endParaRPr b="0" lang="en-US" sz="2000" spc="-1" strike="noStrike">
-              <a:solidFill>
-                <a:srgbClr val="000000"/>
-              </a:solidFill>
-              <a:uFill>
-                <a:solidFill>
-                  <a:srgbClr val="ffffff"/>
-                </a:solidFill>
-              </a:uFill>
-              <a:latin typeface="Arial"/>
-            </a:endParaRPr>
-          </a:p>
-          <a:p>
-            <a:pPr lvl="2" marL="1296000" indent="-288000">
+          </a:p>
+          <a:p>
+            <a:pPr marL="1296000" lvl="2" indent="-288000">
               <a:buClr>
                 <a:srgbClr val="000000"/>
               </a:buClr>
@@ -5311,33 +5975,22 @@
               <a:buChar char=""/>
             </a:pPr>
             <a:r>
-              <a:rPr b="0" lang="en-US" sz="1800" spc="-1" strike="noStrike">
+              <a:rPr lang="en-US" sz="1800" b="0" strike="noStrike" spc="-1">
                 <a:solidFill>
                   <a:srgbClr val="000000"/>
                 </a:solidFill>
                 <a:uFill>
                   <a:solidFill>
-                    <a:srgbClr val="ffffff"/>
+                    <a:srgbClr val="FFFFFF"/>
                   </a:solidFill>
                 </a:uFill>
                 <a:latin typeface="Arial"/>
               </a:rPr>
               <a:t>Third Outline Level</a:t>
             </a:r>
-            <a:endParaRPr b="0" lang="en-US" sz="1800" spc="-1" strike="noStrike">
-              <a:solidFill>
-                <a:srgbClr val="000000"/>
-              </a:solidFill>
-              <a:uFill>
-                <a:solidFill>
-                  <a:srgbClr val="ffffff"/>
-                </a:solidFill>
-              </a:uFill>
-              <a:latin typeface="Arial"/>
-            </a:endParaRPr>
-          </a:p>
-          <a:p>
-            <a:pPr lvl="3" marL="1728000" indent="-216000">
+          </a:p>
+          <a:p>
+            <a:pPr marL="1728000" lvl="3" indent="-216000">
               <a:buClr>
                 <a:srgbClr val="000000"/>
               </a:buClr>
@@ -5346,33 +5999,22 @@
               <a:buChar char=""/>
             </a:pPr>
             <a:r>
-              <a:rPr b="0" lang="en-US" sz="1800" spc="-1" strike="noStrike">
+              <a:rPr lang="en-US" sz="1800" b="0" strike="noStrike" spc="-1">
                 <a:solidFill>
                   <a:srgbClr val="000000"/>
                 </a:solidFill>
                 <a:uFill>
                   <a:solidFill>
-                    <a:srgbClr val="ffffff"/>
+                    <a:srgbClr val="FFFFFF"/>
                   </a:solidFill>
                 </a:uFill>
                 <a:latin typeface="Arial"/>
               </a:rPr>
               <a:t>Fourth Outline Level</a:t>
             </a:r>
-            <a:endParaRPr b="0" lang="en-US" sz="1800" spc="-1" strike="noStrike">
-              <a:solidFill>
-                <a:srgbClr val="000000"/>
-              </a:solidFill>
-              <a:uFill>
-                <a:solidFill>
-                  <a:srgbClr val="ffffff"/>
-                </a:solidFill>
-              </a:uFill>
-              <a:latin typeface="Arial"/>
-            </a:endParaRPr>
-          </a:p>
-          <a:p>
-            <a:pPr lvl="4" marL="2160000" indent="-216000">
+          </a:p>
+          <a:p>
+            <a:pPr marL="2160000" lvl="4" indent="-216000">
               <a:buClr>
                 <a:srgbClr val="000000"/>
               </a:buClr>
@@ -5381,33 +6023,22 @@
               <a:buChar char=""/>
             </a:pPr>
             <a:r>
-              <a:rPr b="0" lang="en-US" sz="2000" spc="-1" strike="noStrike">
+              <a:rPr lang="en-US" sz="2000" b="0" strike="noStrike" spc="-1">
                 <a:solidFill>
                   <a:srgbClr val="000000"/>
                 </a:solidFill>
                 <a:uFill>
                   <a:solidFill>
-                    <a:srgbClr val="ffffff"/>
+                    <a:srgbClr val="FFFFFF"/>
                   </a:solidFill>
                 </a:uFill>
                 <a:latin typeface="Arial"/>
               </a:rPr>
               <a:t>Fifth Outline Level</a:t>
             </a:r>
-            <a:endParaRPr b="0" lang="en-US" sz="2000" spc="-1" strike="noStrike">
-              <a:solidFill>
-                <a:srgbClr val="000000"/>
-              </a:solidFill>
-              <a:uFill>
-                <a:solidFill>
-                  <a:srgbClr val="ffffff"/>
-                </a:solidFill>
-              </a:uFill>
-              <a:latin typeface="Arial"/>
-            </a:endParaRPr>
-          </a:p>
-          <a:p>
-            <a:pPr lvl="5" marL="2592000" indent="-216000">
+          </a:p>
+          <a:p>
+            <a:pPr marL="2592000" lvl="5" indent="-216000">
               <a:buClr>
                 <a:srgbClr val="000000"/>
               </a:buClr>
@@ -5416,33 +6047,22 @@
               <a:buChar char=""/>
             </a:pPr>
             <a:r>
-              <a:rPr b="0" lang="en-US" sz="2000" spc="-1" strike="noStrike">
+              <a:rPr lang="en-US" sz="2000" b="0" strike="noStrike" spc="-1">
                 <a:solidFill>
                   <a:srgbClr val="000000"/>
                 </a:solidFill>
                 <a:uFill>
                   <a:solidFill>
-                    <a:srgbClr val="ffffff"/>
+                    <a:srgbClr val="FFFFFF"/>
                   </a:solidFill>
                 </a:uFill>
                 <a:latin typeface="Arial"/>
               </a:rPr>
               <a:t>Sixth Outline Level</a:t>
             </a:r>
-            <a:endParaRPr b="0" lang="en-US" sz="2000" spc="-1" strike="noStrike">
-              <a:solidFill>
-                <a:srgbClr val="000000"/>
-              </a:solidFill>
-              <a:uFill>
-                <a:solidFill>
-                  <a:srgbClr val="ffffff"/>
-                </a:solidFill>
-              </a:uFill>
-              <a:latin typeface="Arial"/>
-            </a:endParaRPr>
-          </a:p>
-          <a:p>
-            <a:pPr lvl="6" marL="3024000" indent="-216000">
+          </a:p>
+          <a:p>
+            <a:pPr marL="3024000" lvl="6" indent="-216000">
               <a:buClr>
                 <a:srgbClr val="000000"/>
               </a:buClr>
@@ -5451,55 +6071,324 @@
               <a:buChar char=""/>
             </a:pPr>
             <a:r>
-              <a:rPr b="0" lang="en-US" sz="2000" spc="-1" strike="noStrike">
+              <a:rPr lang="en-US" sz="2000" b="0" strike="noStrike" spc="-1">
                 <a:solidFill>
                   <a:srgbClr val="000000"/>
                 </a:solidFill>
                 <a:uFill>
                   <a:solidFill>
-                    <a:srgbClr val="ffffff"/>
+                    <a:srgbClr val="FFFFFF"/>
                   </a:solidFill>
                 </a:uFill>
                 <a:latin typeface="Arial"/>
               </a:rPr>
               <a:t>Seventh Outline Level</a:t>
             </a:r>
-            <a:endParaRPr b="0" lang="en-US" sz="2000" spc="-1" strike="noStrike">
-              <a:solidFill>
-                <a:srgbClr val="000000"/>
-              </a:solidFill>
-              <a:uFill>
-                <a:solidFill>
-                  <a:srgbClr val="ffffff"/>
-                </a:solidFill>
-              </a:uFill>
-              <a:latin typeface="Arial"/>
-            </a:endParaRPr>
           </a:p>
         </p:txBody>
       </p:sp>
     </p:spTree>
   </p:cSld>
-  <p:clrMap bg1="lt1" bg2="lt2" tx1="dk1" tx2="dk2" accent1="accent1" accent2="accent2" accent3="accent3" accent4="accent4" accent5="accent5" accent6="accent6" hlink="hlink" folHlink="folHlink"/>
+  <p:clrMap bg1="lt1" tx1="dk1" bg2="lt2" tx2="dk2" accent1="accent1" accent2="accent2" accent3="accent3" accent4="accent4" accent5="accent5" accent6="accent6" hlink="hlink" folHlink="folHlink"/>
   <p:sldLayoutIdLst>
-    <p:sldLayoutId id="2147483675" r:id="rId2"/>
-    <p:sldLayoutId id="2147483676" r:id="rId3"/>
-    <p:sldLayoutId id="2147483677" r:id="rId4"/>
-    <p:sldLayoutId id="2147483678" r:id="rId5"/>
-    <p:sldLayoutId id="2147483679" r:id="rId6"/>
-    <p:sldLayoutId id="2147483680" r:id="rId7"/>
-    <p:sldLayoutId id="2147483681" r:id="rId8"/>
-    <p:sldLayoutId id="2147483682" r:id="rId9"/>
-    <p:sldLayoutId id="2147483683" r:id="rId10"/>
-    <p:sldLayoutId id="2147483684" r:id="rId11"/>
-    <p:sldLayoutId id="2147483685" r:id="rId12"/>
-    <p:sldLayoutId id="2147483686" r:id="rId13"/>
+    <p:sldLayoutId id="2147483675" r:id="rId1"/>
+    <p:sldLayoutId id="2147483676" r:id="rId2"/>
+    <p:sldLayoutId id="2147483677" r:id="rId3"/>
+    <p:sldLayoutId id="2147483678" r:id="rId4"/>
+    <p:sldLayoutId id="2147483679" r:id="rId5"/>
+    <p:sldLayoutId id="2147483680" r:id="rId6"/>
+    <p:sldLayoutId id="2147483681" r:id="rId7"/>
+    <p:sldLayoutId id="2147483682" r:id="rId8"/>
+    <p:sldLayoutId id="2147483683" r:id="rId9"/>
+    <p:sldLayoutId id="2147483684" r:id="rId10"/>
+    <p:sldLayoutId id="2147483685" r:id="rId11"/>
+    <p:sldLayoutId id="2147483686" r:id="rId12"/>
   </p:sldLayoutIdLst>
+  <p:txStyles>
+    <p:titleStyle>
+      <a:lvl1pPr algn="l" defTabSz="914400" rtl="0" eaLnBrk="1" latinLnBrk="0" hangingPunct="1">
+        <a:lnSpc>
+          <a:spcPct val="90000"/>
+        </a:lnSpc>
+        <a:spcBef>
+          <a:spcPct val="0"/>
+        </a:spcBef>
+        <a:buNone/>
+        <a:defRPr sz="4400" kern="1200">
+          <a:solidFill>
+            <a:schemeClr val="tx1"/>
+          </a:solidFill>
+          <a:latin typeface="+mj-lt"/>
+          <a:ea typeface="+mj-ea"/>
+          <a:cs typeface="+mj-cs"/>
+        </a:defRPr>
+      </a:lvl1pPr>
+    </p:titleStyle>
+    <p:bodyStyle>
+      <a:lvl1pPr marL="228600" indent="-228600" algn="l" defTabSz="914400" rtl="0" eaLnBrk="1" latinLnBrk="0" hangingPunct="1">
+        <a:lnSpc>
+          <a:spcPct val="90000"/>
+        </a:lnSpc>
+        <a:spcBef>
+          <a:spcPts val="1000"/>
+        </a:spcBef>
+        <a:buFont typeface="Arial" panose="020B0604020202020204" pitchFamily="34" charset="0"/>
+        <a:buChar char="•"/>
+        <a:defRPr sz="2800" kern="1200">
+          <a:solidFill>
+            <a:schemeClr val="tx1"/>
+          </a:solidFill>
+          <a:latin typeface="+mn-lt"/>
+          <a:ea typeface="+mn-ea"/>
+          <a:cs typeface="+mn-cs"/>
+        </a:defRPr>
+      </a:lvl1pPr>
+      <a:lvl2pPr marL="685800" indent="-228600" algn="l" defTabSz="914400" rtl="0" eaLnBrk="1" latinLnBrk="0" hangingPunct="1">
+        <a:lnSpc>
+          <a:spcPct val="90000"/>
+        </a:lnSpc>
+        <a:spcBef>
+          <a:spcPts val="500"/>
+        </a:spcBef>
+        <a:buFont typeface="Arial" panose="020B0604020202020204" pitchFamily="34" charset="0"/>
+        <a:buChar char="•"/>
+        <a:defRPr sz="2400" kern="1200">
+          <a:solidFill>
+            <a:schemeClr val="tx1"/>
+          </a:solidFill>
+          <a:latin typeface="+mn-lt"/>
+          <a:ea typeface="+mn-ea"/>
+          <a:cs typeface="+mn-cs"/>
+        </a:defRPr>
+      </a:lvl2pPr>
+      <a:lvl3pPr marL="1143000" indent="-228600" algn="l" defTabSz="914400" rtl="0" eaLnBrk="1" latinLnBrk="0" hangingPunct="1">
+        <a:lnSpc>
+          <a:spcPct val="90000"/>
+        </a:lnSpc>
+        <a:spcBef>
+          <a:spcPts val="500"/>
+        </a:spcBef>
+        <a:buFont typeface="Arial" panose="020B0604020202020204" pitchFamily="34" charset="0"/>
+        <a:buChar char="•"/>
+        <a:defRPr sz="2000" kern="1200">
+          <a:solidFill>
+            <a:schemeClr val="tx1"/>
+          </a:solidFill>
+          <a:latin typeface="+mn-lt"/>
+          <a:ea typeface="+mn-ea"/>
+          <a:cs typeface="+mn-cs"/>
+        </a:defRPr>
+      </a:lvl3pPr>
+      <a:lvl4pPr marL="1600200" indent="-228600" algn="l" defTabSz="914400" rtl="0" eaLnBrk="1" latinLnBrk="0" hangingPunct="1">
+        <a:lnSpc>
+          <a:spcPct val="90000"/>
+        </a:lnSpc>
+        <a:spcBef>
+          <a:spcPts val="500"/>
+        </a:spcBef>
+        <a:buFont typeface="Arial" panose="020B0604020202020204" pitchFamily="34" charset="0"/>
+        <a:buChar char="•"/>
+        <a:defRPr sz="1800" kern="1200">
+          <a:solidFill>
+            <a:schemeClr val="tx1"/>
+          </a:solidFill>
+          <a:latin typeface="+mn-lt"/>
+          <a:ea typeface="+mn-ea"/>
+          <a:cs typeface="+mn-cs"/>
+        </a:defRPr>
+      </a:lvl4pPr>
+      <a:lvl5pPr marL="2057400" indent="-228600" algn="l" defTabSz="914400" rtl="0" eaLnBrk="1" latinLnBrk="0" hangingPunct="1">
+        <a:lnSpc>
+          <a:spcPct val="90000"/>
+        </a:lnSpc>
+        <a:spcBef>
+          <a:spcPts val="500"/>
+        </a:spcBef>
+        <a:buFont typeface="Arial" panose="020B0604020202020204" pitchFamily="34" charset="0"/>
+        <a:buChar char="•"/>
+        <a:defRPr sz="1800" kern="1200">
+          <a:solidFill>
+            <a:schemeClr val="tx1"/>
+          </a:solidFill>
+          <a:latin typeface="+mn-lt"/>
+          <a:ea typeface="+mn-ea"/>
+          <a:cs typeface="+mn-cs"/>
+        </a:defRPr>
+      </a:lvl5pPr>
+      <a:lvl6pPr marL="2514600" indent="-228600" algn="l" defTabSz="914400" rtl="0" eaLnBrk="1" latinLnBrk="0" hangingPunct="1">
+        <a:lnSpc>
+          <a:spcPct val="90000"/>
+        </a:lnSpc>
+        <a:spcBef>
+          <a:spcPts val="500"/>
+        </a:spcBef>
+        <a:buFont typeface="Arial" panose="020B0604020202020204" pitchFamily="34" charset="0"/>
+        <a:buChar char="•"/>
+        <a:defRPr sz="1800" kern="1200">
+          <a:solidFill>
+            <a:schemeClr val="tx1"/>
+          </a:solidFill>
+          <a:latin typeface="+mn-lt"/>
+          <a:ea typeface="+mn-ea"/>
+          <a:cs typeface="+mn-cs"/>
+        </a:defRPr>
+      </a:lvl6pPr>
+      <a:lvl7pPr marL="2971800" indent="-228600" algn="l" defTabSz="914400" rtl="0" eaLnBrk="1" latinLnBrk="0" hangingPunct="1">
+        <a:lnSpc>
+          <a:spcPct val="90000"/>
+        </a:lnSpc>
+        <a:spcBef>
+          <a:spcPts val="500"/>
+        </a:spcBef>
+        <a:buFont typeface="Arial" panose="020B0604020202020204" pitchFamily="34" charset="0"/>
+        <a:buChar char="•"/>
+        <a:defRPr sz="1800" kern="1200">
+          <a:solidFill>
+            <a:schemeClr val="tx1"/>
+          </a:solidFill>
+          <a:latin typeface="+mn-lt"/>
+          <a:ea typeface="+mn-ea"/>
+          <a:cs typeface="+mn-cs"/>
+        </a:defRPr>
+      </a:lvl7pPr>
+      <a:lvl8pPr marL="3429000" indent="-228600" algn="l" defTabSz="914400" rtl="0" eaLnBrk="1" latinLnBrk="0" hangingPunct="1">
+        <a:lnSpc>
+          <a:spcPct val="90000"/>
+        </a:lnSpc>
+        <a:spcBef>
+          <a:spcPts val="500"/>
+        </a:spcBef>
+        <a:buFont typeface="Arial" panose="020B0604020202020204" pitchFamily="34" charset="0"/>
+        <a:buChar char="•"/>
+        <a:defRPr sz="1800" kern="1200">
+          <a:solidFill>
+            <a:schemeClr val="tx1"/>
+          </a:solidFill>
+          <a:latin typeface="+mn-lt"/>
+          <a:ea typeface="+mn-ea"/>
+          <a:cs typeface="+mn-cs"/>
+        </a:defRPr>
+      </a:lvl8pPr>
+      <a:lvl9pPr marL="3886200" indent="-228600" algn="l" defTabSz="914400" rtl="0" eaLnBrk="1" latinLnBrk="0" hangingPunct="1">
+        <a:lnSpc>
+          <a:spcPct val="90000"/>
+        </a:lnSpc>
+        <a:spcBef>
+          <a:spcPts val="500"/>
+        </a:spcBef>
+        <a:buFont typeface="Arial" panose="020B0604020202020204" pitchFamily="34" charset="0"/>
+        <a:buChar char="•"/>
+        <a:defRPr sz="1800" kern="1200">
+          <a:solidFill>
+            <a:schemeClr val="tx1"/>
+          </a:solidFill>
+          <a:latin typeface="+mn-lt"/>
+          <a:ea typeface="+mn-ea"/>
+          <a:cs typeface="+mn-cs"/>
+        </a:defRPr>
+      </a:lvl9pPr>
+    </p:bodyStyle>
+    <p:otherStyle>
+      <a:defPPr>
+        <a:defRPr lang="en-US"/>
+      </a:defPPr>
+      <a:lvl1pPr marL="0" algn="l" defTabSz="914400" rtl="0" eaLnBrk="1" latinLnBrk="0" hangingPunct="1">
+        <a:defRPr sz="1800" kern="1200">
+          <a:solidFill>
+            <a:schemeClr val="tx1"/>
+          </a:solidFill>
+          <a:latin typeface="+mn-lt"/>
+          <a:ea typeface="+mn-ea"/>
+          <a:cs typeface="+mn-cs"/>
+        </a:defRPr>
+      </a:lvl1pPr>
+      <a:lvl2pPr marL="457200" algn="l" defTabSz="914400" rtl="0" eaLnBrk="1" latinLnBrk="0" hangingPunct="1">
+        <a:defRPr sz="1800" kern="1200">
+          <a:solidFill>
+            <a:schemeClr val="tx1"/>
+          </a:solidFill>
+          <a:latin typeface="+mn-lt"/>
+          <a:ea typeface="+mn-ea"/>
+          <a:cs typeface="+mn-cs"/>
+        </a:defRPr>
+      </a:lvl2pPr>
+      <a:lvl3pPr marL="914400" algn="l" defTabSz="914400" rtl="0" eaLnBrk="1" latinLnBrk="0" hangingPunct="1">
+        <a:defRPr sz="1800" kern="1200">
+          <a:solidFill>
+            <a:schemeClr val="tx1"/>
+          </a:solidFill>
+          <a:latin typeface="+mn-lt"/>
+          <a:ea typeface="+mn-ea"/>
+          <a:cs typeface="+mn-cs"/>
+        </a:defRPr>
+      </a:lvl3pPr>
+      <a:lvl4pPr marL="1371600" algn="l" defTabSz="914400" rtl="0" eaLnBrk="1" latinLnBrk="0" hangingPunct="1">
+        <a:defRPr sz="1800" kern="1200">
+          <a:solidFill>
+            <a:schemeClr val="tx1"/>
+          </a:solidFill>
+          <a:latin typeface="+mn-lt"/>
+          <a:ea typeface="+mn-ea"/>
+          <a:cs typeface="+mn-cs"/>
+        </a:defRPr>
+      </a:lvl4pPr>
+      <a:lvl5pPr marL="1828800" algn="l" defTabSz="914400" rtl="0" eaLnBrk="1" latinLnBrk="0" hangingPunct="1">
+        <a:defRPr sz="1800" kern="1200">
+          <a:solidFill>
+            <a:schemeClr val="tx1"/>
+          </a:solidFill>
+          <a:latin typeface="+mn-lt"/>
+          <a:ea typeface="+mn-ea"/>
+          <a:cs typeface="+mn-cs"/>
+        </a:defRPr>
+      </a:lvl5pPr>
+      <a:lvl6pPr marL="2286000" algn="l" defTabSz="914400" rtl="0" eaLnBrk="1" latinLnBrk="0" hangingPunct="1">
+        <a:defRPr sz="1800" kern="1200">
+          <a:solidFill>
+            <a:schemeClr val="tx1"/>
+          </a:solidFill>
+          <a:latin typeface="+mn-lt"/>
+          <a:ea typeface="+mn-ea"/>
+          <a:cs typeface="+mn-cs"/>
+        </a:defRPr>
+      </a:lvl6pPr>
+      <a:lvl7pPr marL="2743200" algn="l" defTabSz="914400" rtl="0" eaLnBrk="1" latinLnBrk="0" hangingPunct="1">
+        <a:defRPr sz="1800" kern="1200">
+          <a:solidFill>
+            <a:schemeClr val="tx1"/>
+          </a:solidFill>
+          <a:latin typeface="+mn-lt"/>
+          <a:ea typeface="+mn-ea"/>
+          <a:cs typeface="+mn-cs"/>
+        </a:defRPr>
+      </a:lvl7pPr>
+      <a:lvl8pPr marL="3200400" algn="l" defTabSz="914400" rtl="0" eaLnBrk="1" latinLnBrk="0" hangingPunct="1">
+        <a:defRPr sz="1800" kern="1200">
+          <a:solidFill>
+            <a:schemeClr val="tx1"/>
+          </a:solidFill>
+          <a:latin typeface="+mn-lt"/>
+          <a:ea typeface="+mn-ea"/>
+          <a:cs typeface="+mn-cs"/>
+        </a:defRPr>
+      </a:lvl8pPr>
+      <a:lvl9pPr marL="3657600" algn="l" defTabSz="914400" rtl="0" eaLnBrk="1" latinLnBrk="0" hangingPunct="1">
+        <a:defRPr sz="1800" kern="1200">
+          <a:solidFill>
+            <a:schemeClr val="tx1"/>
+          </a:solidFill>
+          <a:latin typeface="+mn-lt"/>
+          <a:ea typeface="+mn-ea"/>
+          <a:cs typeface="+mn-cs"/>
+        </a:defRPr>
+      </a:lvl9pPr>
+    </p:otherStyle>
+  </p:txStyles>
 </p:sldMaster>
 </file>
 
 <file path=ppt/slides/slide1.xml><?xml version="1.0" encoding="utf-8"?>
-<p:sld xmlns:a="http://schemas.openxmlformats.org/drawingml/2006/main" xmlns:p="http://schemas.openxmlformats.org/presentationml/2006/main" xmlns:r="http://schemas.openxmlformats.org/officeDocument/2006/relationships" xmlns:p14="http://schemas.microsoft.com/office/powerpoint/2010/main" xmlns:p15="http://schemas.microsoft.com/office/powerpoint/2012/main" xmlns:mc="http://schemas.openxmlformats.org/markup-compatibility/2006">
+<p:sld xmlns:a="http://schemas.openxmlformats.org/drawingml/2006/main" xmlns:r="http://schemas.openxmlformats.org/officeDocument/2006/relationships" xmlns:p="http://schemas.openxmlformats.org/presentationml/2006/main">
   <p:cSld>
     <p:spTree>
       <p:nvGrpSpPr>
@@ -5535,13 +6424,20 @@
           </a:ln>
         </p:spPr>
         <p:style>
-          <a:lnRef idx="0"/>
-          <a:fillRef idx="0"/>
-          <a:effectRef idx="0"/>
+          <a:lnRef idx="0">
+            <a:scrgbClr r="0" g="0" b="0"/>
+          </a:lnRef>
+          <a:fillRef idx="0">
+            <a:scrgbClr r="0" g="0" b="0"/>
+          </a:fillRef>
+          <a:effectRef idx="0">
+            <a:scrgbClr r="0" g="0" b="0"/>
+          </a:effectRef>
           <a:fontRef idx="minor"/>
         </p:style>
         <p:txBody>
-          <a:bodyPr lIns="0" rIns="0" tIns="0" bIns="0" anchor="ctr"/>
+          <a:bodyPr lIns="0" tIns="0" rIns="0" bIns="0" anchor="ctr"/>
+          <a:lstStyle/>
           <a:p>
             <a:pPr algn="ctr">
               <a:lnSpc>
@@ -5549,13 +6445,13 @@
               </a:lnSpc>
             </a:pPr>
             <a:r>
-              <a:rPr b="0" lang="en-GB" sz="4800" spc="-1" strike="noStrike">
+              <a:rPr lang="en-GB" sz="4800" b="0" strike="noStrike" spc="-1">
                 <a:solidFill>
                   <a:srgbClr val="000000"/>
                 </a:solidFill>
                 <a:uFill>
                   <a:solidFill>
-                    <a:srgbClr val="ffffff"/>
+                    <a:srgbClr val="FFFFFF"/>
                   </a:solidFill>
                 </a:uFill>
                 <a:latin typeface="Arial"/>
@@ -5563,13 +6459,13 @@
               </a:rPr>
               <a:t>Aberystwyth Robotics Club</a:t>
             </a:r>
-            <a:endParaRPr b="0" lang="en-GB" sz="1800" spc="-1" strike="noStrike">
-              <a:solidFill>
-                <a:srgbClr val="000000"/>
-              </a:solidFill>
-              <a:uFill>
-                <a:solidFill>
-                  <a:srgbClr val="ffffff"/>
+            <a:endParaRPr lang="en-GB" sz="1800" b="0" strike="noStrike" spc="-1">
+              <a:solidFill>
+                <a:srgbClr val="000000"/>
+              </a:solidFill>
+              <a:uFill>
+                <a:solidFill>
+                  <a:srgbClr val="FFFFFF"/>
                 </a:solidFill>
               </a:uFill>
               <a:latin typeface="Arial"/>
@@ -5582,13 +6478,13 @@
               </a:lnSpc>
             </a:pPr>
             <a:r>
-              <a:rPr b="0" lang="en-GB" sz="4800" spc="-1" strike="noStrike">
+              <a:rPr lang="en-GB" sz="4800" b="0" strike="noStrike" spc="-1">
                 <a:solidFill>
                   <a:srgbClr val="000000"/>
                 </a:solidFill>
                 <a:uFill>
                   <a:solidFill>
-                    <a:srgbClr val="ffffff"/>
+                    <a:srgbClr val="FFFFFF"/>
                   </a:solidFill>
                 </a:uFill>
                 <a:latin typeface="Arial"/>
@@ -5596,13 +6492,13 @@
               </a:rPr>
               <a:t>News</a:t>
             </a:r>
-            <a:endParaRPr b="0" lang="en-GB" sz="1800" spc="-1" strike="noStrike">
-              <a:solidFill>
-                <a:srgbClr val="000000"/>
-              </a:solidFill>
-              <a:uFill>
-                <a:solidFill>
-                  <a:srgbClr val="ffffff"/>
+            <a:endParaRPr lang="en-GB" sz="1800" b="0" strike="noStrike" spc="-1">
+              <a:solidFill>
+                <a:srgbClr val="000000"/>
+              </a:solidFill>
+              <a:uFill>
+                <a:solidFill>
+                  <a:srgbClr val="FFFFFF"/>
                 </a:solidFill>
               </a:uFill>
               <a:latin typeface="Arial"/>
@@ -5615,13 +6511,13 @@
               </a:lnSpc>
             </a:pPr>
             <a:r>
-              <a:rPr b="0" lang="en-GB" sz="4800" spc="-1" strike="noStrike">
+              <a:rPr lang="en-GB" sz="4800" b="0" strike="noStrike" spc="-1">
                 <a:solidFill>
                   <a:srgbClr val="000000"/>
                 </a:solidFill>
                 <a:uFill>
                   <a:solidFill>
-                    <a:srgbClr val="ffffff"/>
+                    <a:srgbClr val="FFFFFF"/>
                   </a:solidFill>
                 </a:uFill>
                 <a:latin typeface="Arial"/>
@@ -5629,13 +6525,13 @@
               </a:rPr>
               <a:t>08/11/2017</a:t>
             </a:r>
-            <a:endParaRPr b="0" lang="en-GB" sz="1800" spc="-1" strike="noStrike">
-              <a:solidFill>
-                <a:srgbClr val="000000"/>
-              </a:solidFill>
-              <a:uFill>
-                <a:solidFill>
-                  <a:srgbClr val="ffffff"/>
+            <a:endParaRPr lang="en-GB" sz="1800" b="0" strike="noStrike" spc="-1">
+              <a:solidFill>
+                <a:srgbClr val="000000"/>
+              </a:solidFill>
+              <a:uFill>
+                <a:solidFill>
+                  <a:srgbClr val="FFFFFF"/>
                 </a:solidFill>
               </a:uFill>
               <a:latin typeface="Arial"/>
@@ -5647,13 +6543,13 @@
                 <a:spcPct val="100000"/>
               </a:lnSpc>
             </a:pPr>
-            <a:endParaRPr b="0" lang="en-GB" sz="1800" spc="-1" strike="noStrike">
-              <a:solidFill>
-                <a:srgbClr val="000000"/>
-              </a:solidFill>
-              <a:uFill>
-                <a:solidFill>
-                  <a:srgbClr val="ffffff"/>
+            <a:endParaRPr lang="en-GB" sz="1800" b="0" strike="noStrike" spc="-1">
+              <a:solidFill>
+                <a:srgbClr val="000000"/>
+              </a:solidFill>
+              <a:uFill>
+                <a:solidFill>
+                  <a:srgbClr val="FFFFFF"/>
                 </a:solidFill>
               </a:uFill>
               <a:latin typeface="Arial"/>
@@ -5666,13 +6562,13 @@
               </a:lnSpc>
             </a:pPr>
             <a:r>
-              <a:rPr b="0" lang="en-GB" sz="3200" spc="-1" strike="noStrike">
+              <a:rPr lang="en-GB" sz="3200" b="0" strike="noStrike" spc="-1">
                 <a:solidFill>
                   <a:srgbClr val="000000"/>
                 </a:solidFill>
                 <a:uFill>
                   <a:solidFill>
-                    <a:srgbClr val="ffffff"/>
+                    <a:srgbClr val="FFFFFF"/>
                   </a:solidFill>
                 </a:uFill>
                 <a:latin typeface="Arial"/>
@@ -5680,13 +6576,13 @@
               </a:rPr>
               <a:t>Tomos Fearn</a:t>
             </a:r>
-            <a:endParaRPr b="0" lang="en-GB" sz="1800" spc="-1" strike="noStrike">
-              <a:solidFill>
-                <a:srgbClr val="000000"/>
-              </a:solidFill>
-              <a:uFill>
-                <a:solidFill>
-                  <a:srgbClr val="ffffff"/>
+            <a:endParaRPr lang="en-GB" sz="1800" b="0" strike="noStrike" spc="-1">
+              <a:solidFill>
+                <a:srgbClr val="000000"/>
+              </a:solidFill>
+              <a:uFill>
+                <a:solidFill>
+                  <a:srgbClr val="FFFFFF"/>
                 </a:solidFill>
               </a:uFill>
               <a:latin typeface="Arial"/>
@@ -5699,29 +6595,29 @@
               </a:lnSpc>
             </a:pPr>
             <a:r>
-              <a:rPr b="0" lang="en-GB" sz="3200" spc="-1" strike="noStrike" u="sng">
-                <a:solidFill>
-                  <a:srgbClr val="0000ff"/>
+              <a:rPr lang="en-GB" sz="3200" b="0" u="sng" strike="noStrike" spc="-1">
+                <a:solidFill>
+                  <a:srgbClr val="0000FF"/>
                 </a:solidFill>
                 <a:uFill>
                   <a:solidFill>
-                    <a:srgbClr val="ffffff"/>
+                    <a:srgbClr val="FFFFFF"/>
                   </a:solidFill>
                 </a:uFill>
                 <a:latin typeface="Arial"/>
                 <a:ea typeface="DejaVu Sans"/>
-                <a:hlinkClick r:id="rId1"/>
+                <a:hlinkClick r:id="rId2"/>
               </a:rPr>
               <a:t>tomos@aberrobotics.club</a:t>
             </a:r>
             <a:r>
-              <a:rPr b="0" lang="en-GB" sz="3200" spc="-1" strike="noStrike">
+              <a:rPr lang="en-GB" sz="3200" b="0" strike="noStrike" spc="-1">
                 <a:solidFill>
                   <a:srgbClr val="000000"/>
                 </a:solidFill>
                 <a:uFill>
                   <a:solidFill>
-                    <a:srgbClr val="ffffff"/>
+                    <a:srgbClr val="FFFFFF"/>
                   </a:solidFill>
                 </a:uFill>
                 <a:latin typeface="Arial"/>
@@ -5729,13 +6625,13 @@
               </a:rPr>
               <a:t> </a:t>
             </a:r>
-            <a:endParaRPr b="0" lang="en-GB" sz="1800" spc="-1" strike="noStrike">
-              <a:solidFill>
-                <a:srgbClr val="000000"/>
-              </a:solidFill>
-              <a:uFill>
-                <a:solidFill>
-                  <a:srgbClr val="ffffff"/>
+            <a:endParaRPr lang="en-GB" sz="1800" b="0" strike="noStrike" spc="-1">
+              <a:solidFill>
+                <a:srgbClr val="000000"/>
+              </a:solidFill>
+              <a:uFill>
+                <a:solidFill>
+                  <a:srgbClr val="FFFFFF"/>
                 </a:solidFill>
               </a:uFill>
               <a:latin typeface="Arial"/>
@@ -5745,12 +6641,12 @@
       </p:sp>
       <p:pic>
         <p:nvPicPr>
-          <p:cNvPr id="109" name="Picture 3" descr=""/>
+          <p:cNvPr id="109" name="Picture 3"/>
           <p:cNvPicPr/>
           <p:nvPr/>
         </p:nvPicPr>
         <p:blipFill>
-          <a:blip r:embed="rId2"/>
+          <a:blip r:embed="rId3"/>
           <a:stretch/>
         </p:blipFill>
         <p:spPr>
@@ -5786,13 +6682,20 @@
           </a:ln>
         </p:spPr>
         <p:style>
-          <a:lnRef idx="0"/>
-          <a:fillRef idx="0"/>
-          <a:effectRef idx="0"/>
+          <a:lnRef idx="0">
+            <a:scrgbClr r="0" g="0" b="0"/>
+          </a:lnRef>
+          <a:fillRef idx="0">
+            <a:scrgbClr r="0" g="0" b="0"/>
+          </a:fillRef>
+          <a:effectRef idx="0">
+            <a:scrgbClr r="0" g="0" b="0"/>
+          </a:effectRef>
           <a:fontRef idx="minor"/>
         </p:style>
         <p:txBody>
-          <a:bodyPr lIns="90000" rIns="90000" tIns="45000" bIns="45000"/>
+          <a:bodyPr lIns="90000" tIns="45000" rIns="90000" bIns="45000"/>
+          <a:lstStyle/>
           <a:p>
             <a:pPr>
               <a:lnSpc>
@@ -5800,13 +6703,13 @@
               </a:lnSpc>
             </a:pPr>
             <a:r>
-              <a:rPr b="1" lang="en-GB" sz="3200" spc="-1" strike="noStrike">
+              <a:rPr lang="en-GB" sz="3200" b="1" strike="noStrike" spc="-1">
                 <a:solidFill>
                   <a:srgbClr val="000000"/>
                 </a:solidFill>
                 <a:uFill>
                   <a:solidFill>
-                    <a:srgbClr val="ffffff"/>
+                    <a:srgbClr val="FFFFFF"/>
                   </a:solidFill>
                 </a:uFill>
                 <a:latin typeface="Eras Bold ITC"/>
@@ -5814,13 +6717,13 @@
               </a:rPr>
               <a:t>www.aberrobotics.club</a:t>
             </a:r>
-            <a:endParaRPr b="0" lang="en-GB" sz="1800" spc="-1" strike="noStrike">
-              <a:solidFill>
-                <a:srgbClr val="000000"/>
-              </a:solidFill>
-              <a:uFill>
-                <a:solidFill>
-                  <a:srgbClr val="ffffff"/>
+            <a:endParaRPr lang="en-GB" sz="1800" b="0" strike="noStrike" spc="-1">
+              <a:solidFill>
+                <a:srgbClr val="000000"/>
+              </a:solidFill>
+              <a:uFill>
+                <a:solidFill>
+                  <a:srgbClr val="FFFFFF"/>
                 </a:solidFill>
               </a:uFill>
               <a:latin typeface="Arial"/>
@@ -5830,30 +6733,7 @@
       </p:sp>
       <p:pic>
         <p:nvPicPr>
-          <p:cNvPr id="111" name="Picture 4" descr=""/>
-          <p:cNvPicPr/>
-          <p:nvPr/>
-        </p:nvPicPr>
-        <p:blipFill>
-          <a:blip r:embed="rId3"/>
-          <a:stretch/>
-        </p:blipFill>
-        <p:spPr>
-          <a:xfrm>
-            <a:off x="39240" y="0"/>
-            <a:ext cx="1068480" cy="1077120"/>
-          </a:xfrm>
-          <a:prstGeom prst="rect">
-            <a:avLst/>
-          </a:prstGeom>
-          <a:ln>
-            <a:noFill/>
-          </a:ln>
-        </p:spPr>
-      </p:pic>
-      <p:pic>
-        <p:nvPicPr>
-          <p:cNvPr id="112" name="Picture 4" descr=""/>
+          <p:cNvPr id="111" name="Picture 4"/>
           <p:cNvPicPr/>
           <p:nvPr/>
         </p:nvPicPr>
@@ -5863,8 +6743,8 @@
         </p:blipFill>
         <p:spPr>
           <a:xfrm>
-            <a:off x="3718440" y="4659840"/>
-            <a:ext cx="2641680" cy="2662560"/>
+            <a:off x="39240" y="0"/>
+            <a:ext cx="1068480" cy="1077120"/>
           </a:xfrm>
           <a:prstGeom prst="rect">
             <a:avLst/>
@@ -5874,8 +6754,34 @@
           </a:ln>
         </p:spPr>
       </p:pic>
+      <p:pic>
+        <p:nvPicPr>
+          <p:cNvPr id="112" name="Picture 4"/>
+          <p:cNvPicPr/>
+          <p:nvPr/>
+        </p:nvPicPr>
+        <p:blipFill>
+          <a:blip r:embed="rId4"/>
+          <a:stretch/>
+        </p:blipFill>
+        <p:spPr>
+          <a:xfrm>
+            <a:off x="3718440" y="4659840"/>
+            <a:ext cx="2641680" cy="2662560"/>
+          </a:xfrm>
+          <a:prstGeom prst="rect">
+            <a:avLst/>
+          </a:prstGeom>
+          <a:ln>
+            <a:noFill/>
+          </a:ln>
+        </p:spPr>
+      </p:pic>
     </p:spTree>
   </p:cSld>
+  <p:clrMapOvr>
+    <a:masterClrMapping/>
+  </p:clrMapOvr>
   <p:timing>
     <p:tnLst>
       <p:par>
@@ -5884,14 +6790,14 @@
             <p:seq>
               <p:cTn id="2" nodeType="mainSeq"/>
               <p:prevCondLst>
-                <p:cond delay="0" evt="onPrev">
+                <p:cond evt="onPrev" delay="0">
                   <p:tgtEl>
                     <p:sldTgt/>
                   </p:tgtEl>
                 </p:cond>
               </p:prevCondLst>
               <p:nextCondLst>
-                <p:cond delay="0" evt="onNext">
+                <p:cond evt="onNext" delay="0">
                   <p:tgtEl>
                     <p:sldTgt/>
                   </p:tgtEl>
@@ -5907,7 +6813,7 @@
 </file>
 
 <file path=ppt/slides/slide2.xml><?xml version="1.0" encoding="utf-8"?>
-<p:sld xmlns:a="http://schemas.openxmlformats.org/drawingml/2006/main" xmlns:p="http://schemas.openxmlformats.org/presentationml/2006/main" xmlns:r="http://schemas.openxmlformats.org/officeDocument/2006/relationships" xmlns:p14="http://schemas.microsoft.com/office/powerpoint/2010/main" xmlns:p15="http://schemas.microsoft.com/office/powerpoint/2012/main" xmlns:mc="http://schemas.openxmlformats.org/markup-compatibility/2006">
+<p:sld xmlns:a="http://schemas.openxmlformats.org/drawingml/2006/main" xmlns:r="http://schemas.openxmlformats.org/officeDocument/2006/relationships" xmlns:p="http://schemas.openxmlformats.org/presentationml/2006/main">
   <p:cSld>
     <p:spTree>
       <p:nvGrpSpPr>
@@ -5943,13 +6849,20 @@
           </a:ln>
         </p:spPr>
         <p:style>
-          <a:lnRef idx="0"/>
-          <a:fillRef idx="0"/>
-          <a:effectRef idx="0"/>
+          <a:lnRef idx="0">
+            <a:scrgbClr r="0" g="0" b="0"/>
+          </a:lnRef>
+          <a:fillRef idx="0">
+            <a:scrgbClr r="0" g="0" b="0"/>
+          </a:fillRef>
+          <a:effectRef idx="0">
+            <a:scrgbClr r="0" g="0" b="0"/>
+          </a:effectRef>
           <a:fontRef idx="minor"/>
         </p:style>
         <p:txBody>
-          <a:bodyPr lIns="0" rIns="0" tIns="0" bIns="0" anchor="ctr"/>
+          <a:bodyPr lIns="0" tIns="0" rIns="0" bIns="0" anchor="ctr"/>
+          <a:lstStyle/>
           <a:p>
             <a:pPr algn="ctr">
               <a:lnSpc>
@@ -5957,13 +6870,13 @@
               </a:lnSpc>
             </a:pPr>
             <a:r>
-              <a:rPr b="0" lang="en-GB" sz="4400" spc="-1" strike="noStrike">
+              <a:rPr lang="en-GB" sz="4400" b="0" strike="noStrike" spc="-1">
                 <a:solidFill>
                   <a:srgbClr val="000000"/>
                 </a:solidFill>
                 <a:uFill>
                   <a:solidFill>
-                    <a:srgbClr val="ffffff"/>
+                    <a:srgbClr val="FFFFFF"/>
                   </a:solidFill>
                 </a:uFill>
                 <a:latin typeface="Arial"/>
@@ -5971,13 +6884,13 @@
               </a:rPr>
               <a:t>Students Union</a:t>
             </a:r>
-            <a:endParaRPr b="0" lang="en-GB" sz="1800" spc="-1" strike="noStrike">
-              <a:solidFill>
-                <a:srgbClr val="000000"/>
-              </a:solidFill>
-              <a:uFill>
-                <a:solidFill>
-                  <a:srgbClr val="ffffff"/>
+            <a:endParaRPr lang="en-GB" sz="1800" b="0" strike="noStrike" spc="-1">
+              <a:solidFill>
+                <a:srgbClr val="000000"/>
+              </a:solidFill>
+              <a:uFill>
+                <a:solidFill>
+                  <a:srgbClr val="FFFFFF"/>
                 </a:solidFill>
               </a:uFill>
               <a:latin typeface="Arial"/>
@@ -6005,13 +6918,20 @@
           </a:ln>
         </p:spPr>
         <p:style>
-          <a:lnRef idx="0"/>
-          <a:fillRef idx="0"/>
-          <a:effectRef idx="0"/>
+          <a:lnRef idx="0">
+            <a:scrgbClr r="0" g="0" b="0"/>
+          </a:lnRef>
+          <a:fillRef idx="0">
+            <a:scrgbClr r="0" g="0" b="0"/>
+          </a:fillRef>
+          <a:effectRef idx="0">
+            <a:scrgbClr r="0" g="0" b="0"/>
+          </a:effectRef>
           <a:fontRef idx="minor"/>
         </p:style>
         <p:txBody>
-          <a:bodyPr lIns="0" rIns="0" tIns="0" bIns="0"/>
+          <a:bodyPr lIns="0" tIns="0" rIns="0" bIns="0"/>
+          <a:lstStyle/>
           <a:p>
             <a:pPr marL="432000" indent="-322560">
               <a:lnSpc>
@@ -6025,13 +6945,13 @@
               <a:buChar char=""/>
             </a:pPr>
             <a:r>
-              <a:rPr b="0" lang="en-GB" sz="3200" spc="-1" strike="noStrike">
+              <a:rPr lang="en-GB" sz="3200" b="0" strike="noStrike" spc="-1">
                 <a:solidFill>
                   <a:srgbClr val="000000"/>
                 </a:solidFill>
                 <a:uFill>
                   <a:solidFill>
-                    <a:srgbClr val="ffffff"/>
+                    <a:srgbClr val="FFFFFF"/>
                   </a:solidFill>
                 </a:uFill>
                 <a:latin typeface="Arial"/>
@@ -6039,13 +6959,13 @@
               </a:rPr>
               <a:t>Sign up as soon as possible!</a:t>
             </a:r>
-            <a:endParaRPr b="0" lang="en-GB" sz="1800" spc="-1" strike="noStrike">
-              <a:solidFill>
-                <a:srgbClr val="000000"/>
-              </a:solidFill>
-              <a:uFill>
-                <a:solidFill>
-                  <a:srgbClr val="ffffff"/>
+            <a:endParaRPr lang="en-GB" sz="1800" b="0" strike="noStrike" spc="-1">
+              <a:solidFill>
+                <a:srgbClr val="000000"/>
+              </a:solidFill>
+              <a:uFill>
+                <a:solidFill>
+                  <a:srgbClr val="FFFFFF"/>
                 </a:solidFill>
               </a:uFill>
               <a:latin typeface="Arial"/>
@@ -6064,29 +6984,29 @@
               <a:buChar char=""/>
             </a:pPr>
             <a:r>
-              <a:rPr b="0" lang="en-GB" sz="3200" spc="-1" strike="noStrike" u="sng">
-                <a:solidFill>
-                  <a:srgbClr val="0000ff"/>
+              <a:rPr lang="en-GB" sz="3200" b="0" u="sng" strike="noStrike" spc="-1">
+                <a:solidFill>
+                  <a:srgbClr val="0000FF"/>
                 </a:solidFill>
                 <a:uFill>
                   <a:solidFill>
-                    <a:srgbClr val="ffffff"/>
+                    <a:srgbClr val="FFFFFF"/>
                   </a:solidFill>
                 </a:uFill>
                 <a:latin typeface="Arial"/>
                 <a:ea typeface="Noto Sans CJK SC Regular"/>
-                <a:hlinkClick r:id="rId1"/>
+                <a:hlinkClick r:id="rId2"/>
               </a:rPr>
               <a:t>www.abersu.co.uk/society/robotics</a:t>
             </a:r>
             <a:r>
-              <a:rPr b="0" lang="en-GB" sz="3200" spc="-1" strike="noStrike">
+              <a:rPr lang="en-GB" sz="3200" b="0" strike="noStrike" spc="-1">
                 <a:solidFill>
                   <a:srgbClr val="000000"/>
                 </a:solidFill>
                 <a:uFill>
                   <a:solidFill>
-                    <a:srgbClr val="ffffff"/>
+                    <a:srgbClr val="FFFFFF"/>
                   </a:solidFill>
                 </a:uFill>
                 <a:latin typeface="Arial"/>
@@ -6094,13 +7014,13 @@
               </a:rPr>
               <a:t> </a:t>
             </a:r>
-            <a:endParaRPr b="0" lang="en-GB" sz="1800" spc="-1" strike="noStrike">
-              <a:solidFill>
-                <a:srgbClr val="000000"/>
-              </a:solidFill>
-              <a:uFill>
-                <a:solidFill>
-                  <a:srgbClr val="ffffff"/>
+            <a:endParaRPr lang="en-GB" sz="1800" b="0" strike="noStrike" spc="-1">
+              <a:solidFill>
+                <a:srgbClr val="000000"/>
+              </a:solidFill>
+              <a:uFill>
+                <a:solidFill>
+                  <a:srgbClr val="FFFFFF"/>
                 </a:solidFill>
               </a:uFill>
               <a:latin typeface="Arial"/>
@@ -6110,12 +7030,12 @@
       </p:sp>
       <p:pic>
         <p:nvPicPr>
-          <p:cNvPr id="115" name="Picture 3" descr=""/>
+          <p:cNvPr id="115" name="Picture 3"/>
           <p:cNvPicPr/>
           <p:nvPr/>
         </p:nvPicPr>
         <p:blipFill>
-          <a:blip r:embed="rId2"/>
+          <a:blip r:embed="rId3"/>
           <a:stretch/>
         </p:blipFill>
         <p:spPr>
@@ -6151,13 +7071,20 @@
           </a:ln>
         </p:spPr>
         <p:style>
-          <a:lnRef idx="0"/>
-          <a:fillRef idx="0"/>
-          <a:effectRef idx="0"/>
+          <a:lnRef idx="0">
+            <a:scrgbClr r="0" g="0" b="0"/>
+          </a:lnRef>
+          <a:fillRef idx="0">
+            <a:scrgbClr r="0" g="0" b="0"/>
+          </a:fillRef>
+          <a:effectRef idx="0">
+            <a:scrgbClr r="0" g="0" b="0"/>
+          </a:effectRef>
           <a:fontRef idx="minor"/>
         </p:style>
         <p:txBody>
-          <a:bodyPr lIns="90000" rIns="90000" tIns="45000" bIns="45000"/>
+          <a:bodyPr lIns="90000" tIns="45000" rIns="90000" bIns="45000"/>
+          <a:lstStyle/>
           <a:p>
             <a:pPr>
               <a:lnSpc>
@@ -6165,13 +7092,13 @@
               </a:lnSpc>
             </a:pPr>
             <a:r>
-              <a:rPr b="1" lang="en-GB" sz="3200" spc="-1" strike="noStrike">
+              <a:rPr lang="en-GB" sz="3200" b="1" strike="noStrike" spc="-1">
                 <a:solidFill>
                   <a:srgbClr val="000000"/>
                 </a:solidFill>
                 <a:uFill>
                   <a:solidFill>
-                    <a:srgbClr val="ffffff"/>
+                    <a:srgbClr val="FFFFFF"/>
                   </a:solidFill>
                 </a:uFill>
                 <a:latin typeface="Eras Bold ITC"/>
@@ -6179,13 +7106,13 @@
               </a:rPr>
               <a:t>www.aberrobotics.club</a:t>
             </a:r>
-            <a:endParaRPr b="0" lang="en-GB" sz="1800" spc="-1" strike="noStrike">
-              <a:solidFill>
-                <a:srgbClr val="000000"/>
-              </a:solidFill>
-              <a:uFill>
-                <a:solidFill>
-                  <a:srgbClr val="ffffff"/>
+            <a:endParaRPr lang="en-GB" sz="1800" b="0" strike="noStrike" spc="-1">
+              <a:solidFill>
+                <a:srgbClr val="000000"/>
+              </a:solidFill>
+              <a:uFill>
+                <a:solidFill>
+                  <a:srgbClr val="FFFFFF"/>
                 </a:solidFill>
               </a:uFill>
               <a:latin typeface="Arial"/>
@@ -6195,12 +7122,12 @@
       </p:sp>
       <p:pic>
         <p:nvPicPr>
-          <p:cNvPr id="117" name="Picture 4" descr=""/>
+          <p:cNvPr id="117" name="Picture 4"/>
           <p:cNvPicPr/>
           <p:nvPr/>
         </p:nvPicPr>
         <p:blipFill>
-          <a:blip r:embed="rId3"/>
+          <a:blip r:embed="rId4"/>
           <a:stretch/>
         </p:blipFill>
         <p:spPr>
@@ -6218,22 +7145,25 @@
       </p:pic>
     </p:spTree>
   </p:cSld>
+  <p:clrMapOvr>
+    <a:masterClrMapping/>
+  </p:clrMapOvr>
   <p:timing>
     <p:tnLst>
       <p:par>
-        <p:cTn id="3" dur="indefinite" restart="never" nodeType="tmRoot">
+        <p:cTn id="1" dur="indefinite" restart="never" nodeType="tmRoot">
           <p:childTnLst>
             <p:seq>
-              <p:cTn id="4" nodeType="mainSeq"/>
+              <p:cTn id="2" nodeType="mainSeq"/>
               <p:prevCondLst>
-                <p:cond delay="0" evt="onPrev">
+                <p:cond evt="onPrev" delay="0">
                   <p:tgtEl>
                     <p:sldTgt/>
                   </p:tgtEl>
                 </p:cond>
               </p:prevCondLst>
               <p:nextCondLst>
-                <p:cond delay="0" evt="onNext">
+                <p:cond evt="onNext" delay="0">
                   <p:tgtEl>
                     <p:sldTgt/>
                   </p:tgtEl>
@@ -6249,7 +7179,7 @@
 </file>
 
 <file path=ppt/slides/slide3.xml><?xml version="1.0" encoding="utf-8"?>
-<p:sld xmlns:a="http://schemas.openxmlformats.org/drawingml/2006/main" xmlns:p="http://schemas.openxmlformats.org/presentationml/2006/main" xmlns:r="http://schemas.openxmlformats.org/officeDocument/2006/relationships" xmlns:p14="http://schemas.microsoft.com/office/powerpoint/2010/main" xmlns:p15="http://schemas.microsoft.com/office/powerpoint/2012/main" xmlns:mc="http://schemas.openxmlformats.org/markup-compatibility/2006">
+<p:sld xmlns:a="http://schemas.openxmlformats.org/drawingml/2006/main" xmlns:r="http://schemas.openxmlformats.org/officeDocument/2006/relationships" xmlns:p="http://schemas.openxmlformats.org/presentationml/2006/main">
   <p:cSld>
     <p:spTree>
       <p:nvGrpSpPr>
@@ -6285,13 +7215,20 @@
           </a:ln>
         </p:spPr>
         <p:style>
-          <a:lnRef idx="0"/>
-          <a:fillRef idx="0"/>
-          <a:effectRef idx="0"/>
+          <a:lnRef idx="0">
+            <a:scrgbClr r="0" g="0" b="0"/>
+          </a:lnRef>
+          <a:fillRef idx="0">
+            <a:scrgbClr r="0" g="0" b="0"/>
+          </a:fillRef>
+          <a:effectRef idx="0">
+            <a:scrgbClr r="0" g="0" b="0"/>
+          </a:effectRef>
           <a:fontRef idx="minor"/>
         </p:style>
         <p:txBody>
-          <a:bodyPr lIns="0" rIns="0" tIns="0" bIns="0" anchor="ctr"/>
+          <a:bodyPr lIns="0" tIns="0" rIns="0" bIns="0" anchor="ctr"/>
+          <a:lstStyle/>
           <a:p>
             <a:pPr algn="ctr">
               <a:lnSpc>
@@ -6299,13 +7236,13 @@
               </a:lnSpc>
             </a:pPr>
             <a:r>
-              <a:rPr b="0" lang="en-GB" sz="4400" spc="-1" strike="noStrike">
+              <a:rPr lang="en-GB" sz="4400" b="0" strike="noStrike" spc="-1">
                 <a:solidFill>
                   <a:srgbClr val="000000"/>
                 </a:solidFill>
                 <a:uFill>
                   <a:solidFill>
-                    <a:srgbClr val="ffffff"/>
+                    <a:srgbClr val="FFFFFF"/>
                   </a:solidFill>
                 </a:uFill>
                 <a:latin typeface="Arial"/>
@@ -6313,13 +7250,13 @@
               </a:rPr>
               <a:t>Facebook Group</a:t>
             </a:r>
-            <a:endParaRPr b="0" lang="en-GB" sz="1800" spc="-1" strike="noStrike">
-              <a:solidFill>
-                <a:srgbClr val="000000"/>
-              </a:solidFill>
-              <a:uFill>
-                <a:solidFill>
-                  <a:srgbClr val="ffffff"/>
+            <a:endParaRPr lang="en-GB" sz="1800" b="0" strike="noStrike" spc="-1">
+              <a:solidFill>
+                <a:srgbClr val="000000"/>
+              </a:solidFill>
+              <a:uFill>
+                <a:solidFill>
+                  <a:srgbClr val="FFFFFF"/>
                 </a:solidFill>
               </a:uFill>
               <a:latin typeface="Arial"/>
@@ -6347,13 +7284,20 @@
           </a:ln>
         </p:spPr>
         <p:style>
-          <a:lnRef idx="0"/>
-          <a:fillRef idx="0"/>
-          <a:effectRef idx="0"/>
+          <a:lnRef idx="0">
+            <a:scrgbClr r="0" g="0" b="0"/>
+          </a:lnRef>
+          <a:fillRef idx="0">
+            <a:scrgbClr r="0" g="0" b="0"/>
+          </a:fillRef>
+          <a:effectRef idx="0">
+            <a:scrgbClr r="0" g="0" b="0"/>
+          </a:effectRef>
           <a:fontRef idx="minor"/>
         </p:style>
         <p:txBody>
-          <a:bodyPr lIns="0" rIns="0" tIns="0" bIns="0"/>
+          <a:bodyPr lIns="0" tIns="0" rIns="0" bIns="0"/>
+          <a:lstStyle/>
           <a:p>
             <a:pPr marL="432000" indent="-322560">
               <a:lnSpc>
@@ -6367,29 +7311,29 @@
               <a:buChar char=""/>
             </a:pPr>
             <a:r>
-              <a:rPr b="0" lang="en-GB" sz="3200" spc="-1" strike="noStrike" u="sng">
-                <a:solidFill>
-                  <a:srgbClr val="0000ff"/>
+              <a:rPr lang="en-GB" sz="3200" b="0" u="sng" strike="noStrike" spc="-1">
+                <a:solidFill>
+                  <a:srgbClr val="0000FF"/>
                 </a:solidFill>
                 <a:uFill>
                   <a:solidFill>
-                    <a:srgbClr val="ffffff"/>
+                    <a:srgbClr val="FFFFFF"/>
                   </a:solidFill>
                 </a:uFill>
                 <a:latin typeface="Arial"/>
                 <a:ea typeface="DejaVu Sans"/>
-                <a:hlinkClick r:id="rId1"/>
+                <a:hlinkClick r:id="rId2"/>
               </a:rPr>
               <a:t>www.facebook.com/groups/arcub</a:t>
             </a:r>
             <a:r>
-              <a:rPr b="0" lang="en-GB" sz="3200" spc="-1" strike="noStrike">
+              <a:rPr lang="en-GB" sz="3200" b="0" strike="noStrike" spc="-1">
                 <a:solidFill>
                   <a:srgbClr val="000000"/>
                 </a:solidFill>
                 <a:uFill>
                   <a:solidFill>
-                    <a:srgbClr val="ffffff"/>
+                    <a:srgbClr val="FFFFFF"/>
                   </a:solidFill>
                 </a:uFill>
                 <a:latin typeface="Arial"/>
@@ -6397,13 +7341,13 @@
               </a:rPr>
               <a:t>  </a:t>
             </a:r>
-            <a:endParaRPr b="0" lang="en-GB" sz="1800" spc="-1" strike="noStrike">
-              <a:solidFill>
-                <a:srgbClr val="000000"/>
-              </a:solidFill>
-              <a:uFill>
-                <a:solidFill>
-                  <a:srgbClr val="ffffff"/>
+            <a:endParaRPr lang="en-GB" sz="1800" b="0" strike="noStrike" spc="-1">
+              <a:solidFill>
+                <a:srgbClr val="000000"/>
+              </a:solidFill>
+              <a:uFill>
+                <a:solidFill>
+                  <a:srgbClr val="FFFFFF"/>
                 </a:solidFill>
               </a:uFill>
               <a:latin typeface="Arial"/>
@@ -6413,12 +7357,12 @@
       </p:sp>
       <p:pic>
         <p:nvPicPr>
-          <p:cNvPr id="120" name="Picture 3" descr=""/>
+          <p:cNvPr id="120" name="Picture 3"/>
           <p:cNvPicPr/>
           <p:nvPr/>
         </p:nvPicPr>
         <p:blipFill>
-          <a:blip r:embed="rId2"/>
+          <a:blip r:embed="rId3"/>
           <a:stretch/>
         </p:blipFill>
         <p:spPr>
@@ -6454,13 +7398,20 @@
           </a:ln>
         </p:spPr>
         <p:style>
-          <a:lnRef idx="0"/>
-          <a:fillRef idx="0"/>
-          <a:effectRef idx="0"/>
+          <a:lnRef idx="0">
+            <a:scrgbClr r="0" g="0" b="0"/>
+          </a:lnRef>
+          <a:fillRef idx="0">
+            <a:scrgbClr r="0" g="0" b="0"/>
+          </a:fillRef>
+          <a:effectRef idx="0">
+            <a:scrgbClr r="0" g="0" b="0"/>
+          </a:effectRef>
           <a:fontRef idx="minor"/>
         </p:style>
         <p:txBody>
-          <a:bodyPr lIns="90000" rIns="90000" tIns="45000" bIns="45000"/>
+          <a:bodyPr lIns="90000" tIns="45000" rIns="90000" bIns="45000"/>
+          <a:lstStyle/>
           <a:p>
             <a:pPr>
               <a:lnSpc>
@@ -6468,13 +7419,13 @@
               </a:lnSpc>
             </a:pPr>
             <a:r>
-              <a:rPr b="1" lang="en-GB" sz="3200" spc="-1" strike="noStrike">
+              <a:rPr lang="en-GB" sz="3200" b="1" strike="noStrike" spc="-1">
                 <a:solidFill>
                   <a:srgbClr val="000000"/>
                 </a:solidFill>
                 <a:uFill>
                   <a:solidFill>
-                    <a:srgbClr val="ffffff"/>
+                    <a:srgbClr val="FFFFFF"/>
                   </a:solidFill>
                 </a:uFill>
                 <a:latin typeface="Eras Bold ITC"/>
@@ -6482,13 +7433,13 @@
               </a:rPr>
               <a:t>www.aberrobotics.club</a:t>
             </a:r>
-            <a:endParaRPr b="0" lang="en-GB" sz="1800" spc="-1" strike="noStrike">
-              <a:solidFill>
-                <a:srgbClr val="000000"/>
-              </a:solidFill>
-              <a:uFill>
-                <a:solidFill>
-                  <a:srgbClr val="ffffff"/>
+            <a:endParaRPr lang="en-GB" sz="1800" b="0" strike="noStrike" spc="-1">
+              <a:solidFill>
+                <a:srgbClr val="000000"/>
+              </a:solidFill>
+              <a:uFill>
+                <a:solidFill>
+                  <a:srgbClr val="FFFFFF"/>
                 </a:solidFill>
               </a:uFill>
               <a:latin typeface="Arial"/>
@@ -6498,12 +7449,12 @@
       </p:sp>
       <p:pic>
         <p:nvPicPr>
-          <p:cNvPr id="122" name="Picture 4" descr=""/>
+          <p:cNvPr id="122" name="Picture 4"/>
           <p:cNvPicPr/>
           <p:nvPr/>
         </p:nvPicPr>
         <p:blipFill>
-          <a:blip r:embed="rId3"/>
+          <a:blip r:embed="rId4"/>
           <a:stretch/>
         </p:blipFill>
         <p:spPr>
@@ -6521,22 +7472,25 @@
       </p:pic>
     </p:spTree>
   </p:cSld>
+  <p:clrMapOvr>
+    <a:masterClrMapping/>
+  </p:clrMapOvr>
   <p:timing>
     <p:tnLst>
       <p:par>
-        <p:cTn id="5" dur="indefinite" restart="never" nodeType="tmRoot">
+        <p:cTn id="1" dur="indefinite" restart="never" nodeType="tmRoot">
           <p:childTnLst>
             <p:seq>
-              <p:cTn id="6" nodeType="mainSeq"/>
+              <p:cTn id="2" nodeType="mainSeq"/>
               <p:prevCondLst>
-                <p:cond delay="0" evt="onPrev">
+                <p:cond evt="onPrev" delay="0">
                   <p:tgtEl>
                     <p:sldTgt/>
                   </p:tgtEl>
                 </p:cond>
               </p:prevCondLst>
               <p:nextCondLst>
-                <p:cond delay="0" evt="onNext">
+                <p:cond evt="onNext" delay="0">
                   <p:tgtEl>
                     <p:sldTgt/>
                   </p:tgtEl>
@@ -6552,7 +7506,7 @@
 </file>
 
 <file path=ppt/slides/slide4.xml><?xml version="1.0" encoding="utf-8"?>
-<p:sld xmlns:a="http://schemas.openxmlformats.org/drawingml/2006/main" xmlns:p="http://schemas.openxmlformats.org/presentationml/2006/main" xmlns:r="http://schemas.openxmlformats.org/officeDocument/2006/relationships" xmlns:p14="http://schemas.microsoft.com/office/powerpoint/2010/main" xmlns:p15="http://schemas.microsoft.com/office/powerpoint/2012/main" xmlns:mc="http://schemas.openxmlformats.org/markup-compatibility/2006">
+<p:sld xmlns:a="http://schemas.openxmlformats.org/drawingml/2006/main" xmlns:r="http://schemas.openxmlformats.org/officeDocument/2006/relationships" xmlns:p="http://schemas.openxmlformats.org/presentationml/2006/main">
   <p:cSld>
     <p:spTree>
       <p:nvGrpSpPr>
@@ -6588,13 +7542,20 @@
           </a:ln>
         </p:spPr>
         <p:style>
-          <a:lnRef idx="0"/>
-          <a:fillRef idx="0"/>
-          <a:effectRef idx="0"/>
+          <a:lnRef idx="0">
+            <a:scrgbClr r="0" g="0" b="0"/>
+          </a:lnRef>
+          <a:fillRef idx="0">
+            <a:scrgbClr r="0" g="0" b="0"/>
+          </a:fillRef>
+          <a:effectRef idx="0">
+            <a:scrgbClr r="0" g="0" b="0"/>
+          </a:effectRef>
           <a:fontRef idx="minor"/>
         </p:style>
         <p:txBody>
-          <a:bodyPr lIns="0" rIns="0" tIns="0" bIns="0" anchor="ctr"/>
+          <a:bodyPr lIns="0" tIns="0" rIns="0" bIns="0" anchor="ctr"/>
+          <a:lstStyle/>
           <a:p>
             <a:pPr algn="ctr">
               <a:lnSpc>
@@ -6602,13 +7563,13 @@
               </a:lnSpc>
             </a:pPr>
             <a:r>
-              <a:rPr b="0" lang="en-GB" sz="4400" spc="-1" strike="noStrike">
+              <a:rPr lang="en-GB" sz="4400" b="0" strike="noStrike" spc="-1">
                 <a:solidFill>
                   <a:srgbClr val="000000"/>
                 </a:solidFill>
                 <a:uFill>
                   <a:solidFill>
-                    <a:srgbClr val="ffffff"/>
+                    <a:srgbClr val="FFFFFF"/>
                   </a:solidFill>
                 </a:uFill>
                 <a:latin typeface="Arial"/>
@@ -6616,13 +7577,13 @@
               </a:rPr>
               <a:t>Magician Chassis</a:t>
             </a:r>
-            <a:endParaRPr b="0" lang="en-GB" sz="1800" spc="-1" strike="noStrike">
-              <a:solidFill>
-                <a:srgbClr val="000000"/>
-              </a:solidFill>
-              <a:uFill>
-                <a:solidFill>
-                  <a:srgbClr val="ffffff"/>
+            <a:endParaRPr lang="en-GB" sz="1800" b="0" strike="noStrike" spc="-1">
+              <a:solidFill>
+                <a:srgbClr val="000000"/>
+              </a:solidFill>
+              <a:uFill>
+                <a:solidFill>
+                  <a:srgbClr val="FFFFFF"/>
                 </a:solidFill>
               </a:uFill>
               <a:latin typeface="Arial"/>
@@ -6650,13 +7611,20 @@
           </a:ln>
         </p:spPr>
         <p:style>
-          <a:lnRef idx="0"/>
-          <a:fillRef idx="0"/>
-          <a:effectRef idx="0"/>
+          <a:lnRef idx="0">
+            <a:scrgbClr r="0" g="0" b="0"/>
+          </a:lnRef>
+          <a:fillRef idx="0">
+            <a:scrgbClr r="0" g="0" b="0"/>
+          </a:fillRef>
+          <a:effectRef idx="0">
+            <a:scrgbClr r="0" g="0" b="0"/>
+          </a:effectRef>
           <a:fontRef idx="minor"/>
         </p:style>
         <p:txBody>
-          <a:bodyPr lIns="0" rIns="0" tIns="0" bIns="0"/>
+          <a:bodyPr lIns="0" tIns="0" rIns="0" bIns="0"/>
+          <a:lstStyle/>
           <a:p>
             <a:pPr marL="432000" indent="-322200">
               <a:lnSpc>
@@ -6670,13 +7638,13 @@
               <a:buChar char=""/>
             </a:pPr>
             <a:r>
-              <a:rPr b="0" lang="en-GB" sz="3200" spc="-1" strike="noStrike">
+              <a:rPr lang="en-GB" sz="3200" b="0" strike="noStrike" spc="-1">
                 <a:solidFill>
                   <a:srgbClr val="000000"/>
                 </a:solidFill>
                 <a:uFill>
                   <a:solidFill>
-                    <a:srgbClr val="ffffff"/>
+                    <a:srgbClr val="FFFFFF"/>
                   </a:solidFill>
                 </a:uFill>
                 <a:latin typeface="Arial"/>
@@ -6684,13 +7652,13 @@
               </a:rPr>
               <a:t>Last week of the Magician Chassis project</a:t>
             </a:r>
-            <a:endParaRPr b="0" lang="en-GB" sz="1800" spc="-1" strike="noStrike">
-              <a:solidFill>
-                <a:srgbClr val="000000"/>
-              </a:solidFill>
-              <a:uFill>
-                <a:solidFill>
-                  <a:srgbClr val="ffffff"/>
+            <a:endParaRPr lang="en-GB" sz="1800" b="0" strike="noStrike" spc="-1">
+              <a:solidFill>
+                <a:srgbClr val="000000"/>
+              </a:solidFill>
+              <a:uFill>
+                <a:solidFill>
+                  <a:srgbClr val="FFFFFF"/>
                 </a:solidFill>
               </a:uFill>
               <a:latin typeface="Arial"/>
@@ -6709,13 +7677,13 @@
               <a:buChar char=""/>
             </a:pPr>
             <a:r>
-              <a:rPr b="0" lang="en-GB" sz="3200" spc="-1" strike="noStrike">
+              <a:rPr lang="en-GB" sz="3200" b="0" strike="noStrike" spc="-1">
                 <a:solidFill>
                   <a:srgbClr val="000000"/>
                 </a:solidFill>
                 <a:uFill>
                   <a:solidFill>
-                    <a:srgbClr val="ffffff"/>
+                    <a:srgbClr val="FFFFFF"/>
                   </a:solidFill>
                 </a:uFill>
                 <a:latin typeface="Arial"/>
@@ -6723,13 +7691,13 @@
               </a:rPr>
               <a:t>Don’t worry if you haven’t finished...</a:t>
             </a:r>
-            <a:endParaRPr b="0" lang="en-GB" sz="1800" spc="-1" strike="noStrike">
-              <a:solidFill>
-                <a:srgbClr val="000000"/>
-              </a:solidFill>
-              <a:uFill>
-                <a:solidFill>
-                  <a:srgbClr val="ffffff"/>
+            <a:endParaRPr lang="en-GB" sz="1800" b="0" strike="noStrike" spc="-1">
+              <a:solidFill>
+                <a:srgbClr val="000000"/>
+              </a:solidFill>
+              <a:uFill>
+                <a:solidFill>
+                  <a:srgbClr val="FFFFFF"/>
                 </a:solidFill>
               </a:uFill>
               <a:latin typeface="Arial"/>
@@ -6748,13 +7716,13 @@
               <a:buChar char=""/>
             </a:pPr>
             <a:r>
-              <a:rPr b="0" lang="en-GB" sz="3200" spc="-1" strike="noStrike">
+              <a:rPr lang="en-GB" sz="3200" b="0" strike="noStrike" spc="-1">
                 <a:solidFill>
                   <a:srgbClr val="000000"/>
                 </a:solidFill>
                 <a:uFill>
                   <a:solidFill>
-                    <a:srgbClr val="ffffff"/>
+                    <a:srgbClr val="FFFFFF"/>
                   </a:solidFill>
                 </a:uFill>
                 <a:latin typeface="Arial"/>
@@ -6762,13 +7730,13 @@
               </a:rPr>
               <a:t>You can carry on if you like.</a:t>
             </a:r>
-            <a:endParaRPr b="0" lang="en-GB" sz="1800" spc="-1" strike="noStrike">
-              <a:solidFill>
-                <a:srgbClr val="000000"/>
-              </a:solidFill>
-              <a:uFill>
-                <a:solidFill>
-                  <a:srgbClr val="ffffff"/>
+            <a:endParaRPr lang="en-GB" sz="1800" b="0" strike="noStrike" spc="-1">
+              <a:solidFill>
+                <a:srgbClr val="000000"/>
+              </a:solidFill>
+              <a:uFill>
+                <a:solidFill>
+                  <a:srgbClr val="FFFFFF"/>
                 </a:solidFill>
               </a:uFill>
               <a:latin typeface="Arial"/>
@@ -6778,12 +7746,12 @@
       </p:sp>
       <p:pic>
         <p:nvPicPr>
-          <p:cNvPr id="125" name="Picture 3" descr=""/>
+          <p:cNvPr id="125" name="Picture 3"/>
           <p:cNvPicPr/>
           <p:nvPr/>
         </p:nvPicPr>
         <p:blipFill>
-          <a:blip r:embed="rId1"/>
+          <a:blip r:embed="rId2"/>
           <a:stretch/>
         </p:blipFill>
         <p:spPr>
@@ -6819,13 +7787,20 @@
           </a:ln>
         </p:spPr>
         <p:style>
-          <a:lnRef idx="0"/>
-          <a:fillRef idx="0"/>
-          <a:effectRef idx="0"/>
+          <a:lnRef idx="0">
+            <a:scrgbClr r="0" g="0" b="0"/>
+          </a:lnRef>
+          <a:fillRef idx="0">
+            <a:scrgbClr r="0" g="0" b="0"/>
+          </a:fillRef>
+          <a:effectRef idx="0">
+            <a:scrgbClr r="0" g="0" b="0"/>
+          </a:effectRef>
           <a:fontRef idx="minor"/>
         </p:style>
         <p:txBody>
-          <a:bodyPr lIns="90000" rIns="90000" tIns="45000" bIns="45000"/>
+          <a:bodyPr lIns="90000" tIns="45000" rIns="90000" bIns="45000"/>
+          <a:lstStyle/>
           <a:p>
             <a:pPr>
               <a:lnSpc>
@@ -6833,13 +7808,13 @@
               </a:lnSpc>
             </a:pPr>
             <a:r>
-              <a:rPr b="1" lang="en-GB" sz="3200" spc="-1" strike="noStrike">
+              <a:rPr lang="en-GB" sz="3200" b="1" strike="noStrike" spc="-1">
                 <a:solidFill>
                   <a:srgbClr val="000000"/>
                 </a:solidFill>
                 <a:uFill>
                   <a:solidFill>
-                    <a:srgbClr val="ffffff"/>
+                    <a:srgbClr val="FFFFFF"/>
                   </a:solidFill>
                 </a:uFill>
                 <a:latin typeface="Eras Bold ITC"/>
@@ -6847,13 +7822,13 @@
               </a:rPr>
               <a:t>www.aberrobotics.club</a:t>
             </a:r>
-            <a:endParaRPr b="0" lang="en-GB" sz="1800" spc="-1" strike="noStrike">
-              <a:solidFill>
-                <a:srgbClr val="000000"/>
-              </a:solidFill>
-              <a:uFill>
-                <a:solidFill>
-                  <a:srgbClr val="ffffff"/>
+            <a:endParaRPr lang="en-GB" sz="1800" b="0" strike="noStrike" spc="-1">
+              <a:solidFill>
+                <a:srgbClr val="000000"/>
+              </a:solidFill>
+              <a:uFill>
+                <a:solidFill>
+                  <a:srgbClr val="FFFFFF"/>
                 </a:solidFill>
               </a:uFill>
               <a:latin typeface="Arial"/>
@@ -6863,12 +7838,12 @@
       </p:sp>
       <p:pic>
         <p:nvPicPr>
-          <p:cNvPr id="127" name="Picture 4" descr=""/>
+          <p:cNvPr id="127" name="Picture 4"/>
           <p:cNvPicPr/>
           <p:nvPr/>
         </p:nvPicPr>
         <p:blipFill>
-          <a:blip r:embed="rId2"/>
+          <a:blip r:embed="rId3"/>
           <a:stretch/>
         </p:blipFill>
         <p:spPr>
@@ -6886,22 +7861,25 @@
       </p:pic>
     </p:spTree>
   </p:cSld>
+  <p:clrMapOvr>
+    <a:masterClrMapping/>
+  </p:clrMapOvr>
   <p:timing>
     <p:tnLst>
       <p:par>
-        <p:cTn id="7" dur="indefinite" restart="never" nodeType="tmRoot">
+        <p:cTn id="1" dur="indefinite" restart="never" nodeType="tmRoot">
           <p:childTnLst>
             <p:seq>
-              <p:cTn id="8" nodeType="mainSeq"/>
+              <p:cTn id="2" nodeType="mainSeq"/>
               <p:prevCondLst>
-                <p:cond delay="0" evt="onPrev">
+                <p:cond evt="onPrev" delay="0">
                   <p:tgtEl>
                     <p:sldTgt/>
                   </p:tgtEl>
                 </p:cond>
               </p:prevCondLst>
               <p:nextCondLst>
-                <p:cond delay="0" evt="onNext">
+                <p:cond evt="onNext" delay="0">
                   <p:tgtEl>
                     <p:sldTgt/>
                   </p:tgtEl>
@@ -6917,7 +7895,7 @@
 </file>
 
 <file path=ppt/slides/slide5.xml><?xml version="1.0" encoding="utf-8"?>
-<p:sld xmlns:a="http://schemas.openxmlformats.org/drawingml/2006/main" xmlns:p="http://schemas.openxmlformats.org/presentationml/2006/main" xmlns:r="http://schemas.openxmlformats.org/officeDocument/2006/relationships" xmlns:p14="http://schemas.microsoft.com/office/powerpoint/2010/main" xmlns:p15="http://schemas.microsoft.com/office/powerpoint/2012/main" xmlns:mc="http://schemas.openxmlformats.org/markup-compatibility/2006">
+<p:sld xmlns:a="http://schemas.openxmlformats.org/drawingml/2006/main" xmlns:r="http://schemas.openxmlformats.org/officeDocument/2006/relationships" xmlns:p="http://schemas.openxmlformats.org/presentationml/2006/main">
   <p:cSld>
     <p:spTree>
       <p:nvGrpSpPr>
@@ -6953,13 +7931,20 @@
           </a:ln>
         </p:spPr>
         <p:style>
-          <a:lnRef idx="0"/>
-          <a:fillRef idx="0"/>
-          <a:effectRef idx="0"/>
+          <a:lnRef idx="0">
+            <a:scrgbClr r="0" g="0" b="0"/>
+          </a:lnRef>
+          <a:fillRef idx="0">
+            <a:scrgbClr r="0" g="0" b="0"/>
+          </a:fillRef>
+          <a:effectRef idx="0">
+            <a:scrgbClr r="0" g="0" b="0"/>
+          </a:effectRef>
           <a:fontRef idx="minor"/>
         </p:style>
         <p:txBody>
-          <a:bodyPr lIns="0" rIns="0" tIns="0" bIns="0" anchor="ctr"/>
+          <a:bodyPr lIns="0" tIns="0" rIns="0" bIns="0" anchor="ctr"/>
+          <a:lstStyle/>
           <a:p>
             <a:pPr algn="ctr">
               <a:lnSpc>
@@ -6967,13 +7952,13 @@
               </a:lnSpc>
             </a:pPr>
             <a:r>
-              <a:rPr b="0" lang="en-GB" sz="4400" spc="-1" strike="noStrike">
+              <a:rPr lang="en-GB" sz="4400" b="0" strike="noStrike" spc="-1">
                 <a:solidFill>
                   <a:srgbClr val="000000"/>
                 </a:solidFill>
                 <a:uFill>
                   <a:solidFill>
-                    <a:srgbClr val="ffffff"/>
+                    <a:srgbClr val="FFFFFF"/>
                   </a:solidFill>
                 </a:uFill>
                 <a:latin typeface="Arial"/>
@@ -6981,13 +7966,13 @@
               </a:rPr>
               <a:t>Projects</a:t>
             </a:r>
-            <a:endParaRPr b="0" lang="en-GB" sz="1800" spc="-1" strike="noStrike">
-              <a:solidFill>
-                <a:srgbClr val="000000"/>
-              </a:solidFill>
-              <a:uFill>
-                <a:solidFill>
-                  <a:srgbClr val="ffffff"/>
+            <a:endParaRPr lang="en-GB" sz="1800" b="0" strike="noStrike" spc="-1">
+              <a:solidFill>
+                <a:srgbClr val="000000"/>
+              </a:solidFill>
+              <a:uFill>
+                <a:solidFill>
+                  <a:srgbClr val="FFFFFF"/>
                 </a:solidFill>
               </a:uFill>
               <a:latin typeface="Arial"/>
@@ -7015,13 +8000,20 @@
           </a:ln>
         </p:spPr>
         <p:style>
-          <a:lnRef idx="0"/>
-          <a:fillRef idx="0"/>
-          <a:effectRef idx="0"/>
+          <a:lnRef idx="0">
+            <a:scrgbClr r="0" g="0" b="0"/>
+          </a:lnRef>
+          <a:fillRef idx="0">
+            <a:scrgbClr r="0" g="0" b="0"/>
+          </a:fillRef>
+          <a:effectRef idx="0">
+            <a:scrgbClr r="0" g="0" b="0"/>
+          </a:effectRef>
           <a:fontRef idx="minor"/>
         </p:style>
         <p:txBody>
-          <a:bodyPr lIns="0" rIns="0" tIns="0" bIns="0"/>
+          <a:bodyPr lIns="0" tIns="0" rIns="0" bIns="0"/>
+          <a:lstStyle/>
           <a:p>
             <a:pPr marL="432000" indent="-322200">
               <a:lnSpc>
@@ -7035,13 +8027,13 @@
               <a:buChar char=""/>
             </a:pPr>
             <a:r>
-              <a:rPr b="0" lang="en-GB" sz="3200" spc="-1" strike="noStrike">
+              <a:rPr lang="en-GB" sz="3200" b="0" strike="noStrike" spc="-1">
                 <a:solidFill>
                   <a:srgbClr val="000000"/>
                 </a:solidFill>
                 <a:uFill>
                   <a:solidFill>
-                    <a:srgbClr val="ffffff"/>
+                    <a:srgbClr val="FFFFFF"/>
                   </a:solidFill>
                 </a:uFill>
                 <a:latin typeface="Arial"/>
@@ -7049,13 +8041,13 @@
               </a:rPr>
               <a:t>Projects start next week</a:t>
             </a:r>
-            <a:endParaRPr b="0" lang="en-GB" sz="1800" spc="-1" strike="noStrike">
-              <a:solidFill>
-                <a:srgbClr val="000000"/>
-              </a:solidFill>
-              <a:uFill>
-                <a:solidFill>
-                  <a:srgbClr val="ffffff"/>
+            <a:endParaRPr lang="en-GB" sz="1800" b="0" strike="noStrike" spc="-1">
+              <a:solidFill>
+                <a:srgbClr val="000000"/>
+              </a:solidFill>
+              <a:uFill>
+                <a:solidFill>
+                  <a:srgbClr val="FFFFFF"/>
                 </a:solidFill>
               </a:uFill>
               <a:latin typeface="Arial"/>
@@ -7074,13 +8066,13 @@
               <a:buChar char=""/>
             </a:pPr>
             <a:r>
-              <a:rPr b="0" lang="en-GB" sz="3200" spc="-1" strike="noStrike">
+              <a:rPr lang="en-GB" sz="3200" b="0" strike="noStrike" spc="-1">
                 <a:solidFill>
                   <a:srgbClr val="000000"/>
                 </a:solidFill>
                 <a:uFill>
                   <a:solidFill>
-                    <a:srgbClr val="ffffff"/>
+                    <a:srgbClr val="FFFFFF"/>
                   </a:solidFill>
                 </a:uFill>
                 <a:latin typeface="Arial"/>
@@ -7089,29 +8081,29 @@
               <a:t>Sign up to a project and GIT repository - </a:t>
             </a:r>
             <a:r>
-              <a:rPr b="0" lang="en-GB" sz="3200" spc="-1" strike="noStrike">
+              <a:rPr lang="en-GB" sz="3200" b="0" strike="noStrike" spc="-1">
                 <a:solidFill>
                   <a:srgbClr val="000000"/>
                 </a:solidFill>
                 <a:uFill>
                   <a:solidFill>
-                    <a:srgbClr val="ffffff"/>
+                    <a:srgbClr val="FFFFFF"/>
                   </a:solidFill>
                 </a:uFill>
                 <a:latin typeface="Arial"/>
                 <a:ea typeface="DejaVu Sans"/>
-                <a:hlinkClick r:id="rId1"/>
+                <a:hlinkClick r:id="rId2"/>
               </a:rPr>
               <a:t>www.students.aberrobotics.club/github</a:t>
             </a:r>
             <a:r>
-              <a:rPr b="0" lang="en-GB" sz="3200" spc="-1" strike="noStrike">
+              <a:rPr lang="en-GB" sz="3200" b="0" strike="noStrike" spc="-1">
                 <a:solidFill>
                   <a:srgbClr val="000000"/>
                 </a:solidFill>
                 <a:uFill>
                   <a:solidFill>
-                    <a:srgbClr val="ffffff"/>
+                    <a:srgbClr val="FFFFFF"/>
                   </a:solidFill>
                 </a:uFill>
                 <a:latin typeface="Arial"/>
@@ -7119,13 +8111,13 @@
               </a:rPr>
               <a:t> </a:t>
             </a:r>
-            <a:endParaRPr b="0" lang="en-GB" sz="1800" spc="-1" strike="noStrike">
-              <a:solidFill>
-                <a:srgbClr val="000000"/>
-              </a:solidFill>
-              <a:uFill>
-                <a:solidFill>
-                  <a:srgbClr val="ffffff"/>
+            <a:endParaRPr lang="en-GB" sz="1800" b="0" strike="noStrike" spc="-1">
+              <a:solidFill>
+                <a:srgbClr val="000000"/>
+              </a:solidFill>
+              <a:uFill>
+                <a:solidFill>
+                  <a:srgbClr val="FFFFFF"/>
                 </a:solidFill>
               </a:uFill>
               <a:latin typeface="Arial"/>
@@ -7144,13 +8136,13 @@
               <a:buChar char=""/>
             </a:pPr>
             <a:r>
-              <a:rPr b="0" lang="en-GB" sz="3200" spc="-1" strike="noStrike">
+              <a:rPr lang="en-GB" sz="3200" b="0" strike="noStrike" spc="-1">
                 <a:solidFill>
                   <a:srgbClr val="000000"/>
                 </a:solidFill>
                 <a:uFill>
                   <a:solidFill>
-                    <a:srgbClr val="ffffff"/>
+                    <a:srgbClr val="FFFFFF"/>
                   </a:solidFill>
                 </a:uFill>
                 <a:latin typeface="Arial"/>
@@ -7159,29 +8151,29 @@
               <a:t>More information about projects below - </a:t>
             </a:r>
             <a:r>
-              <a:rPr b="0" lang="en-GB" sz="3200" spc="-1" strike="noStrike">
+              <a:rPr lang="en-GB" sz="3200" b="0" strike="noStrike" spc="-1">
                 <a:solidFill>
                   <a:srgbClr val="000000"/>
                 </a:solidFill>
                 <a:uFill>
                   <a:solidFill>
-                    <a:srgbClr val="ffffff"/>
+                    <a:srgbClr val="FFFFFF"/>
                   </a:solidFill>
                 </a:uFill>
                 <a:latin typeface="Arial"/>
                 <a:ea typeface="DejaVu Sans"/>
-                <a:hlinkClick r:id="rId2"/>
+                <a:hlinkClick r:id="rId3"/>
               </a:rPr>
               <a:t>www.students.aberrobotics.club/projects</a:t>
             </a:r>
             <a:r>
-              <a:rPr b="0" lang="en-GB" sz="3200" spc="-1" strike="noStrike">
+              <a:rPr lang="en-GB" sz="3200" b="0" strike="noStrike" spc="-1">
                 <a:solidFill>
                   <a:srgbClr val="000000"/>
                 </a:solidFill>
                 <a:uFill>
                   <a:solidFill>
-                    <a:srgbClr val="ffffff"/>
+                    <a:srgbClr val="FFFFFF"/>
                   </a:solidFill>
                 </a:uFill>
                 <a:latin typeface="Arial"/>
@@ -7189,13 +8181,13 @@
               </a:rPr>
               <a:t> </a:t>
             </a:r>
-            <a:endParaRPr b="0" lang="en-GB" sz="1800" spc="-1" strike="noStrike">
-              <a:solidFill>
-                <a:srgbClr val="000000"/>
-              </a:solidFill>
-              <a:uFill>
-                <a:solidFill>
-                  <a:srgbClr val="ffffff"/>
+            <a:endParaRPr lang="en-GB" sz="1800" b="0" strike="noStrike" spc="-1">
+              <a:solidFill>
+                <a:srgbClr val="000000"/>
+              </a:solidFill>
+              <a:uFill>
+                <a:solidFill>
+                  <a:srgbClr val="FFFFFF"/>
                 </a:solidFill>
               </a:uFill>
               <a:latin typeface="Arial"/>
@@ -7214,13 +8206,13 @@
               <a:buChar char=""/>
             </a:pPr>
             <a:r>
-              <a:rPr b="0" lang="en-GB" sz="3200" spc="-1" strike="noStrike">
+              <a:rPr lang="en-GB" sz="3200" b="0" strike="noStrike" spc="-1">
                 <a:solidFill>
                   <a:srgbClr val="000000"/>
                 </a:solidFill>
                 <a:uFill>
                   <a:solidFill>
-                    <a:srgbClr val="ffffff"/>
+                    <a:srgbClr val="FFFFFF"/>
                   </a:solidFill>
                 </a:uFill>
                 <a:latin typeface="Arial"/>
@@ -7229,13 +8221,13 @@
               <a:t>Please sign up by Sunday 12</a:t>
             </a:r>
             <a:r>
-              <a:rPr b="0" lang="en-GB" sz="3200" spc="-1" strike="noStrike" baseline="101000">
+              <a:rPr lang="en-GB" sz="3200" b="0" strike="noStrike" spc="-1" baseline="101000">
                 <a:solidFill>
                   <a:srgbClr val="000000"/>
                 </a:solidFill>
                 <a:uFill>
                   <a:solidFill>
-                    <a:srgbClr val="ffffff"/>
+                    <a:srgbClr val="FFFFFF"/>
                   </a:solidFill>
                 </a:uFill>
                 <a:latin typeface="Arial"/>
@@ -7244,13 +8236,13 @@
               <a:t>th</a:t>
             </a:r>
             <a:r>
-              <a:rPr b="0" lang="en-GB" sz="3200" spc="-1" strike="noStrike">
+              <a:rPr lang="en-GB" sz="3200" b="0" strike="noStrike" spc="-1">
                 <a:solidFill>
                   <a:srgbClr val="000000"/>
                 </a:solidFill>
                 <a:uFill>
                   <a:solidFill>
-                    <a:srgbClr val="ffffff"/>
+                    <a:srgbClr val="FFFFFF"/>
                   </a:solidFill>
                 </a:uFill>
                 <a:latin typeface="Arial"/>
@@ -7258,13 +8250,13 @@
               </a:rPr>
               <a:t> November so we can organise groups and necessary documentation ready for next Wednesday.</a:t>
             </a:r>
-            <a:endParaRPr b="0" lang="en-GB" sz="1800" spc="-1" strike="noStrike">
-              <a:solidFill>
-                <a:srgbClr val="000000"/>
-              </a:solidFill>
-              <a:uFill>
-                <a:solidFill>
-                  <a:srgbClr val="ffffff"/>
+            <a:endParaRPr lang="en-GB" sz="1800" b="0" strike="noStrike" spc="-1">
+              <a:solidFill>
+                <a:srgbClr val="000000"/>
+              </a:solidFill>
+              <a:uFill>
+                <a:solidFill>
+                  <a:srgbClr val="FFFFFF"/>
                 </a:solidFill>
               </a:uFill>
               <a:latin typeface="Arial"/>
@@ -7274,12 +8266,12 @@
       </p:sp>
       <p:pic>
         <p:nvPicPr>
-          <p:cNvPr id="130" name="Picture 3" descr=""/>
+          <p:cNvPr id="130" name="Picture 3"/>
           <p:cNvPicPr/>
           <p:nvPr/>
         </p:nvPicPr>
         <p:blipFill>
-          <a:blip r:embed="rId3"/>
+          <a:blip r:embed="rId4"/>
           <a:stretch/>
         </p:blipFill>
         <p:spPr>
@@ -7315,13 +8307,20 @@
           </a:ln>
         </p:spPr>
         <p:style>
-          <a:lnRef idx="0"/>
-          <a:fillRef idx="0"/>
-          <a:effectRef idx="0"/>
+          <a:lnRef idx="0">
+            <a:scrgbClr r="0" g="0" b="0"/>
+          </a:lnRef>
+          <a:fillRef idx="0">
+            <a:scrgbClr r="0" g="0" b="0"/>
+          </a:fillRef>
+          <a:effectRef idx="0">
+            <a:scrgbClr r="0" g="0" b="0"/>
+          </a:effectRef>
           <a:fontRef idx="minor"/>
         </p:style>
         <p:txBody>
-          <a:bodyPr lIns="90000" rIns="90000" tIns="45000" bIns="45000"/>
+          <a:bodyPr lIns="90000" tIns="45000" rIns="90000" bIns="45000"/>
+          <a:lstStyle/>
           <a:p>
             <a:pPr>
               <a:lnSpc>
@@ -7329,13 +8328,13 @@
               </a:lnSpc>
             </a:pPr>
             <a:r>
-              <a:rPr b="1" lang="en-GB" sz="3200" spc="-1" strike="noStrike">
+              <a:rPr lang="en-GB" sz="3200" b="1" strike="noStrike" spc="-1">
                 <a:solidFill>
                   <a:srgbClr val="000000"/>
                 </a:solidFill>
                 <a:uFill>
                   <a:solidFill>
-                    <a:srgbClr val="ffffff"/>
+                    <a:srgbClr val="FFFFFF"/>
                   </a:solidFill>
                 </a:uFill>
                 <a:latin typeface="Eras Bold ITC"/>
@@ -7343,13 +8342,13 @@
               </a:rPr>
               <a:t>www.aberrobotics.club</a:t>
             </a:r>
-            <a:endParaRPr b="0" lang="en-GB" sz="1800" spc="-1" strike="noStrike">
-              <a:solidFill>
-                <a:srgbClr val="000000"/>
-              </a:solidFill>
-              <a:uFill>
-                <a:solidFill>
-                  <a:srgbClr val="ffffff"/>
+            <a:endParaRPr lang="en-GB" sz="1800" b="0" strike="noStrike" spc="-1">
+              <a:solidFill>
+                <a:srgbClr val="000000"/>
+              </a:solidFill>
+              <a:uFill>
+                <a:solidFill>
+                  <a:srgbClr val="FFFFFF"/>
                 </a:solidFill>
               </a:uFill>
               <a:latin typeface="Arial"/>
@@ -7359,12 +8358,12 @@
       </p:sp>
       <p:pic>
         <p:nvPicPr>
-          <p:cNvPr id="132" name="Picture 4" descr=""/>
+          <p:cNvPr id="132" name="Picture 4"/>
           <p:cNvPicPr/>
           <p:nvPr/>
         </p:nvPicPr>
         <p:blipFill>
-          <a:blip r:embed="rId4"/>
+          <a:blip r:embed="rId5"/>
           <a:stretch/>
         </p:blipFill>
         <p:spPr>
@@ -7382,22 +8381,25 @@
       </p:pic>
     </p:spTree>
   </p:cSld>
+  <p:clrMapOvr>
+    <a:masterClrMapping/>
+  </p:clrMapOvr>
   <p:timing>
     <p:tnLst>
       <p:par>
-        <p:cTn id="9" dur="indefinite" restart="never" nodeType="tmRoot">
+        <p:cTn id="1" dur="indefinite" restart="never" nodeType="tmRoot">
           <p:childTnLst>
             <p:seq>
-              <p:cTn id="10" nodeType="mainSeq"/>
+              <p:cTn id="2" nodeType="mainSeq"/>
               <p:prevCondLst>
-                <p:cond delay="0" evt="onPrev">
+                <p:cond evt="onPrev" delay="0">
                   <p:tgtEl>
                     <p:sldTgt/>
                   </p:tgtEl>
                 </p:cond>
               </p:prevCondLst>
               <p:nextCondLst>
-                <p:cond delay="0" evt="onNext">
+                <p:cond evt="onNext" delay="0">
                   <p:tgtEl>
                     <p:sldTgt/>
                   </p:tgtEl>
@@ -7413,7 +8415,7 @@
 </file>
 
 <file path=ppt/slides/slide6.xml><?xml version="1.0" encoding="utf-8"?>
-<p:sld xmlns:a="http://schemas.openxmlformats.org/drawingml/2006/main" xmlns:p="http://schemas.openxmlformats.org/presentationml/2006/main" xmlns:r="http://schemas.openxmlformats.org/officeDocument/2006/relationships" xmlns:p14="http://schemas.microsoft.com/office/powerpoint/2010/main" xmlns:p15="http://schemas.microsoft.com/office/powerpoint/2012/main" xmlns:mc="http://schemas.openxmlformats.org/markup-compatibility/2006">
+<p:sld xmlns:a="http://schemas.openxmlformats.org/drawingml/2006/main" xmlns:r="http://schemas.openxmlformats.org/officeDocument/2006/relationships" xmlns:p="http://schemas.openxmlformats.org/presentationml/2006/main">
   <p:cSld>
     <p:spTree>
       <p:nvGrpSpPr>
@@ -7449,13 +8451,20 @@
           </a:ln>
         </p:spPr>
         <p:style>
-          <a:lnRef idx="0"/>
-          <a:fillRef idx="0"/>
-          <a:effectRef idx="0"/>
+          <a:lnRef idx="0">
+            <a:scrgbClr r="0" g="0" b="0"/>
+          </a:lnRef>
+          <a:fillRef idx="0">
+            <a:scrgbClr r="0" g="0" b="0"/>
+          </a:fillRef>
+          <a:effectRef idx="0">
+            <a:scrgbClr r="0" g="0" b="0"/>
+          </a:effectRef>
           <a:fontRef idx="minor"/>
         </p:style>
         <p:txBody>
-          <a:bodyPr lIns="0" rIns="0" tIns="0" bIns="0" anchor="ctr"/>
+          <a:bodyPr lIns="0" tIns="0" rIns="0" bIns="0" anchor="ctr"/>
+          <a:lstStyle/>
           <a:p>
             <a:pPr algn="ctr">
               <a:lnSpc>
@@ -7463,13 +8472,13 @@
               </a:lnSpc>
             </a:pPr>
             <a:r>
-              <a:rPr b="0" lang="en-GB" sz="4400" spc="-1" strike="noStrike">
+              <a:rPr lang="en-GB" sz="4400" b="0" strike="noStrike" spc="-1">
                 <a:solidFill>
                   <a:srgbClr val="000000"/>
                 </a:solidFill>
                 <a:uFill>
                   <a:solidFill>
-                    <a:srgbClr val="ffffff"/>
+                    <a:srgbClr val="FFFFFF"/>
                   </a:solidFill>
                 </a:uFill>
                 <a:latin typeface="Arial"/>
@@ -7477,13 +8486,13 @@
               </a:rPr>
               <a:t>Visitor Talks?</a:t>
             </a:r>
-            <a:endParaRPr b="0" lang="en-GB" sz="1800" spc="-1" strike="noStrike">
-              <a:solidFill>
-                <a:srgbClr val="000000"/>
-              </a:solidFill>
-              <a:uFill>
-                <a:solidFill>
-                  <a:srgbClr val="ffffff"/>
+            <a:endParaRPr lang="en-GB" sz="1800" b="0" strike="noStrike" spc="-1">
+              <a:solidFill>
+                <a:srgbClr val="000000"/>
+              </a:solidFill>
+              <a:uFill>
+                <a:solidFill>
+                  <a:srgbClr val="FFFFFF"/>
                 </a:solidFill>
               </a:uFill>
               <a:latin typeface="Arial"/>
@@ -7511,13 +8520,20 @@
           </a:ln>
         </p:spPr>
         <p:style>
-          <a:lnRef idx="0"/>
-          <a:fillRef idx="0"/>
-          <a:effectRef idx="0"/>
+          <a:lnRef idx="0">
+            <a:scrgbClr r="0" g="0" b="0"/>
+          </a:lnRef>
+          <a:fillRef idx="0">
+            <a:scrgbClr r="0" g="0" b="0"/>
+          </a:fillRef>
+          <a:effectRef idx="0">
+            <a:scrgbClr r="0" g="0" b="0"/>
+          </a:effectRef>
           <a:fontRef idx="minor"/>
         </p:style>
         <p:txBody>
-          <a:bodyPr lIns="0" rIns="0" tIns="0" bIns="0"/>
+          <a:bodyPr lIns="0" tIns="0" rIns="0" bIns="0"/>
+          <a:lstStyle/>
           <a:p>
             <a:pPr marL="432000" indent="-322200">
               <a:lnSpc>
@@ -7531,13 +8547,13 @@
               <a:buChar char=""/>
             </a:pPr>
             <a:r>
-              <a:rPr b="0" lang="en-GB" sz="3200" spc="-1" strike="noStrike">
+              <a:rPr lang="en-GB" sz="3200" b="0" strike="noStrike" spc="-1">
                 <a:solidFill>
                   <a:srgbClr val="000000"/>
                 </a:solidFill>
                 <a:uFill>
                   <a:solidFill>
-                    <a:srgbClr val="ffffff"/>
+                    <a:srgbClr val="FFFFFF"/>
                   </a:solidFill>
                 </a:uFill>
                 <a:latin typeface="Arial"/>
@@ -7545,13 +8561,13 @@
               </a:rPr>
               <a:t>Opportunities to have talks from staff/researchers, people in industry, visitors?</a:t>
             </a:r>
-            <a:endParaRPr b="0" lang="en-GB" sz="1800" spc="-1" strike="noStrike">
-              <a:solidFill>
-                <a:srgbClr val="000000"/>
-              </a:solidFill>
-              <a:uFill>
-                <a:solidFill>
-                  <a:srgbClr val="ffffff"/>
+            <a:endParaRPr lang="en-GB" sz="1800" b="0" strike="noStrike" spc="-1">
+              <a:solidFill>
+                <a:srgbClr val="000000"/>
+              </a:solidFill>
+              <a:uFill>
+                <a:solidFill>
+                  <a:srgbClr val="FFFFFF"/>
                 </a:solidFill>
               </a:uFill>
               <a:latin typeface="Arial"/>
@@ -7570,13 +8586,13 @@
               <a:buChar char=""/>
             </a:pPr>
             <a:r>
-              <a:rPr b="0" lang="en-GB" sz="3200" spc="-1" strike="noStrike">
+              <a:rPr lang="en-GB" sz="3200" b="0" strike="noStrike" spc="-1">
                 <a:solidFill>
                   <a:srgbClr val="000000"/>
                 </a:solidFill>
                 <a:uFill>
                   <a:solidFill>
-                    <a:srgbClr val="ffffff"/>
+                    <a:srgbClr val="FFFFFF"/>
                   </a:solidFill>
                 </a:uFill>
                 <a:latin typeface="Arial"/>
@@ -7584,13 +8600,13 @@
               </a:rPr>
               <a:t>Maybe once a month for 15-20 minutes?</a:t>
             </a:r>
-            <a:endParaRPr b="0" lang="en-GB" sz="1800" spc="-1" strike="noStrike">
-              <a:solidFill>
-                <a:srgbClr val="000000"/>
-              </a:solidFill>
-              <a:uFill>
-                <a:solidFill>
-                  <a:srgbClr val="ffffff"/>
+            <a:endParaRPr lang="en-GB" sz="1800" b="0" strike="noStrike" spc="-1">
+              <a:solidFill>
+                <a:srgbClr val="000000"/>
+              </a:solidFill>
+              <a:uFill>
+                <a:solidFill>
+                  <a:srgbClr val="FFFFFF"/>
                 </a:solidFill>
               </a:uFill>
               <a:latin typeface="Arial"/>
@@ -7609,13 +8625,13 @@
               <a:buChar char=""/>
             </a:pPr>
             <a:r>
-              <a:rPr b="0" lang="en-GB" sz="3200" spc="-1" strike="noStrike">
+              <a:rPr lang="en-GB" sz="3200" b="0" strike="noStrike" spc="-1">
                 <a:solidFill>
                   <a:srgbClr val="000000"/>
                 </a:solidFill>
                 <a:uFill>
                   <a:solidFill>
-                    <a:srgbClr val="ffffff"/>
+                    <a:srgbClr val="FFFFFF"/>
                   </a:solidFill>
                 </a:uFill>
                 <a:latin typeface="Arial"/>
@@ -7623,13 +8639,13 @@
               </a:rPr>
               <a:t> </a:t>
             </a:r>
-            <a:endParaRPr b="0" lang="en-GB" sz="1800" spc="-1" strike="noStrike">
-              <a:solidFill>
-                <a:srgbClr val="000000"/>
-              </a:solidFill>
-              <a:uFill>
-                <a:solidFill>
-                  <a:srgbClr val="ffffff"/>
+            <a:endParaRPr lang="en-GB" sz="1800" b="0" strike="noStrike" spc="-1">
+              <a:solidFill>
+                <a:srgbClr val="000000"/>
+              </a:solidFill>
+              <a:uFill>
+                <a:solidFill>
+                  <a:srgbClr val="FFFFFF"/>
                 </a:solidFill>
               </a:uFill>
               <a:latin typeface="Arial"/>
@@ -7648,13 +8664,13 @@
               <a:buChar char=""/>
             </a:pPr>
             <a:r>
-              <a:rPr b="0" lang="en-GB" sz="3200" spc="-1" strike="noStrike">
+              <a:rPr lang="en-GB" sz="3200" b="0" strike="noStrike" spc="-1">
                 <a:solidFill>
                   <a:srgbClr val="000000"/>
                 </a:solidFill>
                 <a:uFill>
                   <a:solidFill>
-                    <a:srgbClr val="ffffff"/>
+                    <a:srgbClr val="FFFFFF"/>
                   </a:solidFill>
                 </a:uFill>
                 <a:latin typeface="Arial"/>
@@ -7662,13 +8678,13 @@
               </a:rPr>
               <a:t>Yes/No?</a:t>
             </a:r>
-            <a:endParaRPr b="0" lang="en-GB" sz="1800" spc="-1" strike="noStrike">
-              <a:solidFill>
-                <a:srgbClr val="000000"/>
-              </a:solidFill>
-              <a:uFill>
-                <a:solidFill>
-                  <a:srgbClr val="ffffff"/>
+            <a:endParaRPr lang="en-GB" sz="1800" b="0" strike="noStrike" spc="-1">
+              <a:solidFill>
+                <a:srgbClr val="000000"/>
+              </a:solidFill>
+              <a:uFill>
+                <a:solidFill>
+                  <a:srgbClr val="FFFFFF"/>
                 </a:solidFill>
               </a:uFill>
               <a:latin typeface="Arial"/>
@@ -7678,12 +8694,12 @@
       </p:sp>
       <p:pic>
         <p:nvPicPr>
-          <p:cNvPr id="135" name="Picture 3" descr=""/>
+          <p:cNvPr id="135" name="Picture 3"/>
           <p:cNvPicPr/>
           <p:nvPr/>
         </p:nvPicPr>
         <p:blipFill>
-          <a:blip r:embed="rId1"/>
+          <a:blip r:embed="rId2"/>
           <a:stretch/>
         </p:blipFill>
         <p:spPr>
@@ -7719,13 +8735,20 @@
           </a:ln>
         </p:spPr>
         <p:style>
-          <a:lnRef idx="0"/>
-          <a:fillRef idx="0"/>
-          <a:effectRef idx="0"/>
+          <a:lnRef idx="0">
+            <a:scrgbClr r="0" g="0" b="0"/>
+          </a:lnRef>
+          <a:fillRef idx="0">
+            <a:scrgbClr r="0" g="0" b="0"/>
+          </a:fillRef>
+          <a:effectRef idx="0">
+            <a:scrgbClr r="0" g="0" b="0"/>
+          </a:effectRef>
           <a:fontRef idx="minor"/>
         </p:style>
         <p:txBody>
-          <a:bodyPr lIns="90000" rIns="90000" tIns="45000" bIns="45000"/>
+          <a:bodyPr lIns="90000" tIns="45000" rIns="90000" bIns="45000"/>
+          <a:lstStyle/>
           <a:p>
             <a:pPr>
               <a:lnSpc>
@@ -7733,13 +8756,13 @@
               </a:lnSpc>
             </a:pPr>
             <a:r>
-              <a:rPr b="1" lang="en-GB" sz="3200" spc="-1" strike="noStrike">
+              <a:rPr lang="en-GB" sz="3200" b="1" strike="noStrike" spc="-1">
                 <a:solidFill>
                   <a:srgbClr val="000000"/>
                 </a:solidFill>
                 <a:uFill>
                   <a:solidFill>
-                    <a:srgbClr val="ffffff"/>
+                    <a:srgbClr val="FFFFFF"/>
                   </a:solidFill>
                 </a:uFill>
                 <a:latin typeface="Eras Bold ITC"/>
@@ -7747,13 +8770,13 @@
               </a:rPr>
               <a:t>www.aberrobotics.club</a:t>
             </a:r>
-            <a:endParaRPr b="0" lang="en-GB" sz="1800" spc="-1" strike="noStrike">
-              <a:solidFill>
-                <a:srgbClr val="000000"/>
-              </a:solidFill>
-              <a:uFill>
-                <a:solidFill>
-                  <a:srgbClr val="ffffff"/>
+            <a:endParaRPr lang="en-GB" sz="1800" b="0" strike="noStrike" spc="-1">
+              <a:solidFill>
+                <a:srgbClr val="000000"/>
+              </a:solidFill>
+              <a:uFill>
+                <a:solidFill>
+                  <a:srgbClr val="FFFFFF"/>
                 </a:solidFill>
               </a:uFill>
               <a:latin typeface="Arial"/>
@@ -7763,12 +8786,12 @@
       </p:sp>
       <p:pic>
         <p:nvPicPr>
-          <p:cNvPr id="137" name="Picture 4" descr=""/>
+          <p:cNvPr id="137" name="Picture 4"/>
           <p:cNvPicPr/>
           <p:nvPr/>
         </p:nvPicPr>
         <p:blipFill>
-          <a:blip r:embed="rId2"/>
+          <a:blip r:embed="rId3"/>
           <a:stretch/>
         </p:blipFill>
         <p:spPr>
@@ -7786,22 +8809,25 @@
       </p:pic>
     </p:spTree>
   </p:cSld>
+  <p:clrMapOvr>
+    <a:masterClrMapping/>
+  </p:clrMapOvr>
   <p:timing>
     <p:tnLst>
       <p:par>
-        <p:cTn id="11" dur="indefinite" restart="never" nodeType="tmRoot">
+        <p:cTn id="1" dur="indefinite" restart="never" nodeType="tmRoot">
           <p:childTnLst>
             <p:seq>
-              <p:cTn id="12" nodeType="mainSeq"/>
+              <p:cTn id="2" nodeType="mainSeq"/>
               <p:prevCondLst>
-                <p:cond delay="0" evt="onPrev">
+                <p:cond evt="onPrev" delay="0">
                   <p:tgtEl>
                     <p:sldTgt/>
                   </p:tgtEl>
                 </p:cond>
               </p:prevCondLst>
               <p:nextCondLst>
-                <p:cond delay="0" evt="onNext">
+                <p:cond evt="onNext" delay="0">
                   <p:tgtEl>
                     <p:sldTgt/>
                   </p:tgtEl>
@@ -7817,7 +8843,7 @@
 </file>
 
 <file path=ppt/slides/slide7.xml><?xml version="1.0" encoding="utf-8"?>
-<p:sld xmlns:a="http://schemas.openxmlformats.org/drawingml/2006/main" xmlns:p="http://schemas.openxmlformats.org/presentationml/2006/main" xmlns:r="http://schemas.openxmlformats.org/officeDocument/2006/relationships" xmlns:p14="http://schemas.microsoft.com/office/powerpoint/2010/main" xmlns:p15="http://schemas.microsoft.com/office/powerpoint/2012/main" xmlns:mc="http://schemas.openxmlformats.org/markup-compatibility/2006">
+<p:sld xmlns:a="http://schemas.openxmlformats.org/drawingml/2006/main" xmlns:r="http://schemas.openxmlformats.org/officeDocument/2006/relationships" xmlns:p="http://schemas.openxmlformats.org/presentationml/2006/main">
   <p:cSld>
     <p:spTree>
       <p:nvGrpSpPr>
@@ -7835,7 +8861,7 @@
       </p:grpSpPr>
       <p:sp>
         <p:nvSpPr>
-          <p:cNvPr id="138" name="CustomShape 1"/>
+          <p:cNvPr id="133" name="CustomShape 1"/>
           <p:cNvSpPr/>
           <p:nvPr/>
         </p:nvSpPr>
@@ -7853,13 +8879,20 @@
           </a:ln>
         </p:spPr>
         <p:style>
-          <a:lnRef idx="0"/>
-          <a:fillRef idx="0"/>
-          <a:effectRef idx="0"/>
+          <a:lnRef idx="0">
+            <a:scrgbClr r="0" g="0" b="0"/>
+          </a:lnRef>
+          <a:fillRef idx="0">
+            <a:scrgbClr r="0" g="0" b="0"/>
+          </a:fillRef>
+          <a:effectRef idx="0">
+            <a:scrgbClr r="0" g="0" b="0"/>
+          </a:effectRef>
           <a:fontRef idx="minor"/>
         </p:style>
         <p:txBody>
-          <a:bodyPr lIns="0" rIns="0" tIns="0" bIns="0" anchor="ctr"/>
+          <a:bodyPr lIns="0" tIns="0" rIns="0" bIns="0" anchor="ctr"/>
+          <a:lstStyle/>
           <a:p>
             <a:pPr algn="ctr">
               <a:lnSpc>
@@ -7867,13 +8900,407 @@
               </a:lnSpc>
             </a:pPr>
             <a:r>
-              <a:rPr b="0" lang="en-GB" sz="4400" spc="-1" strike="noStrike">
+              <a:rPr lang="en-GB" sz="4400" b="0" strike="noStrike" spc="-1" dirty="0">
                 <a:solidFill>
                   <a:srgbClr val="000000"/>
                 </a:solidFill>
                 <a:uFill>
                   <a:solidFill>
-                    <a:srgbClr val="ffffff"/>
+                    <a:srgbClr val="FFFFFF"/>
+                  </a:solidFill>
+                </a:uFill>
+                <a:latin typeface="Arial"/>
+                <a:ea typeface="DejaVu Sans"/>
+              </a:rPr>
+              <a:t>BCS Show and Tell</a:t>
+            </a:r>
+            <a:endParaRPr lang="en-GB" sz="1800" b="0" strike="noStrike" spc="-1" dirty="0">
+              <a:solidFill>
+                <a:srgbClr val="000000"/>
+              </a:solidFill>
+              <a:uFill>
+                <a:solidFill>
+                  <a:srgbClr val="FFFFFF"/>
+                </a:solidFill>
+              </a:uFill>
+              <a:latin typeface="Arial"/>
+            </a:endParaRPr>
+          </a:p>
+        </p:txBody>
+      </p:sp>
+      <p:sp>
+        <p:nvSpPr>
+          <p:cNvPr id="134" name="CustomShape 2"/>
+          <p:cNvSpPr/>
+          <p:nvPr/>
+        </p:nvSpPr>
+        <p:spPr>
+          <a:xfrm>
+            <a:off x="504000" y="2728440"/>
+            <a:ext cx="9069840" cy="4382640"/>
+          </a:xfrm>
+          <a:prstGeom prst="rect">
+            <a:avLst/>
+          </a:prstGeom>
+          <a:noFill/>
+          <a:ln>
+            <a:noFill/>
+          </a:ln>
+        </p:spPr>
+        <p:style>
+          <a:lnRef idx="0">
+            <a:scrgbClr r="0" g="0" b="0"/>
+          </a:lnRef>
+          <a:fillRef idx="0">
+            <a:scrgbClr r="0" g="0" b="0"/>
+          </a:fillRef>
+          <a:effectRef idx="0">
+            <a:scrgbClr r="0" g="0" b="0"/>
+          </a:effectRef>
+          <a:fontRef idx="minor"/>
+        </p:style>
+        <p:txBody>
+          <a:bodyPr lIns="0" tIns="0" rIns="0" bIns="0"/>
+          <a:lstStyle/>
+          <a:p>
+            <a:pPr marL="432000" indent="-322200">
+              <a:lnSpc>
+                <a:spcPct val="100000"/>
+              </a:lnSpc>
+              <a:buClr>
+                <a:srgbClr val="000000"/>
+              </a:buClr>
+              <a:buSzPct val="45000"/>
+              <a:buFont typeface="Wingdings" charset="2"/>
+              <a:buChar char=""/>
+            </a:pPr>
+            <a:r>
+              <a:rPr lang="en-GB" sz="3200" b="0" strike="noStrike" spc="-1" dirty="0">
+                <a:solidFill>
+                  <a:srgbClr val="000000"/>
+                </a:solidFill>
+                <a:uFill>
+                  <a:solidFill>
+                    <a:srgbClr val="FFFFFF"/>
+                  </a:solidFill>
+                </a:uFill>
+                <a:latin typeface="Arial"/>
+              </a:rPr>
+              <a:t>1</a:t>
+            </a:r>
+            <a:r>
+              <a:rPr lang="en-GB" sz="3200" b="0" strike="noStrike" spc="-1" baseline="30000" dirty="0">
+                <a:solidFill>
+                  <a:srgbClr val="000000"/>
+                </a:solidFill>
+                <a:uFill>
+                  <a:solidFill>
+                    <a:srgbClr val="FFFFFF"/>
+                  </a:solidFill>
+                </a:uFill>
+                <a:latin typeface="Arial"/>
+              </a:rPr>
+              <a:t>st</a:t>
+            </a:r>
+            <a:r>
+              <a:rPr lang="en-GB" sz="3200" b="0" strike="noStrike" spc="-1" dirty="0">
+                <a:solidFill>
+                  <a:srgbClr val="000000"/>
+                </a:solidFill>
+                <a:uFill>
+                  <a:solidFill>
+                    <a:srgbClr val="FFFFFF"/>
+                  </a:solidFill>
+                </a:uFill>
+                <a:latin typeface="Arial"/>
+              </a:rPr>
+              <a:t> December (to be confirmed)</a:t>
+            </a:r>
+          </a:p>
+          <a:p>
+            <a:pPr marL="432000" indent="-322200">
+              <a:lnSpc>
+                <a:spcPct val="100000"/>
+              </a:lnSpc>
+              <a:buClr>
+                <a:srgbClr val="000000"/>
+              </a:buClr>
+              <a:buSzPct val="45000"/>
+              <a:buFont typeface="Wingdings" charset="2"/>
+              <a:buChar char=""/>
+            </a:pPr>
+            <a:r>
+              <a:rPr lang="en-GB" sz="3200" spc="-1" dirty="0">
+                <a:solidFill>
+                  <a:srgbClr val="000000"/>
+                </a:solidFill>
+                <a:uFill>
+                  <a:solidFill>
+                    <a:srgbClr val="FFFFFF"/>
+                  </a:solidFill>
+                </a:uFill>
+                <a:latin typeface="Arial"/>
+              </a:rPr>
+              <a:t>Does anyone want to talk about their project?</a:t>
+            </a:r>
+          </a:p>
+          <a:p>
+            <a:pPr marL="1346400" lvl="2" indent="-322200">
+              <a:buClr>
+                <a:srgbClr val="000000"/>
+              </a:buClr>
+              <a:buSzPct val="45000"/>
+              <a:buFont typeface="Wingdings" charset="2"/>
+              <a:buChar char=""/>
+            </a:pPr>
+            <a:r>
+              <a:rPr lang="en-GB" sz="3200" b="0" strike="noStrike" spc="-1" dirty="0">
+                <a:solidFill>
+                  <a:srgbClr val="000000"/>
+                </a:solidFill>
+                <a:uFill>
+                  <a:solidFill>
+                    <a:srgbClr val="FFFFFF"/>
+                  </a:solidFill>
+                </a:uFill>
+                <a:latin typeface="Arial"/>
+              </a:rPr>
+              <a:t>Still a bit early to decide…</a:t>
+            </a:r>
+            <a:endParaRPr lang="en-GB" b="0" strike="noStrike" spc="-1" dirty="0">
+              <a:solidFill>
+                <a:srgbClr val="000000"/>
+              </a:solidFill>
+              <a:uFill>
+                <a:solidFill>
+                  <a:srgbClr val="FFFFFF"/>
+                </a:solidFill>
+              </a:uFill>
+              <a:latin typeface="Arial"/>
+            </a:endParaRPr>
+          </a:p>
+        </p:txBody>
+      </p:sp>
+      <p:pic>
+        <p:nvPicPr>
+          <p:cNvPr id="135" name="Picture 3"/>
+          <p:cNvPicPr/>
+          <p:nvPr/>
+        </p:nvPicPr>
+        <p:blipFill>
+          <a:blip r:embed="rId2"/>
+          <a:stretch/>
+        </p:blipFill>
+        <p:spPr>
+          <a:xfrm>
+            <a:off x="0" y="0"/>
+            <a:ext cx="10078200" cy="1048680"/>
+          </a:xfrm>
+          <a:prstGeom prst="rect">
+            <a:avLst/>
+          </a:prstGeom>
+          <a:ln>
+            <a:noFill/>
+          </a:ln>
+        </p:spPr>
+      </p:pic>
+      <p:sp>
+        <p:nvSpPr>
+          <p:cNvPr id="136" name="CustomShape 3"/>
+          <p:cNvSpPr/>
+          <p:nvPr/>
+        </p:nvSpPr>
+        <p:spPr>
+          <a:xfrm>
+            <a:off x="4608000" y="0"/>
+            <a:ext cx="5524920" cy="1062360"/>
+          </a:xfrm>
+          <a:prstGeom prst="rect">
+            <a:avLst/>
+          </a:prstGeom>
+          <a:noFill/>
+          <a:ln>
+            <a:noFill/>
+          </a:ln>
+        </p:spPr>
+        <p:style>
+          <a:lnRef idx="0">
+            <a:scrgbClr r="0" g="0" b="0"/>
+          </a:lnRef>
+          <a:fillRef idx="0">
+            <a:scrgbClr r="0" g="0" b="0"/>
+          </a:fillRef>
+          <a:effectRef idx="0">
+            <a:scrgbClr r="0" g="0" b="0"/>
+          </a:effectRef>
+          <a:fontRef idx="minor"/>
+        </p:style>
+        <p:txBody>
+          <a:bodyPr lIns="90000" tIns="45000" rIns="90000" bIns="45000"/>
+          <a:lstStyle/>
+          <a:p>
+            <a:pPr>
+              <a:lnSpc>
+                <a:spcPct val="100000"/>
+              </a:lnSpc>
+            </a:pPr>
+            <a:r>
+              <a:rPr lang="en-GB" sz="3200" b="1" strike="noStrike" spc="-1">
+                <a:solidFill>
+                  <a:srgbClr val="000000"/>
+                </a:solidFill>
+                <a:uFill>
+                  <a:solidFill>
+                    <a:srgbClr val="FFFFFF"/>
+                  </a:solidFill>
+                </a:uFill>
+                <a:latin typeface="Eras Bold ITC"/>
+                <a:ea typeface="DejaVu Sans"/>
+              </a:rPr>
+              <a:t>www.aberrobotics.club</a:t>
+            </a:r>
+            <a:endParaRPr lang="en-GB" sz="1800" b="0" strike="noStrike" spc="-1">
+              <a:solidFill>
+                <a:srgbClr val="000000"/>
+              </a:solidFill>
+              <a:uFill>
+                <a:solidFill>
+                  <a:srgbClr val="FFFFFF"/>
+                </a:solidFill>
+              </a:uFill>
+              <a:latin typeface="Arial"/>
+            </a:endParaRPr>
+          </a:p>
+        </p:txBody>
+      </p:sp>
+      <p:pic>
+        <p:nvPicPr>
+          <p:cNvPr id="137" name="Picture 4"/>
+          <p:cNvPicPr/>
+          <p:nvPr/>
+        </p:nvPicPr>
+        <p:blipFill>
+          <a:blip r:embed="rId3"/>
+          <a:stretch/>
+        </p:blipFill>
+        <p:spPr>
+          <a:xfrm>
+            <a:off x="39240" y="0"/>
+            <a:ext cx="1068120" cy="1076760"/>
+          </a:xfrm>
+          <a:prstGeom prst="rect">
+            <a:avLst/>
+          </a:prstGeom>
+          <a:ln>
+            <a:noFill/>
+          </a:ln>
+        </p:spPr>
+      </p:pic>
+    </p:spTree>
+    <p:extLst>
+      <p:ext uri="{BB962C8B-B14F-4D97-AF65-F5344CB8AC3E}">
+        <p14:creationId xmlns:p14="http://schemas.microsoft.com/office/powerpoint/2010/main" val="3695000212"/>
+      </p:ext>
+    </p:extLst>
+  </p:cSld>
+  <p:clrMapOvr>
+    <a:masterClrMapping/>
+  </p:clrMapOvr>
+  <p:timing>
+    <p:tnLst>
+      <p:par>
+        <p:cTn id="1" dur="indefinite" restart="never" nodeType="tmRoot">
+          <p:childTnLst>
+            <p:seq>
+              <p:cTn id="2" nodeType="mainSeq"/>
+              <p:prevCondLst>
+                <p:cond evt="onPrev" delay="0">
+                  <p:tgtEl>
+                    <p:sldTgt/>
+                  </p:tgtEl>
+                </p:cond>
+              </p:prevCondLst>
+              <p:nextCondLst>
+                <p:cond evt="onNext" delay="0">
+                  <p:tgtEl>
+                    <p:sldTgt/>
+                  </p:tgtEl>
+                </p:cond>
+              </p:nextCondLst>
+            </p:seq>
+          </p:childTnLst>
+        </p:cTn>
+      </p:par>
+    </p:tnLst>
+  </p:timing>
+</p:sld>
+</file>
+
+<file path=ppt/slides/slide8.xml><?xml version="1.0" encoding="utf-8"?>
+<p:sld xmlns:a="http://schemas.openxmlformats.org/drawingml/2006/main" xmlns:r="http://schemas.openxmlformats.org/officeDocument/2006/relationships" xmlns:p="http://schemas.openxmlformats.org/presentationml/2006/main">
+  <p:cSld>
+    <p:spTree>
+      <p:nvGrpSpPr>
+        <p:cNvPr id="1" name=""/>
+        <p:cNvGrpSpPr/>
+        <p:nvPr/>
+      </p:nvGrpSpPr>
+      <p:grpSpPr>
+        <a:xfrm>
+          <a:off x="0" y="0"/>
+          <a:ext cx="0" cy="0"/>
+          <a:chOff x="0" y="0"/>
+          <a:chExt cx="0" cy="0"/>
+        </a:xfrm>
+      </p:grpSpPr>
+      <p:sp>
+        <p:nvSpPr>
+          <p:cNvPr id="138" name="CustomShape 1"/>
+          <p:cNvSpPr/>
+          <p:nvPr/>
+        </p:nvSpPr>
+        <p:spPr>
+          <a:xfrm>
+            <a:off x="504000" y="1467720"/>
+            <a:ext cx="9069840" cy="1260360"/>
+          </a:xfrm>
+          <a:prstGeom prst="rect">
+            <a:avLst/>
+          </a:prstGeom>
+          <a:noFill/>
+          <a:ln>
+            <a:noFill/>
+          </a:ln>
+        </p:spPr>
+        <p:style>
+          <a:lnRef idx="0">
+            <a:scrgbClr r="0" g="0" b="0"/>
+          </a:lnRef>
+          <a:fillRef idx="0">
+            <a:scrgbClr r="0" g="0" b="0"/>
+          </a:fillRef>
+          <a:effectRef idx="0">
+            <a:scrgbClr r="0" g="0" b="0"/>
+          </a:effectRef>
+          <a:fontRef idx="minor"/>
+        </p:style>
+        <p:txBody>
+          <a:bodyPr lIns="0" tIns="0" rIns="0" bIns="0" anchor="ctr"/>
+          <a:lstStyle/>
+          <a:p>
+            <a:pPr algn="ctr">
+              <a:lnSpc>
+                <a:spcPct val="100000"/>
+              </a:lnSpc>
+            </a:pPr>
+            <a:r>
+              <a:rPr lang="en-GB" sz="4400" b="0" strike="noStrike" spc="-1">
+                <a:solidFill>
+                  <a:srgbClr val="000000"/>
+                </a:solidFill>
+                <a:uFill>
+                  <a:solidFill>
+                    <a:srgbClr val="FFFFFF"/>
                   </a:solidFill>
                 </a:uFill>
                 <a:latin typeface="Arial"/>
@@ -7881,13 +9308,13 @@
               </a:rPr>
               <a:t>Links</a:t>
             </a:r>
-            <a:endParaRPr b="0" lang="en-GB" sz="1800" spc="-1" strike="noStrike">
-              <a:solidFill>
-                <a:srgbClr val="000000"/>
-              </a:solidFill>
-              <a:uFill>
-                <a:solidFill>
-                  <a:srgbClr val="ffffff"/>
+            <a:endParaRPr lang="en-GB" sz="1800" b="0" strike="noStrike" spc="-1">
+              <a:solidFill>
+                <a:srgbClr val="000000"/>
+              </a:solidFill>
+              <a:uFill>
+                <a:solidFill>
+                  <a:srgbClr val="FFFFFF"/>
                 </a:solidFill>
               </a:uFill>
               <a:latin typeface="Arial"/>
@@ -7915,13 +9342,20 @@
           </a:ln>
         </p:spPr>
         <p:style>
-          <a:lnRef idx="0"/>
-          <a:fillRef idx="0"/>
-          <a:effectRef idx="0"/>
+          <a:lnRef idx="0">
+            <a:scrgbClr r="0" g="0" b="0"/>
+          </a:lnRef>
+          <a:fillRef idx="0">
+            <a:scrgbClr r="0" g="0" b="0"/>
+          </a:fillRef>
+          <a:effectRef idx="0">
+            <a:scrgbClr r="0" g="0" b="0"/>
+          </a:effectRef>
           <a:fontRef idx="minor"/>
         </p:style>
         <p:txBody>
-          <a:bodyPr lIns="0" rIns="0" tIns="0" bIns="0"/>
+          <a:bodyPr lIns="0" tIns="0" rIns="0" bIns="0"/>
+          <a:lstStyle/>
           <a:p>
             <a:pPr marL="432000" indent="-322200">
               <a:lnSpc>
@@ -7935,13 +9369,13 @@
               <a:buChar char=""/>
             </a:pPr>
             <a:r>
-              <a:rPr b="0" lang="en-GB" sz="3200" spc="-1" strike="noStrike">
+              <a:rPr lang="en-GB" sz="3200" b="0" strike="noStrike" spc="-1">
                 <a:solidFill>
                   <a:srgbClr val="000000"/>
                 </a:solidFill>
                 <a:uFill>
                   <a:solidFill>
-                    <a:srgbClr val="ffffff"/>
+                    <a:srgbClr val="FFFFFF"/>
                   </a:solidFill>
                 </a:uFill>
                 <a:latin typeface="Arial"/>
@@ -7950,28 +9384,28 @@
               <a:t>AberSU Signup – </a:t>
             </a:r>
             <a:r>
-              <a:rPr b="0" lang="en-GB" sz="3200" spc="-1" strike="noStrike">
+              <a:rPr lang="en-GB" sz="3200" b="0" strike="noStrike" spc="-1">
                 <a:solidFill>
                   <a:srgbClr val="000000"/>
                 </a:solidFill>
                 <a:uFill>
                   <a:solidFill>
-                    <a:srgbClr val="ffffff"/>
+                    <a:srgbClr val="FFFFFF"/>
                   </a:solidFill>
                 </a:uFill>
                 <a:latin typeface="Arial"/>
                 <a:ea typeface="DejaVu Sans"/>
-                <a:hlinkClick r:id="rId1"/>
+                <a:hlinkClick r:id="rId2"/>
               </a:rPr>
               <a:t>www.abersu.co.uk/society/robotics</a:t>
             </a:r>
-            <a:endParaRPr b="0" lang="en-GB" sz="1800" spc="-1" strike="noStrike">
-              <a:solidFill>
-                <a:srgbClr val="000000"/>
-              </a:solidFill>
-              <a:uFill>
-                <a:solidFill>
-                  <a:srgbClr val="ffffff"/>
+            <a:endParaRPr lang="en-GB" sz="1800" b="0" strike="noStrike" spc="-1">
+              <a:solidFill>
+                <a:srgbClr val="000000"/>
+              </a:solidFill>
+              <a:uFill>
+                <a:solidFill>
+                  <a:srgbClr val="FFFFFF"/>
                 </a:solidFill>
               </a:uFill>
               <a:latin typeface="Arial"/>
@@ -7990,13 +9424,13 @@
               <a:buChar char=""/>
             </a:pPr>
             <a:r>
-              <a:rPr b="0" lang="en-GB" sz="3200" spc="-1" strike="noStrike">
+              <a:rPr lang="en-GB" sz="3200" b="0" strike="noStrike" spc="-1">
                 <a:solidFill>
                   <a:srgbClr val="000000"/>
                 </a:solidFill>
                 <a:uFill>
                   <a:solidFill>
-                    <a:srgbClr val="ffffff"/>
+                    <a:srgbClr val="FFFFFF"/>
                   </a:solidFill>
                 </a:uFill>
                 <a:latin typeface="Arial"/>
@@ -8005,29 +9439,29 @@
               <a:t>Projects List – </a:t>
             </a:r>
             <a:r>
-              <a:rPr b="0" lang="en-GB" sz="3200" spc="-1" strike="noStrike">
+              <a:rPr lang="en-GB" sz="3200" b="0" strike="noStrike" spc="-1">
                 <a:solidFill>
                   <a:srgbClr val="000000"/>
                 </a:solidFill>
                 <a:uFill>
                   <a:solidFill>
-                    <a:srgbClr val="ffffff"/>
+                    <a:srgbClr val="FFFFFF"/>
                   </a:solidFill>
                 </a:uFill>
                 <a:latin typeface="Arial"/>
                 <a:ea typeface="DejaVu Sans"/>
-                <a:hlinkClick r:id="rId2"/>
+                <a:hlinkClick r:id="rId3"/>
               </a:rPr>
               <a:t>www.students.aberrobotics.club/projects</a:t>
             </a:r>
             <a:r>
-              <a:rPr b="0" lang="en-GB" sz="3200" spc="-1" strike="noStrike">
+              <a:rPr lang="en-GB" sz="3200" b="0" strike="noStrike" spc="-1">
                 <a:solidFill>
                   <a:srgbClr val="000000"/>
                 </a:solidFill>
                 <a:uFill>
                   <a:solidFill>
-                    <a:srgbClr val="ffffff"/>
+                    <a:srgbClr val="FFFFFF"/>
                   </a:solidFill>
                 </a:uFill>
                 <a:latin typeface="Arial"/>
@@ -8035,13 +9469,13 @@
               </a:rPr>
               <a:t> </a:t>
             </a:r>
-            <a:endParaRPr b="0" lang="en-GB" sz="1800" spc="-1" strike="noStrike">
-              <a:solidFill>
-                <a:srgbClr val="000000"/>
-              </a:solidFill>
-              <a:uFill>
-                <a:solidFill>
-                  <a:srgbClr val="ffffff"/>
+            <a:endParaRPr lang="en-GB" sz="1800" b="0" strike="noStrike" spc="-1">
+              <a:solidFill>
+                <a:srgbClr val="000000"/>
+              </a:solidFill>
+              <a:uFill>
+                <a:solidFill>
+                  <a:srgbClr val="FFFFFF"/>
                 </a:solidFill>
               </a:uFill>
               <a:latin typeface="Arial"/>
@@ -8060,13 +9494,13 @@
               <a:buChar char=""/>
             </a:pPr>
             <a:r>
-              <a:rPr b="0" lang="en-GB" sz="3200" spc="-1" strike="noStrike">
+              <a:rPr lang="en-GB" sz="3200" b="0" strike="noStrike" spc="-1">
                 <a:solidFill>
                   <a:srgbClr val="000000"/>
                 </a:solidFill>
                 <a:uFill>
                   <a:solidFill>
-                    <a:srgbClr val="ffffff"/>
+                    <a:srgbClr val="FFFFFF"/>
                   </a:solidFill>
                 </a:uFill>
                 <a:latin typeface="Arial"/>
@@ -8075,29 +9509,29 @@
               <a:t>Projects and GitHub Signup – </a:t>
             </a:r>
             <a:r>
-              <a:rPr b="0" lang="en-GB" sz="3200" spc="-1" strike="noStrike">
+              <a:rPr lang="en-GB" sz="3200" b="0" strike="noStrike" spc="-1">
                 <a:solidFill>
                   <a:srgbClr val="000000"/>
                 </a:solidFill>
                 <a:uFill>
                   <a:solidFill>
-                    <a:srgbClr val="ffffff"/>
+                    <a:srgbClr val="FFFFFF"/>
                   </a:solidFill>
                 </a:uFill>
                 <a:latin typeface="Arial"/>
                 <a:ea typeface="DejaVu Sans"/>
-                <a:hlinkClick r:id="rId3"/>
+                <a:hlinkClick r:id="rId4"/>
               </a:rPr>
               <a:t>www.students.aberrobotics.club/github</a:t>
             </a:r>
             <a:r>
-              <a:rPr b="0" lang="en-GB" sz="3200" spc="-1" strike="noStrike">
+              <a:rPr lang="en-GB" sz="3200" b="0" strike="noStrike" spc="-1">
                 <a:solidFill>
                   <a:srgbClr val="000000"/>
                 </a:solidFill>
                 <a:uFill>
                   <a:solidFill>
-                    <a:srgbClr val="ffffff"/>
+                    <a:srgbClr val="FFFFFF"/>
                   </a:solidFill>
                 </a:uFill>
                 <a:latin typeface="Arial"/>
@@ -8105,13 +9539,13 @@
               </a:rPr>
               <a:t> </a:t>
             </a:r>
-            <a:endParaRPr b="0" lang="en-GB" sz="1800" spc="-1" strike="noStrike">
-              <a:solidFill>
-                <a:srgbClr val="000000"/>
-              </a:solidFill>
-              <a:uFill>
-                <a:solidFill>
-                  <a:srgbClr val="ffffff"/>
+            <a:endParaRPr lang="en-GB" sz="1800" b="0" strike="noStrike" spc="-1">
+              <a:solidFill>
+                <a:srgbClr val="000000"/>
+              </a:solidFill>
+              <a:uFill>
+                <a:solidFill>
+                  <a:srgbClr val="FFFFFF"/>
                 </a:solidFill>
               </a:uFill>
               <a:latin typeface="Arial"/>
@@ -8121,12 +9555,12 @@
       </p:sp>
       <p:pic>
         <p:nvPicPr>
-          <p:cNvPr id="140" name="Picture 3" descr=""/>
+          <p:cNvPr id="140" name="Picture 3"/>
           <p:cNvPicPr/>
           <p:nvPr/>
         </p:nvPicPr>
         <p:blipFill>
-          <a:blip r:embed="rId4"/>
+          <a:blip r:embed="rId5"/>
           <a:stretch/>
         </p:blipFill>
         <p:spPr>
@@ -8162,13 +9596,20 @@
           </a:ln>
         </p:spPr>
         <p:style>
-          <a:lnRef idx="0"/>
-          <a:fillRef idx="0"/>
-          <a:effectRef idx="0"/>
+          <a:lnRef idx="0">
+            <a:scrgbClr r="0" g="0" b="0"/>
+          </a:lnRef>
+          <a:fillRef idx="0">
+            <a:scrgbClr r="0" g="0" b="0"/>
+          </a:fillRef>
+          <a:effectRef idx="0">
+            <a:scrgbClr r="0" g="0" b="0"/>
+          </a:effectRef>
           <a:fontRef idx="minor"/>
         </p:style>
         <p:txBody>
-          <a:bodyPr lIns="90000" rIns="90000" tIns="45000" bIns="45000"/>
+          <a:bodyPr lIns="90000" tIns="45000" rIns="90000" bIns="45000"/>
+          <a:lstStyle/>
           <a:p>
             <a:pPr>
               <a:lnSpc>
@@ -8176,13 +9617,13 @@
               </a:lnSpc>
             </a:pPr>
             <a:r>
-              <a:rPr b="1" lang="en-GB" sz="3200" spc="-1" strike="noStrike">
+              <a:rPr lang="en-GB" sz="3200" b="1" strike="noStrike" spc="-1">
                 <a:solidFill>
                   <a:srgbClr val="000000"/>
                 </a:solidFill>
                 <a:uFill>
                   <a:solidFill>
-                    <a:srgbClr val="ffffff"/>
+                    <a:srgbClr val="FFFFFF"/>
                   </a:solidFill>
                 </a:uFill>
                 <a:latin typeface="Eras Bold ITC"/>
@@ -8190,13 +9631,13 @@
               </a:rPr>
               <a:t>www.aberrobotics.club</a:t>
             </a:r>
-            <a:endParaRPr b="0" lang="en-GB" sz="1800" spc="-1" strike="noStrike">
-              <a:solidFill>
-                <a:srgbClr val="000000"/>
-              </a:solidFill>
-              <a:uFill>
-                <a:solidFill>
-                  <a:srgbClr val="ffffff"/>
+            <a:endParaRPr lang="en-GB" sz="1800" b="0" strike="noStrike" spc="-1">
+              <a:solidFill>
+                <a:srgbClr val="000000"/>
+              </a:solidFill>
+              <a:uFill>
+                <a:solidFill>
+                  <a:srgbClr val="FFFFFF"/>
                 </a:solidFill>
               </a:uFill>
               <a:latin typeface="Arial"/>
@@ -8206,12 +9647,12 @@
       </p:sp>
       <p:pic>
         <p:nvPicPr>
-          <p:cNvPr id="142" name="Picture 4" descr=""/>
+          <p:cNvPr id="142" name="Picture 4"/>
           <p:cNvPicPr/>
           <p:nvPr/>
         </p:nvPicPr>
         <p:blipFill>
-          <a:blip r:embed="rId5"/>
+          <a:blip r:embed="rId6"/>
           <a:stretch/>
         </p:blipFill>
         <p:spPr>
@@ -8229,22 +9670,25 @@
       </p:pic>
     </p:spTree>
   </p:cSld>
+  <p:clrMapOvr>
+    <a:masterClrMapping/>
+  </p:clrMapOvr>
   <p:timing>
     <p:tnLst>
       <p:par>
-        <p:cTn id="13" dur="indefinite" restart="never" nodeType="tmRoot">
+        <p:cTn id="1" dur="indefinite" restart="never" nodeType="tmRoot">
           <p:childTnLst>
             <p:seq>
-              <p:cTn id="14" nodeType="mainSeq"/>
+              <p:cTn id="2" nodeType="mainSeq"/>
               <p:prevCondLst>
-                <p:cond delay="0" evt="onPrev">
+                <p:cond evt="onPrev" delay="0">
                   <p:tgtEl>
                     <p:sldTgt/>
                   </p:tgtEl>
                 </p:cond>
               </p:prevCondLst>
               <p:nextCondLst>
-                <p:cond delay="0" evt="onNext">
+                <p:cond evt="onNext" delay="0">
                   <p:tgtEl>
                     <p:sldTgt/>
                   </p:tgtEl>
@@ -8479,6 +9923,8 @@
       </a:bgFillStyleLst>
     </a:fmtScheme>
   </a:themeElements>
+  <a:objectDefaults/>
+  <a:extraClrSchemeLst/>
 </a:theme>
 </file>
 
@@ -8702,6 +10148,8 @@
       </a:bgFillStyleLst>
     </a:fmtScheme>
   </a:themeElements>
+  <a:objectDefaults/>
+  <a:extraClrSchemeLst/>
 </a:theme>
 </file>
 
@@ -8925,5 +10373,7 @@
       </a:bgFillStyleLst>
     </a:fmtScheme>
   </a:themeElements>
+  <a:objectDefaults/>
+  <a:extraClrSchemeLst/>
 </a:theme>
 </file>